--- a/module_10/part_2/deck_1.pptx
+++ b/module_10/part_2/deck_1.pptx
@@ -24,16 +24,26 @@
     <p:sldId id="274" r:id="rId18"/>
     <p:sldId id="275" r:id="rId19"/>
     <p:sldId id="276" r:id="rId20"/>
-    <p:sldId id="279" r:id="rId21"/>
-    <p:sldId id="284" r:id="rId22"/>
-    <p:sldId id="280" r:id="rId23"/>
-    <p:sldId id="281" r:id="rId24"/>
-    <p:sldId id="282" r:id="rId25"/>
-    <p:sldId id="283" r:id="rId26"/>
-    <p:sldId id="285" r:id="rId27"/>
-    <p:sldId id="286" r:id="rId28"/>
-    <p:sldId id="287" r:id="rId29"/>
-    <p:sldId id="288" r:id="rId30"/>
+    <p:sldId id="299" r:id="rId21"/>
+    <p:sldId id="300" r:id="rId22"/>
+    <p:sldId id="295" r:id="rId23"/>
+    <p:sldId id="297" r:id="rId24"/>
+    <p:sldId id="296" r:id="rId25"/>
+    <p:sldId id="298" r:id="rId26"/>
+    <p:sldId id="284" r:id="rId27"/>
+    <p:sldId id="293" r:id="rId28"/>
+    <p:sldId id="292" r:id="rId29"/>
+    <p:sldId id="291" r:id="rId30"/>
+    <p:sldId id="289" r:id="rId31"/>
+    <p:sldId id="290" r:id="rId32"/>
+    <p:sldId id="280" r:id="rId33"/>
+    <p:sldId id="281" r:id="rId34"/>
+    <p:sldId id="282" r:id="rId35"/>
+    <p:sldId id="283" r:id="rId36"/>
+    <p:sldId id="285" r:id="rId37"/>
+    <p:sldId id="286" r:id="rId38"/>
+    <p:sldId id="287" r:id="rId39"/>
+    <p:sldId id="288" r:id="rId40"/>
   </p:sldIdLst>
   <p:sldSz cx="12192000" cy="6858000"/>
   <p:notesSz cx="6858000" cy="9144000"/>
@@ -132,6 +142,11 @@
       </a:defRPr>
     </a:lvl9pPr>
   </p:defaultTextStyle>
+  <p:extLst>
+    <p:ext uri="{EFAFB233-063F-42B5-8137-9DF3F51BA10A}">
+      <p15:sldGuideLst xmlns:p15="http://schemas.microsoft.com/office/powerpoint/2012/main"/>
+    </p:ext>
+  </p:extLst>
 </p:presentation>
 </file>
 
@@ -3034,6 +3049,13 @@
   <p:clrMapOvr>
     <a:masterClrMapping/>
   </p:clrMapOvr>
+  <p:timing>
+    <p:tnLst>
+      <p:par>
+        <p:cTn id="1" dur="indefinite" restart="never" nodeType="tmRoot"/>
+      </p:par>
+    </p:tnLst>
+  </p:timing>
 </p:sld>
 </file>
 
@@ -3093,8 +3115,8 @@
           </a:p>
         </p:txBody>
       </p:sp>
-      <mc:AlternateContent xmlns:mc="http://schemas.openxmlformats.org/markup-compatibility/2006">
-        <mc:Choice xmlns:a14="http://schemas.microsoft.com/office/drawing/2010/main" Requires="a14">
+      <mc:AlternateContent xmlns:mc="http://schemas.openxmlformats.org/markup-compatibility/2006" xmlns:a14="http://schemas.microsoft.com/office/drawing/2010/main">
+        <mc:Choice Requires="a14">
           <p:sp>
             <p:nvSpPr>
               <p:cNvPr id="3" name="Content Placeholder 2"/>
@@ -3163,7 +3185,7 @@
             </p:txBody>
           </p:sp>
         </mc:Choice>
-        <mc:Fallback>
+        <mc:Fallback xmlns="">
           <p:sp>
             <p:nvSpPr>
               <p:cNvPr id="3" name="Content Placeholder 2"/>
@@ -3211,6 +3233,13 @@
   <p:clrMapOvr>
     <a:masterClrMapping/>
   </p:clrMapOvr>
+  <p:timing>
+    <p:tnLst>
+      <p:par>
+        <p:cTn id="1" dur="indefinite" restart="never" nodeType="tmRoot"/>
+      </p:par>
+    </p:tnLst>
+  </p:timing>
 </p:sld>
 </file>
 
@@ -3258,8 +3287,8 @@
           </a:p>
         </p:txBody>
       </p:sp>
-      <mc:AlternateContent xmlns:mc="http://schemas.openxmlformats.org/markup-compatibility/2006">
-        <mc:Choice xmlns:a14="http://schemas.microsoft.com/office/drawing/2010/main" Requires="a14">
+      <mc:AlternateContent xmlns:mc="http://schemas.openxmlformats.org/markup-compatibility/2006" xmlns:a14="http://schemas.microsoft.com/office/drawing/2010/main">
+        <mc:Choice Requires="a14">
           <p:sp>
             <p:nvSpPr>
               <p:cNvPr id="3" name="Content Placeholder 2"/>
@@ -3324,7 +3353,7 @@
             </p:txBody>
           </p:sp>
         </mc:Choice>
-        <mc:Fallback>
+        <mc:Fallback xmlns="">
           <p:sp>
             <p:nvSpPr>
               <p:cNvPr id="3" name="Content Placeholder 2"/>
@@ -3372,6 +3401,13 @@
   <p:clrMapOvr>
     <a:masterClrMapping/>
   </p:clrMapOvr>
+  <p:timing>
+    <p:tnLst>
+      <p:par>
+        <p:cTn id="1" dur="indefinite" restart="never" nodeType="tmRoot"/>
+      </p:par>
+    </p:tnLst>
+  </p:timing>
 </p:sld>
 </file>
 
@@ -3520,7 +3556,7 @@
                         <a:rPr lang="en-US" sz="8000" b="0" i="1" smtClean="0">
                           <a:latin typeface="Cambria Math" panose="02040503050406030204" pitchFamily="18" charset="0"/>
                         </a:rPr>
-                        <m:t>+</m:t>
+                        <m:t>∗</m:t>
                       </m:r>
                       <m:sSup>
                         <m:sSupPr>
@@ -3603,6 +3639,13 @@
   <p:clrMapOvr>
     <a:masterClrMapping/>
   </p:clrMapOvr>
+  <p:timing>
+    <p:tnLst>
+      <p:par>
+        <p:cTn id="1" dur="indefinite" restart="never" nodeType="tmRoot"/>
+      </p:par>
+    </p:tnLst>
+  </p:timing>
 </p:sld>
 </file>
 
@@ -3646,8 +3689,8 @@
           </a:p>
         </p:txBody>
       </p:sp>
-      <mc:AlternateContent xmlns:mc="http://schemas.openxmlformats.org/markup-compatibility/2006">
-        <mc:Choice xmlns:a14="http://schemas.microsoft.com/office/drawing/2010/main" Requires="a14">
+      <mc:AlternateContent xmlns:mc="http://schemas.openxmlformats.org/markup-compatibility/2006" xmlns:a14="http://schemas.microsoft.com/office/drawing/2010/main">
+        <mc:Choice Requires="a14">
           <p:sp>
             <p:nvSpPr>
               <p:cNvPr id="3" name="Content Placeholder 2"/>
@@ -3749,7 +3792,7 @@
             </p:txBody>
           </p:sp>
         </mc:Choice>
-        <mc:Fallback>
+        <mc:Fallback xmlns="">
           <p:sp>
             <p:nvSpPr>
               <p:cNvPr id="3" name="Content Placeholder 2"/>
@@ -3797,6 +3840,13 @@
   <p:clrMapOvr>
     <a:masterClrMapping/>
   </p:clrMapOvr>
+  <p:timing>
+    <p:tnLst>
+      <p:par>
+        <p:cTn id="1" dur="indefinite" restart="never" nodeType="tmRoot"/>
+      </p:par>
+    </p:tnLst>
+  </p:timing>
 </p:sld>
 </file>
 
@@ -3840,8 +3890,8 @@
           </a:p>
         </p:txBody>
       </p:sp>
-      <mc:AlternateContent xmlns:mc="http://schemas.openxmlformats.org/markup-compatibility/2006">
-        <mc:Choice xmlns:a14="http://schemas.microsoft.com/office/drawing/2010/main" Requires="a14">
+      <mc:AlternateContent xmlns:mc="http://schemas.openxmlformats.org/markup-compatibility/2006" xmlns:a14="http://schemas.microsoft.com/office/drawing/2010/main">
+        <mc:Choice Requires="a14">
           <p:sp>
             <p:nvSpPr>
               <p:cNvPr id="3" name="Content Placeholder 2"/>
@@ -3943,7 +3993,7 @@
             </p:txBody>
           </p:sp>
         </mc:Choice>
-        <mc:Fallback>
+        <mc:Fallback xmlns="">
           <p:sp>
             <p:nvSpPr>
               <p:cNvPr id="3" name="Content Placeholder 2"/>
@@ -4239,7 +4289,7 @@
                         <a:rPr lang="en-US" sz="6000" b="0" i="1" smtClean="0">
                           <a:latin typeface="Cambria Math" panose="02040503050406030204" pitchFamily="18" charset="0"/>
                         </a:rPr>
-                        <m:t>+</m:t>
+                        <m:t>∗</m:t>
                       </m:r>
                       <m:sSup>
                         <m:sSupPr>
@@ -4335,6 +4385,13 @@
   <p:clrMapOvr>
     <a:masterClrMapping/>
   </p:clrMapOvr>
+  <p:timing>
+    <p:tnLst>
+      <p:par>
+        <p:cTn id="1" dur="indefinite" restart="never" nodeType="tmRoot"/>
+      </p:par>
+    </p:tnLst>
+  </p:timing>
 </p:sld>
 </file>
 
@@ -4372,7 +4429,15 @@
           <a:p>
             <a:r>
               <a:rPr lang="en-US" dirty="0" smtClean="0"/>
-              <a:t>An inverse function does the </a:t>
+              <a:t>An </a:t>
+            </a:r>
+            <a:r>
+              <a:rPr lang="en-US" b="1" dirty="0" smtClean="0"/>
+              <a:t>inverse function </a:t>
+            </a:r>
+            <a:r>
+              <a:rPr lang="en-US" dirty="0" smtClean="0"/>
+              <a:t>does the </a:t>
             </a:r>
             <a:r>
               <a:rPr lang="en-US" i="1" dirty="0" smtClean="0"/>
@@ -4386,8 +4451,8 @@
           </a:p>
         </p:txBody>
       </p:sp>
-      <mc:AlternateContent xmlns:mc="http://schemas.openxmlformats.org/markup-compatibility/2006">
-        <mc:Choice xmlns:a14="http://schemas.microsoft.com/office/drawing/2010/main" Requires="a14">
+      <mc:AlternateContent xmlns:mc="http://schemas.openxmlformats.org/markup-compatibility/2006" xmlns:a14="http://schemas.microsoft.com/office/drawing/2010/main">
+        <mc:Choice Requires="a14">
           <p:sp>
             <p:nvSpPr>
               <p:cNvPr id="3" name="Content Placeholder 2"/>
@@ -4462,7 +4527,7 @@
             </p:txBody>
           </p:sp>
         </mc:Choice>
-        <mc:Fallback>
+        <mc:Fallback xmlns="">
           <p:sp>
             <p:nvSpPr>
               <p:cNvPr id="3" name="Content Placeholder 2"/>
@@ -4510,6 +4575,13 @@
   <p:clrMapOvr>
     <a:masterClrMapping/>
   </p:clrMapOvr>
+  <p:timing>
+    <p:tnLst>
+      <p:par>
+        <p:cTn id="1" dur="indefinite" restart="never" nodeType="tmRoot"/>
+      </p:par>
+    </p:tnLst>
+  </p:timing>
 </p:sld>
 </file>
 
@@ -4561,8 +4633,8 @@
           </a:p>
         </p:txBody>
       </p:sp>
-      <mc:AlternateContent xmlns:mc="http://schemas.openxmlformats.org/markup-compatibility/2006">
-        <mc:Choice xmlns:a14="http://schemas.microsoft.com/office/drawing/2010/main" Requires="a14">
+      <mc:AlternateContent xmlns:mc="http://schemas.openxmlformats.org/markup-compatibility/2006" xmlns:a14="http://schemas.microsoft.com/office/drawing/2010/main">
+        <mc:Choice Requires="a14">
           <p:sp>
             <p:nvSpPr>
               <p:cNvPr id="3" name="Content Placeholder 2"/>
@@ -4637,7 +4709,7 @@
             </p:txBody>
           </p:sp>
         </mc:Choice>
-        <mc:Fallback>
+        <mc:Fallback xmlns="">
           <p:sp>
             <p:nvSpPr>
               <p:cNvPr id="3" name="Content Placeholder 2"/>
@@ -4675,8 +4747,8 @@
           </p:sp>
         </mc:Fallback>
       </mc:AlternateContent>
-      <mc:AlternateContent xmlns:mc="http://schemas.openxmlformats.org/markup-compatibility/2006">
-        <mc:Choice xmlns:a14="http://schemas.microsoft.com/office/drawing/2010/main" Requires="a14">
+      <mc:AlternateContent xmlns:mc="http://schemas.openxmlformats.org/markup-compatibility/2006" xmlns:a14="http://schemas.microsoft.com/office/drawing/2010/main">
+        <mc:Choice Requires="a14">
           <p:sp>
             <p:nvSpPr>
               <p:cNvPr id="4" name="Content Placeholder 2"/>
@@ -4935,7 +5007,7 @@
             </p:txBody>
           </p:sp>
         </mc:Choice>
-        <mc:Fallback>
+        <mc:Fallback xmlns="">
           <p:sp>
             <p:nvSpPr>
               <p:cNvPr id="4" name="Content Placeholder 2"/>
@@ -4984,6 +5056,13 @@
   <p:clrMapOvr>
     <a:masterClrMapping/>
   </p:clrMapOvr>
+  <p:timing>
+    <p:tnLst>
+      <p:par>
+        <p:cTn id="1" dur="indefinite" restart="never" nodeType="tmRoot"/>
+      </p:par>
+    </p:tnLst>
+  </p:timing>
 </p:sld>
 </file>
 
@@ -5035,8 +5114,8 @@
           </a:p>
         </p:txBody>
       </p:sp>
-      <mc:AlternateContent xmlns:mc="http://schemas.openxmlformats.org/markup-compatibility/2006">
-        <mc:Choice xmlns:a14="http://schemas.microsoft.com/office/drawing/2010/main" Requires="a14">
+      <mc:AlternateContent xmlns:mc="http://schemas.openxmlformats.org/markup-compatibility/2006" xmlns:a14="http://schemas.microsoft.com/office/drawing/2010/main">
+        <mc:Choice Requires="a14">
           <p:sp>
             <p:nvSpPr>
               <p:cNvPr id="3" name="Content Placeholder 2"/>
@@ -5105,7 +5184,7 @@
             </p:txBody>
           </p:sp>
         </mc:Choice>
-        <mc:Fallback>
+        <mc:Fallback xmlns="">
           <p:sp>
             <p:nvSpPr>
               <p:cNvPr id="3" name="Content Placeholder 2"/>
@@ -5153,6 +5232,13 @@
   <p:clrMapOvr>
     <a:masterClrMapping/>
   </p:clrMapOvr>
+  <p:timing>
+    <p:tnLst>
+      <p:par>
+        <p:cTn id="1" dur="indefinite" restart="never" nodeType="tmRoot"/>
+      </p:par>
+    </p:tnLst>
+  </p:timing>
 </p:sld>
 </file>
 
@@ -5204,8 +5290,8 @@
           </a:p>
         </p:txBody>
       </p:sp>
-      <mc:AlternateContent xmlns:mc="http://schemas.openxmlformats.org/markup-compatibility/2006">
-        <mc:Choice xmlns:a14="http://schemas.microsoft.com/office/drawing/2010/main" Requires="a14">
+      <mc:AlternateContent xmlns:mc="http://schemas.openxmlformats.org/markup-compatibility/2006" xmlns:a14="http://schemas.microsoft.com/office/drawing/2010/main">
+        <mc:Choice Requires="a14">
           <p:sp>
             <p:nvSpPr>
               <p:cNvPr id="3" name="Content Placeholder 2"/>
@@ -5274,7 +5360,7 @@
             </p:txBody>
           </p:sp>
         </mc:Choice>
-        <mc:Fallback>
+        <mc:Fallback xmlns="">
           <p:sp>
             <p:nvSpPr>
               <p:cNvPr id="3" name="Content Placeholder 2"/>
@@ -5312,8 +5398,8 @@
           </p:sp>
         </mc:Fallback>
       </mc:AlternateContent>
-      <mc:AlternateContent xmlns:mc="http://schemas.openxmlformats.org/markup-compatibility/2006">
-        <mc:Choice xmlns:a14="http://schemas.microsoft.com/office/drawing/2010/main" Requires="a14">
+      <mc:AlternateContent xmlns:mc="http://schemas.openxmlformats.org/markup-compatibility/2006" xmlns:a14="http://schemas.microsoft.com/office/drawing/2010/main">
+        <mc:Choice Requires="a14">
           <p:sp>
             <p:nvSpPr>
               <p:cNvPr id="4" name="Content Placeholder 2"/>
@@ -5578,7 +5664,7 @@
             </p:txBody>
           </p:sp>
         </mc:Choice>
-        <mc:Fallback>
+        <mc:Fallback xmlns="">
           <p:sp>
             <p:nvSpPr>
               <p:cNvPr id="4" name="Content Placeholder 2"/>
@@ -5627,6 +5713,13 @@
   <p:clrMapOvr>
     <a:masterClrMapping/>
   </p:clrMapOvr>
+  <p:timing>
+    <p:tnLst>
+      <p:par>
+        <p:cTn id="1" dur="indefinite" restart="never" nodeType="tmRoot"/>
+      </p:par>
+    </p:tnLst>
+  </p:timing>
 </p:sld>
 </file>
 
@@ -5664,15 +5757,15 @@
           <a:p>
             <a:r>
               <a:rPr lang="en-US" dirty="0" smtClean="0"/>
-              <a:t>An inverse function does the </a:t>
-            </a:r>
-            <a:r>
-              <a:rPr lang="en-US" i="1" dirty="0" smtClean="0"/>
-              <a:t>opposite </a:t>
+              <a:t>Inverse functions are useful when you </a:t>
+            </a:r>
+            <a:r>
+              <a:rPr lang="en-US" b="1" dirty="0" smtClean="0"/>
+              <a:t>don’t know what your input value was</a:t>
             </a:r>
             <a:r>
               <a:rPr lang="en-US" dirty="0" smtClean="0"/>
-              <a:t>of some other function.</a:t>
+              <a:t>.</a:t>
             </a:r>
             <a:endParaRPr lang="en-US" i="1" dirty="0"/>
           </a:p>
@@ -5692,8 +5785,8 @@
             </p:nvSpPr>
             <p:spPr>
               <a:xfrm>
-                <a:off x="838200" y="3078353"/>
-                <a:ext cx="10515600" cy="1402207"/>
+                <a:off x="838200" y="2340375"/>
+                <a:ext cx="10515600" cy="788253"/>
               </a:xfrm>
             </p:spPr>
             <p:txBody>
@@ -5712,131 +5805,34 @@
                     </m:oMathParaPr>
                     <m:oMath xmlns:m="http://schemas.openxmlformats.org/officeDocument/2006/math">
                       <m:r>
-                        <a:rPr lang="en-US" sz="4200" b="0" i="1" smtClean="0">
+                        <a:rPr lang="en-US" sz="4400" b="0" i="1" smtClean="0">
                           <a:latin typeface="Cambria Math" panose="02040503050406030204" pitchFamily="18" charset="0"/>
                         </a:rPr>
-                        <m:t>𝑔</m:t>
+                        <m:t>𝑓</m:t>
                       </m:r>
                       <m:d>
                         <m:dPr>
                           <m:ctrlPr>
-                            <a:rPr lang="en-US" sz="4200" b="0" i="1" smtClean="0">
+                            <a:rPr lang="en-US" sz="4400" b="0" i="1" smtClean="0">
                               <a:latin typeface="Cambria Math" panose="02040503050406030204" pitchFamily="18" charset="0"/>
                             </a:rPr>
                           </m:ctrlPr>
                         </m:dPr>
                         <m:e>
                           <m:r>
-                            <a:rPr lang="en-US" sz="4200" b="0" i="1" smtClean="0">
-                              <a:latin typeface="Cambria Math" panose="02040503050406030204" pitchFamily="18" charset="0"/>
-                            </a:rPr>
-                            <m:t>𝑓</m:t>
+                            <a:rPr lang="en-US" sz="4400" b="0" i="1" smtClean="0">
+                              <a:latin typeface="Cambria Math" panose="02040503050406030204" pitchFamily="18" charset="0"/>
+                            </a:rPr>
+                            <m:t>?</m:t>
                           </m:r>
-                          <m:d>
-                            <m:dPr>
-                              <m:ctrlPr>
-                                <a:rPr lang="en-US" sz="4200" b="0" i="1" smtClean="0">
-                                  <a:latin typeface="Cambria Math" panose="02040503050406030204" pitchFamily="18" charset="0"/>
-                                </a:rPr>
-                              </m:ctrlPr>
-                            </m:dPr>
-                            <m:e>
-                              <m:r>
-                                <a:rPr lang="en-US" sz="4200" b="0" i="1" smtClean="0">
-                                  <a:latin typeface="Cambria Math" panose="02040503050406030204" pitchFamily="18" charset="0"/>
-                                </a:rPr>
-                                <m:t>𝑥</m:t>
-                              </m:r>
-                            </m:e>
-                          </m:d>
                         </m:e>
                       </m:d>
-                      <m:r>
-                        <a:rPr lang="en-US" sz="4200" b="0" i="1" smtClean="0">
-                          <a:latin typeface="Cambria Math" panose="02040503050406030204" pitchFamily="18" charset="0"/>
-                        </a:rPr>
-                        <m:t>=</m:t>
-                      </m:r>
-                      <m:f>
-                        <m:fPr>
-                          <m:ctrlPr>
-                            <a:rPr lang="en-US" sz="4400" b="0" i="1" smtClean="0">
-                              <a:latin typeface="Cambria Math" panose="02040503050406030204" pitchFamily="18" charset="0"/>
-                            </a:rPr>
-                          </m:ctrlPr>
-                        </m:fPr>
-                        <m:num>
-                          <m:r>
-                            <a:rPr lang="en-US" sz="4400" b="0" i="1" smtClean="0">
-                              <a:latin typeface="Cambria Math" panose="02040503050406030204" pitchFamily="18" charset="0"/>
-                            </a:rPr>
-                            <m:t>𝑓</m:t>
-                          </m:r>
-                          <m:r>
-                            <a:rPr lang="en-US" sz="4400" b="0" i="1" smtClean="0">
-                              <a:latin typeface="Cambria Math" panose="02040503050406030204" pitchFamily="18" charset="0"/>
-                            </a:rPr>
-                            <m:t>(</m:t>
-                          </m:r>
-                          <m:r>
-                            <a:rPr lang="en-US" sz="4400" b="0" i="1" smtClean="0">
-                              <a:latin typeface="Cambria Math" panose="02040503050406030204" pitchFamily="18" charset="0"/>
-                            </a:rPr>
-                            <m:t>𝑥</m:t>
-                          </m:r>
-                          <m:r>
-                            <a:rPr lang="en-US" sz="4400" b="0" i="1" smtClean="0">
-                              <a:latin typeface="Cambria Math" panose="02040503050406030204" pitchFamily="18" charset="0"/>
-                            </a:rPr>
-                            <m:t>)</m:t>
-                          </m:r>
-                        </m:num>
-                        <m:den>
-                          <m:r>
-                            <a:rPr lang="en-US" sz="4400" b="0" i="1" smtClean="0">
-                              <a:latin typeface="Cambria Math" panose="02040503050406030204" pitchFamily="18" charset="0"/>
-                            </a:rPr>
-                            <m:t>2</m:t>
-                          </m:r>
-                        </m:den>
-                      </m:f>
                       <m:r>
                         <a:rPr lang="en-US" sz="4400" b="0" i="1" smtClean="0">
                           <a:latin typeface="Cambria Math" panose="02040503050406030204" pitchFamily="18" charset="0"/>
                         </a:rPr>
-                        <m:t>=</m:t>
+                        <m:t>=2∗?</m:t>
                       </m:r>
-                      <m:f>
-                        <m:fPr>
-                          <m:ctrlPr>
-                            <a:rPr lang="en-US" sz="4000" b="0" i="1" smtClean="0">
-                              <a:latin typeface="Cambria Math" panose="02040503050406030204" pitchFamily="18" charset="0"/>
-                            </a:rPr>
-                          </m:ctrlPr>
-                        </m:fPr>
-                        <m:num>
-                          <m:r>
-                            <a:rPr lang="en-US" sz="4000" b="0" i="1" smtClean="0">
-                              <a:latin typeface="Cambria Math" panose="02040503050406030204" pitchFamily="18" charset="0"/>
-                            </a:rPr>
-                            <m:t>2</m:t>
-                          </m:r>
-                          <m:r>
-                            <a:rPr lang="en-US" sz="4000" b="0" i="1" smtClean="0">
-                              <a:latin typeface="Cambria Math" panose="02040503050406030204" pitchFamily="18" charset="0"/>
-                            </a:rPr>
-                            <m:t>𝑥</m:t>
-                          </m:r>
-                        </m:num>
-                        <m:den>
-                          <m:r>
-                            <a:rPr lang="en-US" sz="4000" b="0" i="1" smtClean="0">
-                              <a:latin typeface="Cambria Math" panose="02040503050406030204" pitchFamily="18" charset="0"/>
-                            </a:rPr>
-                            <m:t>2</m:t>
-                          </m:r>
-                        </m:den>
-                      </m:f>
                       <m:r>
                         <a:rPr lang="en-US" sz="4200" b="0" i="1" smtClean="0">
                           <a:latin typeface="Cambria Math" panose="02040503050406030204" pitchFamily="18" charset="0"/>
@@ -5847,7 +5843,7 @@
                         <a:rPr lang="en-US" sz="4200" b="0" i="1" smtClean="0">
                           <a:latin typeface="Cambria Math" panose="02040503050406030204" pitchFamily="18" charset="0"/>
                         </a:rPr>
-                        <m:t>𝑥</m:t>
+                        <m:t>16</m:t>
                       </m:r>
                     </m:oMath>
                   </m:oMathPara>
@@ -5870,8 +5866,8 @@
             </p:nvSpPr>
             <p:spPr>
               <a:xfrm>
-                <a:off x="838200" y="3078353"/>
-                <a:ext cx="10515600" cy="1402207"/>
+                <a:off x="838200" y="2340375"/>
+                <a:ext cx="10515600" cy="788253"/>
               </a:xfrm>
               <a:blipFill>
                 <a:blip r:embed="rId2"/>
@@ -5905,6 +5901,13 @@
   <p:clrMapOvr>
     <a:masterClrMapping/>
   </p:clrMapOvr>
+  <p:timing>
+    <p:tnLst>
+      <p:par>
+        <p:cTn id="1" dur="indefinite" restart="never" nodeType="tmRoot"/>
+      </p:par>
+    </p:tnLst>
+  </p:timing>
 </p:sld>
 </file>
 
@@ -5960,8 +5963,8 @@
           </a:p>
         </p:txBody>
       </p:sp>
-      <mc:AlternateContent xmlns:mc="http://schemas.openxmlformats.org/markup-compatibility/2006">
-        <mc:Choice xmlns:a14="http://schemas.microsoft.com/office/drawing/2010/main" Requires="a14">
+      <mc:AlternateContent xmlns:mc="http://schemas.openxmlformats.org/markup-compatibility/2006" xmlns:a14="http://schemas.microsoft.com/office/drawing/2010/main">
+        <mc:Choice Requires="a14">
           <p:sp>
             <p:nvSpPr>
               <p:cNvPr id="3" name="Content Placeholder 2"/>
@@ -6007,7 +6010,7 @@
             </p:txBody>
           </p:sp>
         </mc:Choice>
-        <mc:Fallback>
+        <mc:Fallback xmlns="">
           <p:sp>
             <p:nvSpPr>
               <p:cNvPr id="3" name="Content Placeholder 2"/>
@@ -6055,6 +6058,13 @@
   <p:clrMapOvr>
     <a:masterClrMapping/>
   </p:clrMapOvr>
+  <p:timing>
+    <p:tnLst>
+      <p:par>
+        <p:cTn id="1" dur="indefinite" restart="never" nodeType="tmRoot"/>
+      </p:par>
+    </p:tnLst>
+  </p:timing>
 </p:sld>
 </file>
 
@@ -6092,23 +6102,15 @@
           <a:p>
             <a:r>
               <a:rPr lang="en-US" dirty="0" smtClean="0"/>
-              <a:t>Taking a </a:t>
+              <a:t>Inverse functions are useful when you </a:t>
             </a:r>
             <a:r>
               <a:rPr lang="en-US" b="1" dirty="0" smtClean="0"/>
-              <a:t>logarithm</a:t>
+              <a:t>don’t know what your input value was</a:t>
             </a:r>
             <a:r>
               <a:rPr lang="en-US" dirty="0" smtClean="0"/>
-              <a:t> is the inverse function to exponentiation (for the value </a:t>
-            </a:r>
-            <a:r>
-              <a:rPr lang="en-US" i="1" dirty="0" smtClean="0"/>
-              <a:t>n</a:t>
-            </a:r>
-            <a:r>
-              <a:rPr lang="en-US" dirty="0" smtClean="0"/>
-              <a:t>).</a:t>
+              <a:t>.</a:t>
             </a:r>
             <a:endParaRPr lang="en-US" i="1" dirty="0"/>
           </a:p>
@@ -6128,7 +6130,3899 @@
             </p:nvSpPr>
             <p:spPr>
               <a:xfrm>
+                <a:off x="838200" y="2340375"/>
+                <a:ext cx="10515600" cy="788253"/>
+              </a:xfrm>
+            </p:spPr>
+            <p:txBody>
+              <a:bodyPr>
+                <a:normAutofit/>
+              </a:bodyPr>
+              <a:lstStyle/>
+              <a:p>
+                <a:pPr marL="0" indent="0">
+                  <a:buNone/>
+                </a:pPr>
+                <a14:m>
+                  <m:oMathPara xmlns:m="http://schemas.openxmlformats.org/officeDocument/2006/math">
+                    <m:oMathParaPr>
+                      <m:jc m:val="centerGroup"/>
+                    </m:oMathParaPr>
+                    <m:oMath xmlns:m="http://schemas.openxmlformats.org/officeDocument/2006/math">
+                      <m:r>
+                        <a:rPr lang="en-US" sz="4400" b="0" i="1" smtClean="0">
+                          <a:latin typeface="Cambria Math" panose="02040503050406030204" pitchFamily="18" charset="0"/>
+                        </a:rPr>
+                        <m:t>𝑓</m:t>
+                      </m:r>
+                      <m:d>
+                        <m:dPr>
+                          <m:ctrlPr>
+                            <a:rPr lang="en-US" sz="4400" b="0" i="1" smtClean="0">
+                              <a:latin typeface="Cambria Math" panose="02040503050406030204" pitchFamily="18" charset="0"/>
+                            </a:rPr>
+                          </m:ctrlPr>
+                        </m:dPr>
+                        <m:e>
+                          <m:r>
+                            <a:rPr lang="en-US" sz="4400" b="0" i="1" smtClean="0">
+                              <a:latin typeface="Cambria Math" panose="02040503050406030204" pitchFamily="18" charset="0"/>
+                            </a:rPr>
+                            <m:t>?</m:t>
+                          </m:r>
+                        </m:e>
+                      </m:d>
+                      <m:r>
+                        <a:rPr lang="en-US" sz="4400" b="0" i="1" smtClean="0">
+                          <a:latin typeface="Cambria Math" panose="02040503050406030204" pitchFamily="18" charset="0"/>
+                        </a:rPr>
+                        <m:t>=2∗?</m:t>
+                      </m:r>
+                      <m:r>
+                        <a:rPr lang="en-US" sz="4200" b="0" i="1" smtClean="0">
+                          <a:latin typeface="Cambria Math" panose="02040503050406030204" pitchFamily="18" charset="0"/>
+                        </a:rPr>
+                        <m:t>=</m:t>
+                      </m:r>
+                      <m:r>
+                        <a:rPr lang="en-US" sz="4200" b="0" i="1" smtClean="0">
+                          <a:latin typeface="Cambria Math" panose="02040503050406030204" pitchFamily="18" charset="0"/>
+                        </a:rPr>
+                        <m:t>16</m:t>
+                      </m:r>
+                    </m:oMath>
+                  </m:oMathPara>
+                </a14:m>
+                <a:endParaRPr lang="en-US" sz="4200" dirty="0"/>
+              </a:p>
+            </p:txBody>
+          </p:sp>
+        </mc:Choice>
+        <mc:Fallback>
+          <p:sp>
+            <p:nvSpPr>
+              <p:cNvPr id="3" name="Content Placeholder 2"/>
+              <p:cNvSpPr>
+                <a:spLocks noGrp="1" noRot="1" noChangeAspect="1" noMove="1" noResize="1" noEditPoints="1" noAdjustHandles="1" noChangeArrowheads="1" noChangeShapeType="1" noTextEdit="1"/>
+              </p:cNvSpPr>
+              <p:nvPr>
+                <p:ph idx="1"/>
+              </p:nvPr>
+            </p:nvSpPr>
+            <p:spPr>
+              <a:xfrm>
+                <a:off x="838200" y="2340375"/>
+                <a:ext cx="10515600" cy="788253"/>
+              </a:xfrm>
+              <a:blipFill>
+                <a:blip r:embed="rId2"/>
+                <a:stretch>
+                  <a:fillRect/>
+                </a:stretch>
+              </a:blipFill>
+            </p:spPr>
+            <p:txBody>
+              <a:bodyPr/>
+              <a:lstStyle/>
+              <a:p>
+                <a:r>
+                  <a:rPr lang="en-US">
+                    <a:noFill/>
+                  </a:rPr>
+                  <a:t> </a:t>
+                </a:r>
+              </a:p>
+            </p:txBody>
+          </p:sp>
+        </mc:Fallback>
+      </mc:AlternateContent>
+      <mc:AlternateContent xmlns:mc="http://schemas.openxmlformats.org/markup-compatibility/2006">
+        <mc:Choice xmlns:a14="http://schemas.microsoft.com/office/drawing/2010/main" Requires="a14">
+          <p:sp>
+            <p:nvSpPr>
+              <p:cNvPr id="5" name="Content Placeholder 2"/>
+              <p:cNvSpPr txBox="1">
+                <a:spLocks/>
+              </p:cNvSpPr>
+              <p:nvPr/>
+            </p:nvSpPr>
+            <p:spPr>
+              <a:xfrm>
+                <a:off x="838200" y="3386430"/>
+                <a:ext cx="10515600" cy="1123111"/>
+              </a:xfrm>
+              <a:prstGeom prst="rect">
+                <a:avLst/>
+              </a:prstGeom>
+            </p:spPr>
+            <p:txBody>
+              <a:bodyPr vert="horz" lIns="91440" tIns="45720" rIns="91440" bIns="45720" rtlCol="0">
+                <a:noAutofit/>
+              </a:bodyPr>
+              <a:lstStyle>
+                <a:lvl1pPr marL="228600" indent="-228600" algn="l" defTabSz="914400" rtl="0" eaLnBrk="1" latinLnBrk="0" hangingPunct="1">
+                  <a:lnSpc>
+                    <a:spcPct val="90000"/>
+                  </a:lnSpc>
+                  <a:spcBef>
+                    <a:spcPts val="1000"/>
+                  </a:spcBef>
+                  <a:buFont typeface="Arial" panose="020B0604020202020204" pitchFamily="34" charset="0"/>
+                  <a:buChar char="•"/>
+                  <a:defRPr sz="2800" kern="1200">
+                    <a:solidFill>
+                      <a:schemeClr val="tx1"/>
+                    </a:solidFill>
+                    <a:latin typeface="+mn-lt"/>
+                    <a:ea typeface="+mn-ea"/>
+                    <a:cs typeface="+mn-cs"/>
+                  </a:defRPr>
+                </a:lvl1pPr>
+                <a:lvl2pPr marL="685800" indent="-228600" algn="l" defTabSz="914400" rtl="0" eaLnBrk="1" latinLnBrk="0" hangingPunct="1">
+                  <a:lnSpc>
+                    <a:spcPct val="90000"/>
+                  </a:lnSpc>
+                  <a:spcBef>
+                    <a:spcPts val="500"/>
+                  </a:spcBef>
+                  <a:buFont typeface="Arial" panose="020B0604020202020204" pitchFamily="34" charset="0"/>
+                  <a:buChar char="•"/>
+                  <a:defRPr sz="2400" kern="1200">
+                    <a:solidFill>
+                      <a:schemeClr val="tx1"/>
+                    </a:solidFill>
+                    <a:latin typeface="+mn-lt"/>
+                    <a:ea typeface="+mn-ea"/>
+                    <a:cs typeface="+mn-cs"/>
+                  </a:defRPr>
+                </a:lvl2pPr>
+                <a:lvl3pPr marL="1143000" indent="-228600" algn="l" defTabSz="914400" rtl="0" eaLnBrk="1" latinLnBrk="0" hangingPunct="1">
+                  <a:lnSpc>
+                    <a:spcPct val="90000"/>
+                  </a:lnSpc>
+                  <a:spcBef>
+                    <a:spcPts val="500"/>
+                  </a:spcBef>
+                  <a:buFont typeface="Arial" panose="020B0604020202020204" pitchFamily="34" charset="0"/>
+                  <a:buChar char="•"/>
+                  <a:defRPr sz="2000" kern="1200">
+                    <a:solidFill>
+                      <a:schemeClr val="tx1"/>
+                    </a:solidFill>
+                    <a:latin typeface="+mn-lt"/>
+                    <a:ea typeface="+mn-ea"/>
+                    <a:cs typeface="+mn-cs"/>
+                  </a:defRPr>
+                </a:lvl3pPr>
+                <a:lvl4pPr marL="1600200" indent="-228600" algn="l" defTabSz="914400" rtl="0" eaLnBrk="1" latinLnBrk="0" hangingPunct="1">
+                  <a:lnSpc>
+                    <a:spcPct val="90000"/>
+                  </a:lnSpc>
+                  <a:spcBef>
+                    <a:spcPts val="500"/>
+                  </a:spcBef>
+                  <a:buFont typeface="Arial" panose="020B0604020202020204" pitchFamily="34" charset="0"/>
+                  <a:buChar char="•"/>
+                  <a:defRPr sz="1800" kern="1200">
+                    <a:solidFill>
+                      <a:schemeClr val="tx1"/>
+                    </a:solidFill>
+                    <a:latin typeface="+mn-lt"/>
+                    <a:ea typeface="+mn-ea"/>
+                    <a:cs typeface="+mn-cs"/>
+                  </a:defRPr>
+                </a:lvl4pPr>
+                <a:lvl5pPr marL="2057400" indent="-228600" algn="l" defTabSz="914400" rtl="0" eaLnBrk="1" latinLnBrk="0" hangingPunct="1">
+                  <a:lnSpc>
+                    <a:spcPct val="90000"/>
+                  </a:lnSpc>
+                  <a:spcBef>
+                    <a:spcPts val="500"/>
+                  </a:spcBef>
+                  <a:buFont typeface="Arial" panose="020B0604020202020204" pitchFamily="34" charset="0"/>
+                  <a:buChar char="•"/>
+                  <a:defRPr sz="1800" kern="1200">
+                    <a:solidFill>
+                      <a:schemeClr val="tx1"/>
+                    </a:solidFill>
+                    <a:latin typeface="+mn-lt"/>
+                    <a:ea typeface="+mn-ea"/>
+                    <a:cs typeface="+mn-cs"/>
+                  </a:defRPr>
+                </a:lvl5pPr>
+                <a:lvl6pPr marL="2514600" indent="-228600" algn="l" defTabSz="914400" rtl="0" eaLnBrk="1" latinLnBrk="0" hangingPunct="1">
+                  <a:lnSpc>
+                    <a:spcPct val="90000"/>
+                  </a:lnSpc>
+                  <a:spcBef>
+                    <a:spcPts val="500"/>
+                  </a:spcBef>
+                  <a:buFont typeface="Arial" panose="020B0604020202020204" pitchFamily="34" charset="0"/>
+                  <a:buChar char="•"/>
+                  <a:defRPr sz="1800" kern="1200">
+                    <a:solidFill>
+                      <a:schemeClr val="tx1"/>
+                    </a:solidFill>
+                    <a:latin typeface="+mn-lt"/>
+                    <a:ea typeface="+mn-ea"/>
+                    <a:cs typeface="+mn-cs"/>
+                  </a:defRPr>
+                </a:lvl6pPr>
+                <a:lvl7pPr marL="2971800" indent="-228600" algn="l" defTabSz="914400" rtl="0" eaLnBrk="1" latinLnBrk="0" hangingPunct="1">
+                  <a:lnSpc>
+                    <a:spcPct val="90000"/>
+                  </a:lnSpc>
+                  <a:spcBef>
+                    <a:spcPts val="500"/>
+                  </a:spcBef>
+                  <a:buFont typeface="Arial" panose="020B0604020202020204" pitchFamily="34" charset="0"/>
+                  <a:buChar char="•"/>
+                  <a:defRPr sz="1800" kern="1200">
+                    <a:solidFill>
+                      <a:schemeClr val="tx1"/>
+                    </a:solidFill>
+                    <a:latin typeface="+mn-lt"/>
+                    <a:ea typeface="+mn-ea"/>
+                    <a:cs typeface="+mn-cs"/>
+                  </a:defRPr>
+                </a:lvl7pPr>
+                <a:lvl8pPr marL="3429000" indent="-228600" algn="l" defTabSz="914400" rtl="0" eaLnBrk="1" latinLnBrk="0" hangingPunct="1">
+                  <a:lnSpc>
+                    <a:spcPct val="90000"/>
+                  </a:lnSpc>
+                  <a:spcBef>
+                    <a:spcPts val="500"/>
+                  </a:spcBef>
+                  <a:buFont typeface="Arial" panose="020B0604020202020204" pitchFamily="34" charset="0"/>
+                  <a:buChar char="•"/>
+                  <a:defRPr sz="1800" kern="1200">
+                    <a:solidFill>
+                      <a:schemeClr val="tx1"/>
+                    </a:solidFill>
+                    <a:latin typeface="+mn-lt"/>
+                    <a:ea typeface="+mn-ea"/>
+                    <a:cs typeface="+mn-cs"/>
+                  </a:defRPr>
+                </a:lvl8pPr>
+                <a:lvl9pPr marL="3886200" indent="-228600" algn="l" defTabSz="914400" rtl="0" eaLnBrk="1" latinLnBrk="0" hangingPunct="1">
+                  <a:lnSpc>
+                    <a:spcPct val="90000"/>
+                  </a:lnSpc>
+                  <a:spcBef>
+                    <a:spcPts val="500"/>
+                  </a:spcBef>
+                  <a:buFont typeface="Arial" panose="020B0604020202020204" pitchFamily="34" charset="0"/>
+                  <a:buChar char="•"/>
+                  <a:defRPr sz="1800" kern="1200">
+                    <a:solidFill>
+                      <a:schemeClr val="tx1"/>
+                    </a:solidFill>
+                    <a:latin typeface="+mn-lt"/>
+                    <a:ea typeface="+mn-ea"/>
+                    <a:cs typeface="+mn-cs"/>
+                  </a:defRPr>
+                </a:lvl9pPr>
+              </a:lstStyle>
+              <a:p>
+                <a:pPr marL="0" indent="0">
+                  <a:buFont typeface="Arial" panose="020B0604020202020204" pitchFamily="34" charset="0"/>
+                  <a:buNone/>
+                </a:pPr>
+                <a14:m>
+                  <m:oMathPara xmlns:m="http://schemas.openxmlformats.org/officeDocument/2006/math">
+                    <m:oMathParaPr>
+                      <m:jc m:val="centerGroup"/>
+                    </m:oMathParaPr>
+                    <m:oMath xmlns:m="http://schemas.openxmlformats.org/officeDocument/2006/math">
+                      <m:r>
+                        <a:rPr lang="en-US" sz="4200" b="0" i="1" smtClean="0">
+                          <a:latin typeface="Cambria Math" panose="02040503050406030204" pitchFamily="18" charset="0"/>
+                        </a:rPr>
+                        <m:t>𝑔</m:t>
+                      </m:r>
+                      <m:d>
+                        <m:dPr>
+                          <m:ctrlPr>
+                            <a:rPr lang="en-US" sz="4200" b="0" i="1" smtClean="0">
+                              <a:latin typeface="Cambria Math" panose="02040503050406030204" pitchFamily="18" charset="0"/>
+                            </a:rPr>
+                          </m:ctrlPr>
+                        </m:dPr>
+                        <m:e>
+                          <m:r>
+                            <a:rPr lang="en-US" sz="4200" b="0" i="1" smtClean="0">
+                              <a:latin typeface="Cambria Math" panose="02040503050406030204" pitchFamily="18" charset="0"/>
+                            </a:rPr>
+                            <m:t>16</m:t>
+                          </m:r>
+                        </m:e>
+                      </m:d>
+                      <m:r>
+                        <a:rPr lang="en-US" sz="4200" b="0" i="1" smtClean="0">
+                          <a:latin typeface="Cambria Math" panose="02040503050406030204" pitchFamily="18" charset="0"/>
+                        </a:rPr>
+                        <m:t>=</m:t>
+                      </m:r>
+                      <m:f>
+                        <m:fPr>
+                          <m:ctrlPr>
+                            <a:rPr lang="en-US" sz="4200" b="0" i="1" smtClean="0">
+                              <a:latin typeface="Cambria Math" panose="02040503050406030204" pitchFamily="18" charset="0"/>
+                            </a:rPr>
+                          </m:ctrlPr>
+                        </m:fPr>
+                        <m:num>
+                          <m:r>
+                            <a:rPr lang="en-US" sz="4200" b="0" i="1" smtClean="0">
+                              <a:latin typeface="Cambria Math" panose="02040503050406030204" pitchFamily="18" charset="0"/>
+                            </a:rPr>
+                            <m:t>16</m:t>
+                          </m:r>
+                        </m:num>
+                        <m:den>
+                          <m:r>
+                            <a:rPr lang="en-US" sz="4200" b="0" i="1" smtClean="0">
+                              <a:latin typeface="Cambria Math" panose="02040503050406030204" pitchFamily="18" charset="0"/>
+                            </a:rPr>
+                            <m:t>2</m:t>
+                          </m:r>
+                        </m:den>
+                      </m:f>
+                      <m:r>
+                        <a:rPr lang="en-US" sz="4200" b="0" i="1" smtClean="0">
+                          <a:latin typeface="Cambria Math" panose="02040503050406030204" pitchFamily="18" charset="0"/>
+                        </a:rPr>
+                        <m:t>=8</m:t>
+                      </m:r>
+                    </m:oMath>
+                  </m:oMathPara>
+                </a14:m>
+                <a:endParaRPr lang="en-US" sz="4200" dirty="0"/>
+              </a:p>
+            </p:txBody>
+          </p:sp>
+        </mc:Choice>
+        <mc:Fallback>
+          <p:sp>
+            <p:nvSpPr>
+              <p:cNvPr id="5" name="Content Placeholder 2"/>
+              <p:cNvSpPr txBox="1">
+                <a:spLocks noRot="1" noChangeAspect="1" noMove="1" noResize="1" noEditPoints="1" noAdjustHandles="1" noChangeArrowheads="1" noChangeShapeType="1" noTextEdit="1"/>
+              </p:cNvSpPr>
+              <p:nvPr/>
+            </p:nvSpPr>
+            <p:spPr>
+              <a:xfrm>
+                <a:off x="838200" y="3386430"/>
+                <a:ext cx="10515600" cy="1123111"/>
+              </a:xfrm>
+              <a:prstGeom prst="rect">
+                <a:avLst/>
+              </a:prstGeom>
+              <a:blipFill>
+                <a:blip r:embed="rId3"/>
+                <a:stretch>
+                  <a:fillRect b="-3261"/>
+                </a:stretch>
+              </a:blipFill>
+            </p:spPr>
+            <p:txBody>
+              <a:bodyPr/>
+              <a:lstStyle/>
+              <a:p>
+                <a:r>
+                  <a:rPr lang="en-US">
+                    <a:noFill/>
+                  </a:rPr>
+                  <a:t> </a:t>
+                </a:r>
+              </a:p>
+            </p:txBody>
+          </p:sp>
+        </mc:Fallback>
+      </mc:AlternateContent>
+    </p:spTree>
+    <p:extLst>
+      <p:ext uri="{BB962C8B-B14F-4D97-AF65-F5344CB8AC3E}">
+        <p14:creationId xmlns:p14="http://schemas.microsoft.com/office/powerpoint/2010/main" val="2465129089"/>
+      </p:ext>
+    </p:extLst>
+  </p:cSld>
+  <p:clrMapOvr>
+    <a:masterClrMapping/>
+  </p:clrMapOvr>
+  <p:timing>
+    <p:tnLst>
+      <p:par>
+        <p:cTn id="1" dur="indefinite" restart="never" nodeType="tmRoot"/>
+      </p:par>
+    </p:tnLst>
+  </p:timing>
+</p:sld>
+</file>
+
+<file path=ppt/slides/slide21.xml><?xml version="1.0" encoding="utf-8"?>
+<p:sld xmlns:a="http://schemas.openxmlformats.org/drawingml/2006/main" xmlns:r="http://schemas.openxmlformats.org/officeDocument/2006/relationships" xmlns:p="http://schemas.openxmlformats.org/presentationml/2006/main">
+  <p:cSld>
+    <p:spTree>
+      <p:nvGrpSpPr>
+        <p:cNvPr id="1" name=""/>
+        <p:cNvGrpSpPr/>
+        <p:nvPr/>
+      </p:nvGrpSpPr>
+      <p:grpSpPr>
+        <a:xfrm>
+          <a:off x="0" y="0"/>
+          <a:ext cx="0" cy="0"/>
+          <a:chOff x="0" y="0"/>
+          <a:chExt cx="0" cy="0"/>
+        </a:xfrm>
+      </p:grpSpPr>
+      <p:sp>
+        <p:nvSpPr>
+          <p:cNvPr id="2" name="Title 1"/>
+          <p:cNvSpPr>
+            <a:spLocks noGrp="1"/>
+          </p:cNvSpPr>
+          <p:nvPr>
+            <p:ph type="title"/>
+          </p:nvPr>
+        </p:nvSpPr>
+        <p:spPr/>
+        <p:txBody>
+          <a:bodyPr/>
+          <a:lstStyle/>
+          <a:p>
+            <a:r>
+              <a:rPr lang="en-US" dirty="0" smtClean="0"/>
+              <a:t>Inverse functions are useful when you </a:t>
+            </a:r>
+            <a:r>
+              <a:rPr lang="en-US" b="1" dirty="0" smtClean="0"/>
+              <a:t>don’t know what your input value was</a:t>
+            </a:r>
+            <a:r>
+              <a:rPr lang="en-US" dirty="0" smtClean="0"/>
+              <a:t>.</a:t>
+            </a:r>
+            <a:endParaRPr lang="en-US" i="1" dirty="0"/>
+          </a:p>
+        </p:txBody>
+      </p:sp>
+      <mc:AlternateContent xmlns:mc="http://schemas.openxmlformats.org/markup-compatibility/2006">
+        <mc:Choice xmlns:a14="http://schemas.microsoft.com/office/drawing/2010/main" Requires="a14">
+          <p:sp>
+            <p:nvSpPr>
+              <p:cNvPr id="3" name="Content Placeholder 2"/>
+              <p:cNvSpPr>
+                <a:spLocks noGrp="1"/>
+              </p:cNvSpPr>
+              <p:nvPr>
+                <p:ph idx="1"/>
+              </p:nvPr>
+            </p:nvSpPr>
+            <p:spPr>
+              <a:xfrm>
+                <a:off x="838200" y="2340375"/>
+                <a:ext cx="10515600" cy="788253"/>
+              </a:xfrm>
+            </p:spPr>
+            <p:txBody>
+              <a:bodyPr>
+                <a:normAutofit/>
+              </a:bodyPr>
+              <a:lstStyle/>
+              <a:p>
+                <a:pPr marL="0" indent="0">
+                  <a:buNone/>
+                </a:pPr>
+                <a14:m>
+                  <m:oMathPara xmlns:m="http://schemas.openxmlformats.org/officeDocument/2006/math">
+                    <m:oMathParaPr>
+                      <m:jc m:val="centerGroup"/>
+                    </m:oMathParaPr>
+                    <m:oMath xmlns:m="http://schemas.openxmlformats.org/officeDocument/2006/math">
+                      <m:r>
+                        <a:rPr lang="en-US" sz="4400" b="0" i="1" smtClean="0">
+                          <a:latin typeface="Cambria Math" panose="02040503050406030204" pitchFamily="18" charset="0"/>
+                        </a:rPr>
+                        <m:t>𝑓</m:t>
+                      </m:r>
+                      <m:d>
+                        <m:dPr>
+                          <m:ctrlPr>
+                            <a:rPr lang="en-US" sz="4400" b="0" i="1" smtClean="0">
+                              <a:latin typeface="Cambria Math" panose="02040503050406030204" pitchFamily="18" charset="0"/>
+                            </a:rPr>
+                          </m:ctrlPr>
+                        </m:dPr>
+                        <m:e>
+                          <m:r>
+                            <a:rPr lang="en-US" sz="4400" b="0" i="1" smtClean="0">
+                              <a:latin typeface="Cambria Math" panose="02040503050406030204" pitchFamily="18" charset="0"/>
+                            </a:rPr>
+                            <m:t>?</m:t>
+                          </m:r>
+                        </m:e>
+                      </m:d>
+                      <m:r>
+                        <a:rPr lang="en-US" sz="4400" b="0" i="1" smtClean="0">
+                          <a:latin typeface="Cambria Math" panose="02040503050406030204" pitchFamily="18" charset="0"/>
+                        </a:rPr>
+                        <m:t>=2∗?</m:t>
+                      </m:r>
+                      <m:r>
+                        <a:rPr lang="en-US" sz="4200" b="0" i="1" smtClean="0">
+                          <a:latin typeface="Cambria Math" panose="02040503050406030204" pitchFamily="18" charset="0"/>
+                        </a:rPr>
+                        <m:t>=</m:t>
+                      </m:r>
+                      <m:r>
+                        <a:rPr lang="en-US" sz="4200" b="0" i="1" smtClean="0">
+                          <a:latin typeface="Cambria Math" panose="02040503050406030204" pitchFamily="18" charset="0"/>
+                        </a:rPr>
+                        <m:t>16</m:t>
+                      </m:r>
+                    </m:oMath>
+                  </m:oMathPara>
+                </a14:m>
+                <a:endParaRPr lang="en-US" sz="4200" dirty="0"/>
+              </a:p>
+            </p:txBody>
+          </p:sp>
+        </mc:Choice>
+        <mc:Fallback>
+          <p:sp>
+            <p:nvSpPr>
+              <p:cNvPr id="3" name="Content Placeholder 2"/>
+              <p:cNvSpPr>
+                <a:spLocks noGrp="1" noRot="1" noChangeAspect="1" noMove="1" noResize="1" noEditPoints="1" noAdjustHandles="1" noChangeArrowheads="1" noChangeShapeType="1" noTextEdit="1"/>
+              </p:cNvSpPr>
+              <p:nvPr>
+                <p:ph idx="1"/>
+              </p:nvPr>
+            </p:nvSpPr>
+            <p:spPr>
+              <a:xfrm>
+                <a:off x="838200" y="2340375"/>
+                <a:ext cx="10515600" cy="788253"/>
+              </a:xfrm>
+              <a:blipFill>
+                <a:blip r:embed="rId2"/>
+                <a:stretch>
+                  <a:fillRect/>
+                </a:stretch>
+              </a:blipFill>
+            </p:spPr>
+            <p:txBody>
+              <a:bodyPr/>
+              <a:lstStyle/>
+              <a:p>
+                <a:r>
+                  <a:rPr lang="en-US">
+                    <a:noFill/>
+                  </a:rPr>
+                  <a:t> </a:t>
+                </a:r>
+              </a:p>
+            </p:txBody>
+          </p:sp>
+        </mc:Fallback>
+      </mc:AlternateContent>
+      <mc:AlternateContent xmlns:mc="http://schemas.openxmlformats.org/markup-compatibility/2006">
+        <mc:Choice xmlns:a14="http://schemas.microsoft.com/office/drawing/2010/main" Requires="a14">
+          <p:sp>
+            <p:nvSpPr>
+              <p:cNvPr id="5" name="Content Placeholder 2"/>
+              <p:cNvSpPr txBox="1">
+                <a:spLocks/>
+              </p:cNvSpPr>
+              <p:nvPr/>
+            </p:nvSpPr>
+            <p:spPr>
+              <a:xfrm>
+                <a:off x="838200" y="3386430"/>
+                <a:ext cx="10515600" cy="1123111"/>
+              </a:xfrm>
+              <a:prstGeom prst="rect">
+                <a:avLst/>
+              </a:prstGeom>
+            </p:spPr>
+            <p:txBody>
+              <a:bodyPr vert="horz" lIns="91440" tIns="45720" rIns="91440" bIns="45720" rtlCol="0">
+                <a:noAutofit/>
+              </a:bodyPr>
+              <a:lstStyle>
+                <a:lvl1pPr marL="228600" indent="-228600" algn="l" defTabSz="914400" rtl="0" eaLnBrk="1" latinLnBrk="0" hangingPunct="1">
+                  <a:lnSpc>
+                    <a:spcPct val="90000"/>
+                  </a:lnSpc>
+                  <a:spcBef>
+                    <a:spcPts val="1000"/>
+                  </a:spcBef>
+                  <a:buFont typeface="Arial" panose="020B0604020202020204" pitchFamily="34" charset="0"/>
+                  <a:buChar char="•"/>
+                  <a:defRPr sz="2800" kern="1200">
+                    <a:solidFill>
+                      <a:schemeClr val="tx1"/>
+                    </a:solidFill>
+                    <a:latin typeface="+mn-lt"/>
+                    <a:ea typeface="+mn-ea"/>
+                    <a:cs typeface="+mn-cs"/>
+                  </a:defRPr>
+                </a:lvl1pPr>
+                <a:lvl2pPr marL="685800" indent="-228600" algn="l" defTabSz="914400" rtl="0" eaLnBrk="1" latinLnBrk="0" hangingPunct="1">
+                  <a:lnSpc>
+                    <a:spcPct val="90000"/>
+                  </a:lnSpc>
+                  <a:spcBef>
+                    <a:spcPts val="500"/>
+                  </a:spcBef>
+                  <a:buFont typeface="Arial" panose="020B0604020202020204" pitchFamily="34" charset="0"/>
+                  <a:buChar char="•"/>
+                  <a:defRPr sz="2400" kern="1200">
+                    <a:solidFill>
+                      <a:schemeClr val="tx1"/>
+                    </a:solidFill>
+                    <a:latin typeface="+mn-lt"/>
+                    <a:ea typeface="+mn-ea"/>
+                    <a:cs typeface="+mn-cs"/>
+                  </a:defRPr>
+                </a:lvl2pPr>
+                <a:lvl3pPr marL="1143000" indent="-228600" algn="l" defTabSz="914400" rtl="0" eaLnBrk="1" latinLnBrk="0" hangingPunct="1">
+                  <a:lnSpc>
+                    <a:spcPct val="90000"/>
+                  </a:lnSpc>
+                  <a:spcBef>
+                    <a:spcPts val="500"/>
+                  </a:spcBef>
+                  <a:buFont typeface="Arial" panose="020B0604020202020204" pitchFamily="34" charset="0"/>
+                  <a:buChar char="•"/>
+                  <a:defRPr sz="2000" kern="1200">
+                    <a:solidFill>
+                      <a:schemeClr val="tx1"/>
+                    </a:solidFill>
+                    <a:latin typeface="+mn-lt"/>
+                    <a:ea typeface="+mn-ea"/>
+                    <a:cs typeface="+mn-cs"/>
+                  </a:defRPr>
+                </a:lvl3pPr>
+                <a:lvl4pPr marL="1600200" indent="-228600" algn="l" defTabSz="914400" rtl="0" eaLnBrk="1" latinLnBrk="0" hangingPunct="1">
+                  <a:lnSpc>
+                    <a:spcPct val="90000"/>
+                  </a:lnSpc>
+                  <a:spcBef>
+                    <a:spcPts val="500"/>
+                  </a:spcBef>
+                  <a:buFont typeface="Arial" panose="020B0604020202020204" pitchFamily="34" charset="0"/>
+                  <a:buChar char="•"/>
+                  <a:defRPr sz="1800" kern="1200">
+                    <a:solidFill>
+                      <a:schemeClr val="tx1"/>
+                    </a:solidFill>
+                    <a:latin typeface="+mn-lt"/>
+                    <a:ea typeface="+mn-ea"/>
+                    <a:cs typeface="+mn-cs"/>
+                  </a:defRPr>
+                </a:lvl4pPr>
+                <a:lvl5pPr marL="2057400" indent="-228600" algn="l" defTabSz="914400" rtl="0" eaLnBrk="1" latinLnBrk="0" hangingPunct="1">
+                  <a:lnSpc>
+                    <a:spcPct val="90000"/>
+                  </a:lnSpc>
+                  <a:spcBef>
+                    <a:spcPts val="500"/>
+                  </a:spcBef>
+                  <a:buFont typeface="Arial" panose="020B0604020202020204" pitchFamily="34" charset="0"/>
+                  <a:buChar char="•"/>
+                  <a:defRPr sz="1800" kern="1200">
+                    <a:solidFill>
+                      <a:schemeClr val="tx1"/>
+                    </a:solidFill>
+                    <a:latin typeface="+mn-lt"/>
+                    <a:ea typeface="+mn-ea"/>
+                    <a:cs typeface="+mn-cs"/>
+                  </a:defRPr>
+                </a:lvl5pPr>
+                <a:lvl6pPr marL="2514600" indent="-228600" algn="l" defTabSz="914400" rtl="0" eaLnBrk="1" latinLnBrk="0" hangingPunct="1">
+                  <a:lnSpc>
+                    <a:spcPct val="90000"/>
+                  </a:lnSpc>
+                  <a:spcBef>
+                    <a:spcPts val="500"/>
+                  </a:spcBef>
+                  <a:buFont typeface="Arial" panose="020B0604020202020204" pitchFamily="34" charset="0"/>
+                  <a:buChar char="•"/>
+                  <a:defRPr sz="1800" kern="1200">
+                    <a:solidFill>
+                      <a:schemeClr val="tx1"/>
+                    </a:solidFill>
+                    <a:latin typeface="+mn-lt"/>
+                    <a:ea typeface="+mn-ea"/>
+                    <a:cs typeface="+mn-cs"/>
+                  </a:defRPr>
+                </a:lvl6pPr>
+                <a:lvl7pPr marL="2971800" indent="-228600" algn="l" defTabSz="914400" rtl="0" eaLnBrk="1" latinLnBrk="0" hangingPunct="1">
+                  <a:lnSpc>
+                    <a:spcPct val="90000"/>
+                  </a:lnSpc>
+                  <a:spcBef>
+                    <a:spcPts val="500"/>
+                  </a:spcBef>
+                  <a:buFont typeface="Arial" panose="020B0604020202020204" pitchFamily="34" charset="0"/>
+                  <a:buChar char="•"/>
+                  <a:defRPr sz="1800" kern="1200">
+                    <a:solidFill>
+                      <a:schemeClr val="tx1"/>
+                    </a:solidFill>
+                    <a:latin typeface="+mn-lt"/>
+                    <a:ea typeface="+mn-ea"/>
+                    <a:cs typeface="+mn-cs"/>
+                  </a:defRPr>
+                </a:lvl7pPr>
+                <a:lvl8pPr marL="3429000" indent="-228600" algn="l" defTabSz="914400" rtl="0" eaLnBrk="1" latinLnBrk="0" hangingPunct="1">
+                  <a:lnSpc>
+                    <a:spcPct val="90000"/>
+                  </a:lnSpc>
+                  <a:spcBef>
+                    <a:spcPts val="500"/>
+                  </a:spcBef>
+                  <a:buFont typeface="Arial" panose="020B0604020202020204" pitchFamily="34" charset="0"/>
+                  <a:buChar char="•"/>
+                  <a:defRPr sz="1800" kern="1200">
+                    <a:solidFill>
+                      <a:schemeClr val="tx1"/>
+                    </a:solidFill>
+                    <a:latin typeface="+mn-lt"/>
+                    <a:ea typeface="+mn-ea"/>
+                    <a:cs typeface="+mn-cs"/>
+                  </a:defRPr>
+                </a:lvl8pPr>
+                <a:lvl9pPr marL="3886200" indent="-228600" algn="l" defTabSz="914400" rtl="0" eaLnBrk="1" latinLnBrk="0" hangingPunct="1">
+                  <a:lnSpc>
+                    <a:spcPct val="90000"/>
+                  </a:lnSpc>
+                  <a:spcBef>
+                    <a:spcPts val="500"/>
+                  </a:spcBef>
+                  <a:buFont typeface="Arial" panose="020B0604020202020204" pitchFamily="34" charset="0"/>
+                  <a:buChar char="•"/>
+                  <a:defRPr sz="1800" kern="1200">
+                    <a:solidFill>
+                      <a:schemeClr val="tx1"/>
+                    </a:solidFill>
+                    <a:latin typeface="+mn-lt"/>
+                    <a:ea typeface="+mn-ea"/>
+                    <a:cs typeface="+mn-cs"/>
+                  </a:defRPr>
+                </a:lvl9pPr>
+              </a:lstStyle>
+              <a:p>
+                <a:pPr marL="0" indent="0">
+                  <a:buFont typeface="Arial" panose="020B0604020202020204" pitchFamily="34" charset="0"/>
+                  <a:buNone/>
+                </a:pPr>
+                <a14:m>
+                  <m:oMathPara xmlns:m="http://schemas.openxmlformats.org/officeDocument/2006/math">
+                    <m:oMathParaPr>
+                      <m:jc m:val="centerGroup"/>
+                    </m:oMathParaPr>
+                    <m:oMath xmlns:m="http://schemas.openxmlformats.org/officeDocument/2006/math">
+                      <m:r>
+                        <a:rPr lang="en-US" sz="4200" b="0" i="1" smtClean="0">
+                          <a:latin typeface="Cambria Math" panose="02040503050406030204" pitchFamily="18" charset="0"/>
+                        </a:rPr>
+                        <m:t>𝑔</m:t>
+                      </m:r>
+                      <m:d>
+                        <m:dPr>
+                          <m:ctrlPr>
+                            <a:rPr lang="en-US" sz="4200" b="0" i="1" smtClean="0">
+                              <a:latin typeface="Cambria Math" panose="02040503050406030204" pitchFamily="18" charset="0"/>
+                            </a:rPr>
+                          </m:ctrlPr>
+                        </m:dPr>
+                        <m:e>
+                          <m:r>
+                            <a:rPr lang="en-US" sz="4200" b="0" i="1" smtClean="0">
+                              <a:latin typeface="Cambria Math" panose="02040503050406030204" pitchFamily="18" charset="0"/>
+                            </a:rPr>
+                            <m:t>16</m:t>
+                          </m:r>
+                        </m:e>
+                      </m:d>
+                      <m:r>
+                        <a:rPr lang="en-US" sz="4200" b="0" i="1" smtClean="0">
+                          <a:latin typeface="Cambria Math" panose="02040503050406030204" pitchFamily="18" charset="0"/>
+                        </a:rPr>
+                        <m:t>=</m:t>
+                      </m:r>
+                      <m:f>
+                        <m:fPr>
+                          <m:ctrlPr>
+                            <a:rPr lang="en-US" sz="4200" b="0" i="1" smtClean="0">
+                              <a:latin typeface="Cambria Math" panose="02040503050406030204" pitchFamily="18" charset="0"/>
+                            </a:rPr>
+                          </m:ctrlPr>
+                        </m:fPr>
+                        <m:num>
+                          <m:r>
+                            <a:rPr lang="en-US" sz="4200" b="0" i="1" smtClean="0">
+                              <a:latin typeface="Cambria Math" panose="02040503050406030204" pitchFamily="18" charset="0"/>
+                            </a:rPr>
+                            <m:t>16</m:t>
+                          </m:r>
+                        </m:num>
+                        <m:den>
+                          <m:r>
+                            <a:rPr lang="en-US" sz="4200" b="0" i="1" smtClean="0">
+                              <a:latin typeface="Cambria Math" panose="02040503050406030204" pitchFamily="18" charset="0"/>
+                            </a:rPr>
+                            <m:t>2</m:t>
+                          </m:r>
+                        </m:den>
+                      </m:f>
+                      <m:r>
+                        <a:rPr lang="en-US" sz="4200" b="0" i="1" smtClean="0">
+                          <a:latin typeface="Cambria Math" panose="02040503050406030204" pitchFamily="18" charset="0"/>
+                        </a:rPr>
+                        <m:t>=8</m:t>
+                      </m:r>
+                    </m:oMath>
+                  </m:oMathPara>
+                </a14:m>
+                <a:endParaRPr lang="en-US" sz="4200" dirty="0"/>
+              </a:p>
+            </p:txBody>
+          </p:sp>
+        </mc:Choice>
+        <mc:Fallback>
+          <p:sp>
+            <p:nvSpPr>
+              <p:cNvPr id="5" name="Content Placeholder 2"/>
+              <p:cNvSpPr txBox="1">
+                <a:spLocks noRot="1" noChangeAspect="1" noMove="1" noResize="1" noEditPoints="1" noAdjustHandles="1" noChangeArrowheads="1" noChangeShapeType="1" noTextEdit="1"/>
+              </p:cNvSpPr>
+              <p:nvPr/>
+            </p:nvSpPr>
+            <p:spPr>
+              <a:xfrm>
+                <a:off x="838200" y="3386430"/>
+                <a:ext cx="10515600" cy="1123111"/>
+              </a:xfrm>
+              <a:prstGeom prst="rect">
+                <a:avLst/>
+              </a:prstGeom>
+              <a:blipFill>
+                <a:blip r:embed="rId3"/>
+                <a:stretch>
+                  <a:fillRect b="-3261"/>
+                </a:stretch>
+              </a:blipFill>
+            </p:spPr>
+            <p:txBody>
+              <a:bodyPr/>
+              <a:lstStyle/>
+              <a:p>
+                <a:r>
+                  <a:rPr lang="en-US">
+                    <a:noFill/>
+                  </a:rPr>
+                  <a:t> </a:t>
+                </a:r>
+              </a:p>
+            </p:txBody>
+          </p:sp>
+        </mc:Fallback>
+      </mc:AlternateContent>
+      <mc:AlternateContent xmlns:mc="http://schemas.openxmlformats.org/markup-compatibility/2006">
+        <mc:Choice xmlns:a14="http://schemas.microsoft.com/office/drawing/2010/main" Requires="a14">
+          <p:sp>
+            <p:nvSpPr>
+              <p:cNvPr id="6" name="Content Placeholder 2"/>
+              <p:cNvSpPr txBox="1">
+                <a:spLocks/>
+              </p:cNvSpPr>
+              <p:nvPr/>
+            </p:nvSpPr>
+            <p:spPr>
+              <a:xfrm>
+                <a:off x="838200" y="5301290"/>
+                <a:ext cx="10515600" cy="788253"/>
+              </a:xfrm>
+              <a:prstGeom prst="rect">
+                <a:avLst/>
+              </a:prstGeom>
+            </p:spPr>
+            <p:txBody>
+              <a:bodyPr vert="horz" lIns="91440" tIns="45720" rIns="91440" bIns="45720" rtlCol="0">
+                <a:normAutofit/>
+              </a:bodyPr>
+              <a:lstStyle>
+                <a:lvl1pPr marL="228600" indent="-228600" algn="l" defTabSz="914400" rtl="0" eaLnBrk="1" latinLnBrk="0" hangingPunct="1">
+                  <a:lnSpc>
+                    <a:spcPct val="90000"/>
+                  </a:lnSpc>
+                  <a:spcBef>
+                    <a:spcPts val="1000"/>
+                  </a:spcBef>
+                  <a:buFont typeface="Arial" panose="020B0604020202020204" pitchFamily="34" charset="0"/>
+                  <a:buChar char="•"/>
+                  <a:defRPr sz="2800" kern="1200">
+                    <a:solidFill>
+                      <a:schemeClr val="tx1"/>
+                    </a:solidFill>
+                    <a:latin typeface="+mn-lt"/>
+                    <a:ea typeface="+mn-ea"/>
+                    <a:cs typeface="+mn-cs"/>
+                  </a:defRPr>
+                </a:lvl1pPr>
+                <a:lvl2pPr marL="685800" indent="-228600" algn="l" defTabSz="914400" rtl="0" eaLnBrk="1" latinLnBrk="0" hangingPunct="1">
+                  <a:lnSpc>
+                    <a:spcPct val="90000"/>
+                  </a:lnSpc>
+                  <a:spcBef>
+                    <a:spcPts val="500"/>
+                  </a:spcBef>
+                  <a:buFont typeface="Arial" panose="020B0604020202020204" pitchFamily="34" charset="0"/>
+                  <a:buChar char="•"/>
+                  <a:defRPr sz="2400" kern="1200">
+                    <a:solidFill>
+                      <a:schemeClr val="tx1"/>
+                    </a:solidFill>
+                    <a:latin typeface="+mn-lt"/>
+                    <a:ea typeface="+mn-ea"/>
+                    <a:cs typeface="+mn-cs"/>
+                  </a:defRPr>
+                </a:lvl2pPr>
+                <a:lvl3pPr marL="1143000" indent="-228600" algn="l" defTabSz="914400" rtl="0" eaLnBrk="1" latinLnBrk="0" hangingPunct="1">
+                  <a:lnSpc>
+                    <a:spcPct val="90000"/>
+                  </a:lnSpc>
+                  <a:spcBef>
+                    <a:spcPts val="500"/>
+                  </a:spcBef>
+                  <a:buFont typeface="Arial" panose="020B0604020202020204" pitchFamily="34" charset="0"/>
+                  <a:buChar char="•"/>
+                  <a:defRPr sz="2000" kern="1200">
+                    <a:solidFill>
+                      <a:schemeClr val="tx1"/>
+                    </a:solidFill>
+                    <a:latin typeface="+mn-lt"/>
+                    <a:ea typeface="+mn-ea"/>
+                    <a:cs typeface="+mn-cs"/>
+                  </a:defRPr>
+                </a:lvl3pPr>
+                <a:lvl4pPr marL="1600200" indent="-228600" algn="l" defTabSz="914400" rtl="0" eaLnBrk="1" latinLnBrk="0" hangingPunct="1">
+                  <a:lnSpc>
+                    <a:spcPct val="90000"/>
+                  </a:lnSpc>
+                  <a:spcBef>
+                    <a:spcPts val="500"/>
+                  </a:spcBef>
+                  <a:buFont typeface="Arial" panose="020B0604020202020204" pitchFamily="34" charset="0"/>
+                  <a:buChar char="•"/>
+                  <a:defRPr sz="1800" kern="1200">
+                    <a:solidFill>
+                      <a:schemeClr val="tx1"/>
+                    </a:solidFill>
+                    <a:latin typeface="+mn-lt"/>
+                    <a:ea typeface="+mn-ea"/>
+                    <a:cs typeface="+mn-cs"/>
+                  </a:defRPr>
+                </a:lvl4pPr>
+                <a:lvl5pPr marL="2057400" indent="-228600" algn="l" defTabSz="914400" rtl="0" eaLnBrk="1" latinLnBrk="0" hangingPunct="1">
+                  <a:lnSpc>
+                    <a:spcPct val="90000"/>
+                  </a:lnSpc>
+                  <a:spcBef>
+                    <a:spcPts val="500"/>
+                  </a:spcBef>
+                  <a:buFont typeface="Arial" panose="020B0604020202020204" pitchFamily="34" charset="0"/>
+                  <a:buChar char="•"/>
+                  <a:defRPr sz="1800" kern="1200">
+                    <a:solidFill>
+                      <a:schemeClr val="tx1"/>
+                    </a:solidFill>
+                    <a:latin typeface="+mn-lt"/>
+                    <a:ea typeface="+mn-ea"/>
+                    <a:cs typeface="+mn-cs"/>
+                  </a:defRPr>
+                </a:lvl5pPr>
+                <a:lvl6pPr marL="2514600" indent="-228600" algn="l" defTabSz="914400" rtl="0" eaLnBrk="1" latinLnBrk="0" hangingPunct="1">
+                  <a:lnSpc>
+                    <a:spcPct val="90000"/>
+                  </a:lnSpc>
+                  <a:spcBef>
+                    <a:spcPts val="500"/>
+                  </a:spcBef>
+                  <a:buFont typeface="Arial" panose="020B0604020202020204" pitchFamily="34" charset="0"/>
+                  <a:buChar char="•"/>
+                  <a:defRPr sz="1800" kern="1200">
+                    <a:solidFill>
+                      <a:schemeClr val="tx1"/>
+                    </a:solidFill>
+                    <a:latin typeface="+mn-lt"/>
+                    <a:ea typeface="+mn-ea"/>
+                    <a:cs typeface="+mn-cs"/>
+                  </a:defRPr>
+                </a:lvl6pPr>
+                <a:lvl7pPr marL="2971800" indent="-228600" algn="l" defTabSz="914400" rtl="0" eaLnBrk="1" latinLnBrk="0" hangingPunct="1">
+                  <a:lnSpc>
+                    <a:spcPct val="90000"/>
+                  </a:lnSpc>
+                  <a:spcBef>
+                    <a:spcPts val="500"/>
+                  </a:spcBef>
+                  <a:buFont typeface="Arial" panose="020B0604020202020204" pitchFamily="34" charset="0"/>
+                  <a:buChar char="•"/>
+                  <a:defRPr sz="1800" kern="1200">
+                    <a:solidFill>
+                      <a:schemeClr val="tx1"/>
+                    </a:solidFill>
+                    <a:latin typeface="+mn-lt"/>
+                    <a:ea typeface="+mn-ea"/>
+                    <a:cs typeface="+mn-cs"/>
+                  </a:defRPr>
+                </a:lvl7pPr>
+                <a:lvl8pPr marL="3429000" indent="-228600" algn="l" defTabSz="914400" rtl="0" eaLnBrk="1" latinLnBrk="0" hangingPunct="1">
+                  <a:lnSpc>
+                    <a:spcPct val="90000"/>
+                  </a:lnSpc>
+                  <a:spcBef>
+                    <a:spcPts val="500"/>
+                  </a:spcBef>
+                  <a:buFont typeface="Arial" panose="020B0604020202020204" pitchFamily="34" charset="0"/>
+                  <a:buChar char="•"/>
+                  <a:defRPr sz="1800" kern="1200">
+                    <a:solidFill>
+                      <a:schemeClr val="tx1"/>
+                    </a:solidFill>
+                    <a:latin typeface="+mn-lt"/>
+                    <a:ea typeface="+mn-ea"/>
+                    <a:cs typeface="+mn-cs"/>
+                  </a:defRPr>
+                </a:lvl8pPr>
+                <a:lvl9pPr marL="3886200" indent="-228600" algn="l" defTabSz="914400" rtl="0" eaLnBrk="1" latinLnBrk="0" hangingPunct="1">
+                  <a:lnSpc>
+                    <a:spcPct val="90000"/>
+                  </a:lnSpc>
+                  <a:spcBef>
+                    <a:spcPts val="500"/>
+                  </a:spcBef>
+                  <a:buFont typeface="Arial" panose="020B0604020202020204" pitchFamily="34" charset="0"/>
+                  <a:buChar char="•"/>
+                  <a:defRPr sz="1800" kern="1200">
+                    <a:solidFill>
+                      <a:schemeClr val="tx1"/>
+                    </a:solidFill>
+                    <a:latin typeface="+mn-lt"/>
+                    <a:ea typeface="+mn-ea"/>
+                    <a:cs typeface="+mn-cs"/>
+                  </a:defRPr>
+                </a:lvl9pPr>
+              </a:lstStyle>
+              <a:p>
+                <a:pPr marL="0" indent="0">
+                  <a:buFont typeface="Arial" panose="020B0604020202020204" pitchFamily="34" charset="0"/>
+                  <a:buNone/>
+                </a:pPr>
+                <a14:m>
+                  <m:oMathPara xmlns:m="http://schemas.openxmlformats.org/officeDocument/2006/math">
+                    <m:oMathParaPr>
+                      <m:jc m:val="centerGroup"/>
+                    </m:oMathParaPr>
+                    <m:oMath xmlns:m="http://schemas.openxmlformats.org/officeDocument/2006/math">
+                      <m:r>
+                        <a:rPr lang="en-US" sz="4400" b="0" i="1" smtClean="0">
+                          <a:latin typeface="Cambria Math" panose="02040503050406030204" pitchFamily="18" charset="0"/>
+                        </a:rPr>
+                        <m:t>𝑓</m:t>
+                      </m:r>
+                      <m:d>
+                        <m:dPr>
+                          <m:ctrlPr>
+                            <a:rPr lang="en-US" sz="4400" b="0" i="1" smtClean="0">
+                              <a:latin typeface="Cambria Math" panose="02040503050406030204" pitchFamily="18" charset="0"/>
+                            </a:rPr>
+                          </m:ctrlPr>
+                        </m:dPr>
+                        <m:e>
+                          <m:r>
+                            <a:rPr lang="en-US" sz="4400" b="0" i="1" smtClean="0">
+                              <a:latin typeface="Cambria Math" panose="02040503050406030204" pitchFamily="18" charset="0"/>
+                            </a:rPr>
+                            <m:t>8</m:t>
+                          </m:r>
+                        </m:e>
+                      </m:d>
+                      <m:r>
+                        <a:rPr lang="en-US" sz="4400" b="0" i="1" smtClean="0">
+                          <a:latin typeface="Cambria Math" panose="02040503050406030204" pitchFamily="18" charset="0"/>
+                        </a:rPr>
+                        <m:t>=</m:t>
+                      </m:r>
+                      <m:r>
+                        <a:rPr lang="en-US" sz="4400" i="1" smtClean="0">
+                          <a:latin typeface="Cambria Math" panose="02040503050406030204" pitchFamily="18" charset="0"/>
+                        </a:rPr>
+                        <m:t>2∗</m:t>
+                      </m:r>
+                      <m:r>
+                        <a:rPr lang="en-US" sz="4400" b="0" i="1" smtClean="0">
+                          <a:latin typeface="Cambria Math" panose="02040503050406030204" pitchFamily="18" charset="0"/>
+                        </a:rPr>
+                        <m:t>8</m:t>
+                      </m:r>
+                      <m:r>
+                        <a:rPr lang="en-US" sz="4200" i="1" smtClean="0">
+                          <a:latin typeface="Cambria Math" panose="02040503050406030204" pitchFamily="18" charset="0"/>
+                        </a:rPr>
+                        <m:t>=16</m:t>
+                      </m:r>
+                    </m:oMath>
+                  </m:oMathPara>
+                </a14:m>
+                <a:endParaRPr lang="en-US" sz="4200" dirty="0"/>
+              </a:p>
+            </p:txBody>
+          </p:sp>
+        </mc:Choice>
+        <mc:Fallback>
+          <p:sp>
+            <p:nvSpPr>
+              <p:cNvPr id="6" name="Content Placeholder 2"/>
+              <p:cNvSpPr txBox="1">
+                <a:spLocks noRot="1" noChangeAspect="1" noMove="1" noResize="1" noEditPoints="1" noAdjustHandles="1" noChangeArrowheads="1" noChangeShapeType="1" noTextEdit="1"/>
+              </p:cNvSpPr>
+              <p:nvPr/>
+            </p:nvSpPr>
+            <p:spPr>
+              <a:xfrm>
+                <a:off x="838200" y="5301290"/>
+                <a:ext cx="10515600" cy="788253"/>
+              </a:xfrm>
+              <a:prstGeom prst="rect">
+                <a:avLst/>
+              </a:prstGeom>
+              <a:blipFill>
+                <a:blip r:embed="rId4"/>
+                <a:stretch>
+                  <a:fillRect/>
+                </a:stretch>
+              </a:blipFill>
+            </p:spPr>
+            <p:txBody>
+              <a:bodyPr/>
+              <a:lstStyle/>
+              <a:p>
+                <a:r>
+                  <a:rPr lang="en-US">
+                    <a:noFill/>
+                  </a:rPr>
+                  <a:t> </a:t>
+                </a:r>
+              </a:p>
+            </p:txBody>
+          </p:sp>
+        </mc:Fallback>
+      </mc:AlternateContent>
+    </p:spTree>
+    <p:extLst>
+      <p:ext uri="{BB962C8B-B14F-4D97-AF65-F5344CB8AC3E}">
+        <p14:creationId xmlns:p14="http://schemas.microsoft.com/office/powerpoint/2010/main" val="2332312374"/>
+      </p:ext>
+    </p:extLst>
+  </p:cSld>
+  <p:clrMapOvr>
+    <a:masterClrMapping/>
+  </p:clrMapOvr>
+  <p:timing>
+    <p:tnLst>
+      <p:par>
+        <p:cTn id="1" dur="indefinite" restart="never" nodeType="tmRoot"/>
+      </p:par>
+    </p:tnLst>
+  </p:timing>
+</p:sld>
+</file>
+
+<file path=ppt/slides/slide22.xml><?xml version="1.0" encoding="utf-8"?>
+<p:sld xmlns:a="http://schemas.openxmlformats.org/drawingml/2006/main" xmlns:r="http://schemas.openxmlformats.org/officeDocument/2006/relationships" xmlns:p="http://schemas.openxmlformats.org/presentationml/2006/main">
+  <p:cSld>
+    <p:spTree>
+      <p:nvGrpSpPr>
+        <p:cNvPr id="1" name=""/>
+        <p:cNvGrpSpPr/>
+        <p:nvPr/>
+      </p:nvGrpSpPr>
+      <p:grpSpPr>
+        <a:xfrm>
+          <a:off x="0" y="0"/>
+          <a:ext cx="0" cy="0"/>
+          <a:chOff x="0" y="0"/>
+          <a:chExt cx="0" cy="0"/>
+        </a:xfrm>
+      </p:grpSpPr>
+      <p:sp>
+        <p:nvSpPr>
+          <p:cNvPr id="2" name="Title 1"/>
+          <p:cNvSpPr>
+            <a:spLocks noGrp="1"/>
+          </p:cNvSpPr>
+          <p:nvPr>
+            <p:ph type="title"/>
+          </p:nvPr>
+        </p:nvSpPr>
+        <p:spPr/>
+        <p:txBody>
+          <a:bodyPr/>
+          <a:lstStyle/>
+          <a:p>
+            <a:r>
+              <a:rPr lang="en-US" dirty="0" smtClean="0"/>
+              <a:t>What is a logarithm?</a:t>
+            </a:r>
+            <a:endParaRPr lang="en-US" dirty="0"/>
+          </a:p>
+        </p:txBody>
+      </p:sp>
+      <mc:AlternateContent xmlns:mc="http://schemas.openxmlformats.org/markup-compatibility/2006">
+        <mc:Choice xmlns:a14="http://schemas.microsoft.com/office/drawing/2010/main" Requires="a14">
+          <p:sp>
+            <p:nvSpPr>
+              <p:cNvPr id="4" name="Content Placeholder 2"/>
+              <p:cNvSpPr txBox="1">
+                <a:spLocks/>
+              </p:cNvSpPr>
+              <p:nvPr/>
+            </p:nvSpPr>
+            <p:spPr>
+              <a:xfrm>
+                <a:off x="838200" y="2183143"/>
+                <a:ext cx="10515600" cy="834376"/>
+              </a:xfrm>
+              <a:prstGeom prst="rect">
+                <a:avLst/>
+              </a:prstGeom>
+            </p:spPr>
+            <p:txBody>
+              <a:bodyPr vert="horz" lIns="91440" tIns="45720" rIns="91440" bIns="45720" rtlCol="0">
+                <a:normAutofit fontScale="85000" lnSpcReduction="10000"/>
+              </a:bodyPr>
+              <a:lstStyle>
+                <a:lvl1pPr marL="228600" indent="-228600" algn="l" defTabSz="914400" rtl="0" eaLnBrk="1" latinLnBrk="0" hangingPunct="1">
+                  <a:lnSpc>
+                    <a:spcPct val="90000"/>
+                  </a:lnSpc>
+                  <a:spcBef>
+                    <a:spcPts val="1000"/>
+                  </a:spcBef>
+                  <a:buFont typeface="Arial" panose="020B0604020202020204" pitchFamily="34" charset="0"/>
+                  <a:buChar char="•"/>
+                  <a:defRPr sz="2800" kern="1200">
+                    <a:solidFill>
+                      <a:schemeClr val="tx1"/>
+                    </a:solidFill>
+                    <a:latin typeface="+mn-lt"/>
+                    <a:ea typeface="+mn-ea"/>
+                    <a:cs typeface="+mn-cs"/>
+                  </a:defRPr>
+                </a:lvl1pPr>
+                <a:lvl2pPr marL="685800" indent="-228600" algn="l" defTabSz="914400" rtl="0" eaLnBrk="1" latinLnBrk="0" hangingPunct="1">
+                  <a:lnSpc>
+                    <a:spcPct val="90000"/>
+                  </a:lnSpc>
+                  <a:spcBef>
+                    <a:spcPts val="500"/>
+                  </a:spcBef>
+                  <a:buFont typeface="Arial" panose="020B0604020202020204" pitchFamily="34" charset="0"/>
+                  <a:buChar char="•"/>
+                  <a:defRPr sz="2400" kern="1200">
+                    <a:solidFill>
+                      <a:schemeClr val="tx1"/>
+                    </a:solidFill>
+                    <a:latin typeface="+mn-lt"/>
+                    <a:ea typeface="+mn-ea"/>
+                    <a:cs typeface="+mn-cs"/>
+                  </a:defRPr>
+                </a:lvl2pPr>
+                <a:lvl3pPr marL="1143000" indent="-228600" algn="l" defTabSz="914400" rtl="0" eaLnBrk="1" latinLnBrk="0" hangingPunct="1">
+                  <a:lnSpc>
+                    <a:spcPct val="90000"/>
+                  </a:lnSpc>
+                  <a:spcBef>
+                    <a:spcPts val="500"/>
+                  </a:spcBef>
+                  <a:buFont typeface="Arial" panose="020B0604020202020204" pitchFamily="34" charset="0"/>
+                  <a:buChar char="•"/>
+                  <a:defRPr sz="2000" kern="1200">
+                    <a:solidFill>
+                      <a:schemeClr val="tx1"/>
+                    </a:solidFill>
+                    <a:latin typeface="+mn-lt"/>
+                    <a:ea typeface="+mn-ea"/>
+                    <a:cs typeface="+mn-cs"/>
+                  </a:defRPr>
+                </a:lvl3pPr>
+                <a:lvl4pPr marL="1600200" indent="-228600" algn="l" defTabSz="914400" rtl="0" eaLnBrk="1" latinLnBrk="0" hangingPunct="1">
+                  <a:lnSpc>
+                    <a:spcPct val="90000"/>
+                  </a:lnSpc>
+                  <a:spcBef>
+                    <a:spcPts val="500"/>
+                  </a:spcBef>
+                  <a:buFont typeface="Arial" panose="020B0604020202020204" pitchFamily="34" charset="0"/>
+                  <a:buChar char="•"/>
+                  <a:defRPr sz="1800" kern="1200">
+                    <a:solidFill>
+                      <a:schemeClr val="tx1"/>
+                    </a:solidFill>
+                    <a:latin typeface="+mn-lt"/>
+                    <a:ea typeface="+mn-ea"/>
+                    <a:cs typeface="+mn-cs"/>
+                  </a:defRPr>
+                </a:lvl4pPr>
+                <a:lvl5pPr marL="2057400" indent="-228600" algn="l" defTabSz="914400" rtl="0" eaLnBrk="1" latinLnBrk="0" hangingPunct="1">
+                  <a:lnSpc>
+                    <a:spcPct val="90000"/>
+                  </a:lnSpc>
+                  <a:spcBef>
+                    <a:spcPts val="500"/>
+                  </a:spcBef>
+                  <a:buFont typeface="Arial" panose="020B0604020202020204" pitchFamily="34" charset="0"/>
+                  <a:buChar char="•"/>
+                  <a:defRPr sz="1800" kern="1200">
+                    <a:solidFill>
+                      <a:schemeClr val="tx1"/>
+                    </a:solidFill>
+                    <a:latin typeface="+mn-lt"/>
+                    <a:ea typeface="+mn-ea"/>
+                    <a:cs typeface="+mn-cs"/>
+                  </a:defRPr>
+                </a:lvl5pPr>
+                <a:lvl6pPr marL="2514600" indent="-228600" algn="l" defTabSz="914400" rtl="0" eaLnBrk="1" latinLnBrk="0" hangingPunct="1">
+                  <a:lnSpc>
+                    <a:spcPct val="90000"/>
+                  </a:lnSpc>
+                  <a:spcBef>
+                    <a:spcPts val="500"/>
+                  </a:spcBef>
+                  <a:buFont typeface="Arial" panose="020B0604020202020204" pitchFamily="34" charset="0"/>
+                  <a:buChar char="•"/>
+                  <a:defRPr sz="1800" kern="1200">
+                    <a:solidFill>
+                      <a:schemeClr val="tx1"/>
+                    </a:solidFill>
+                    <a:latin typeface="+mn-lt"/>
+                    <a:ea typeface="+mn-ea"/>
+                    <a:cs typeface="+mn-cs"/>
+                  </a:defRPr>
+                </a:lvl6pPr>
+                <a:lvl7pPr marL="2971800" indent="-228600" algn="l" defTabSz="914400" rtl="0" eaLnBrk="1" latinLnBrk="0" hangingPunct="1">
+                  <a:lnSpc>
+                    <a:spcPct val="90000"/>
+                  </a:lnSpc>
+                  <a:spcBef>
+                    <a:spcPts val="500"/>
+                  </a:spcBef>
+                  <a:buFont typeface="Arial" panose="020B0604020202020204" pitchFamily="34" charset="0"/>
+                  <a:buChar char="•"/>
+                  <a:defRPr sz="1800" kern="1200">
+                    <a:solidFill>
+                      <a:schemeClr val="tx1"/>
+                    </a:solidFill>
+                    <a:latin typeface="+mn-lt"/>
+                    <a:ea typeface="+mn-ea"/>
+                    <a:cs typeface="+mn-cs"/>
+                  </a:defRPr>
+                </a:lvl7pPr>
+                <a:lvl8pPr marL="3429000" indent="-228600" algn="l" defTabSz="914400" rtl="0" eaLnBrk="1" latinLnBrk="0" hangingPunct="1">
+                  <a:lnSpc>
+                    <a:spcPct val="90000"/>
+                  </a:lnSpc>
+                  <a:spcBef>
+                    <a:spcPts val="500"/>
+                  </a:spcBef>
+                  <a:buFont typeface="Arial" panose="020B0604020202020204" pitchFamily="34" charset="0"/>
+                  <a:buChar char="•"/>
+                  <a:defRPr sz="1800" kern="1200">
+                    <a:solidFill>
+                      <a:schemeClr val="tx1"/>
+                    </a:solidFill>
+                    <a:latin typeface="+mn-lt"/>
+                    <a:ea typeface="+mn-ea"/>
+                    <a:cs typeface="+mn-cs"/>
+                  </a:defRPr>
+                </a:lvl8pPr>
+                <a:lvl9pPr marL="3886200" indent="-228600" algn="l" defTabSz="914400" rtl="0" eaLnBrk="1" latinLnBrk="0" hangingPunct="1">
+                  <a:lnSpc>
+                    <a:spcPct val="90000"/>
+                  </a:lnSpc>
+                  <a:spcBef>
+                    <a:spcPts val="500"/>
+                  </a:spcBef>
+                  <a:buFont typeface="Arial" panose="020B0604020202020204" pitchFamily="34" charset="0"/>
+                  <a:buChar char="•"/>
+                  <a:defRPr sz="1800" kern="1200">
+                    <a:solidFill>
+                      <a:schemeClr val="tx1"/>
+                    </a:solidFill>
+                    <a:latin typeface="+mn-lt"/>
+                    <a:ea typeface="+mn-ea"/>
+                    <a:cs typeface="+mn-cs"/>
+                  </a:defRPr>
+                </a:lvl9pPr>
+              </a:lstStyle>
+              <a:p>
+                <a:pPr marL="0" indent="0">
+                  <a:buFont typeface="Arial" panose="020B0604020202020204" pitchFamily="34" charset="0"/>
+                  <a:buNone/>
+                </a:pPr>
+                <a14:m>
+                  <m:oMathPara xmlns:m="http://schemas.openxmlformats.org/officeDocument/2006/math">
+                    <m:oMathParaPr>
+                      <m:jc m:val="centerGroup"/>
+                    </m:oMathParaPr>
+                    <m:oMath xmlns:m="http://schemas.openxmlformats.org/officeDocument/2006/math">
+                      <m:sSup>
+                        <m:sSupPr>
+                          <m:ctrlPr>
+                            <a:rPr lang="en-US" sz="6000" b="0" i="1" smtClean="0">
+                              <a:latin typeface="Cambria Math" panose="02040503050406030204" pitchFamily="18" charset="0"/>
+                            </a:rPr>
+                          </m:ctrlPr>
+                        </m:sSupPr>
+                        <m:e>
+                          <m:r>
+                            <a:rPr lang="en-US" sz="6000" b="0" i="1" smtClean="0">
+                              <a:latin typeface="Cambria Math" panose="02040503050406030204" pitchFamily="18" charset="0"/>
+                            </a:rPr>
+                            <m:t>5</m:t>
+                          </m:r>
+                        </m:e>
+                        <m:sup>
+                          <m:r>
+                            <a:rPr lang="en-US" sz="6000" b="0" i="1" smtClean="0">
+                              <a:latin typeface="Cambria Math" panose="02040503050406030204" pitchFamily="18" charset="0"/>
+                            </a:rPr>
+                            <m:t>2</m:t>
+                          </m:r>
+                        </m:sup>
+                      </m:sSup>
+                      <m:r>
+                        <a:rPr lang="en-US" sz="6000" b="0" i="1" smtClean="0">
+                          <a:latin typeface="Cambria Math" panose="02040503050406030204" pitchFamily="18" charset="0"/>
+                        </a:rPr>
+                        <m:t>=</m:t>
+                      </m:r>
+                      <m:r>
+                        <a:rPr lang="en-US" sz="6000" b="0" i="1" smtClean="0">
+                          <a:latin typeface="Cambria Math" panose="02040503050406030204" pitchFamily="18" charset="0"/>
+                        </a:rPr>
+                        <m:t>25</m:t>
+                      </m:r>
+                    </m:oMath>
+                  </m:oMathPara>
+                </a14:m>
+                <a:endParaRPr lang="en-US" sz="6000" dirty="0"/>
+              </a:p>
+            </p:txBody>
+          </p:sp>
+        </mc:Choice>
+        <mc:Fallback>
+          <p:sp>
+            <p:nvSpPr>
+              <p:cNvPr id="4" name="Content Placeholder 2"/>
+              <p:cNvSpPr txBox="1">
+                <a:spLocks noRot="1" noChangeAspect="1" noMove="1" noResize="1" noEditPoints="1" noAdjustHandles="1" noChangeArrowheads="1" noChangeShapeType="1" noTextEdit="1"/>
+              </p:cNvSpPr>
+              <p:nvPr/>
+            </p:nvSpPr>
+            <p:spPr>
+              <a:xfrm>
+                <a:off x="838200" y="2183143"/>
+                <a:ext cx="10515600" cy="834376"/>
+              </a:xfrm>
+              <a:prstGeom prst="rect">
+                <a:avLst/>
+              </a:prstGeom>
+              <a:blipFill>
+                <a:blip r:embed="rId2"/>
+                <a:stretch>
+                  <a:fillRect/>
+                </a:stretch>
+              </a:blipFill>
+            </p:spPr>
+            <p:txBody>
+              <a:bodyPr/>
+              <a:lstStyle/>
+              <a:p>
+                <a:r>
+                  <a:rPr lang="en-US">
+                    <a:noFill/>
+                  </a:rPr>
+                  <a:t> </a:t>
+                </a:r>
+              </a:p>
+            </p:txBody>
+          </p:sp>
+        </mc:Fallback>
+      </mc:AlternateContent>
+    </p:spTree>
+    <p:extLst>
+      <p:ext uri="{BB962C8B-B14F-4D97-AF65-F5344CB8AC3E}">
+        <p14:creationId xmlns:p14="http://schemas.microsoft.com/office/powerpoint/2010/main" val="4263623132"/>
+      </p:ext>
+    </p:extLst>
+  </p:cSld>
+  <p:clrMapOvr>
+    <a:masterClrMapping/>
+  </p:clrMapOvr>
+  <p:timing>
+    <p:tnLst>
+      <p:par>
+        <p:cTn id="1" dur="indefinite" restart="never" nodeType="tmRoot"/>
+      </p:par>
+    </p:tnLst>
+  </p:timing>
+</p:sld>
+</file>
+
+<file path=ppt/slides/slide23.xml><?xml version="1.0" encoding="utf-8"?>
+<p:sld xmlns:a="http://schemas.openxmlformats.org/drawingml/2006/main" xmlns:r="http://schemas.openxmlformats.org/officeDocument/2006/relationships" xmlns:p="http://schemas.openxmlformats.org/presentationml/2006/main">
+  <p:cSld>
+    <p:spTree>
+      <p:nvGrpSpPr>
+        <p:cNvPr id="1" name=""/>
+        <p:cNvGrpSpPr/>
+        <p:nvPr/>
+      </p:nvGrpSpPr>
+      <p:grpSpPr>
+        <a:xfrm>
+          <a:off x="0" y="0"/>
+          <a:ext cx="0" cy="0"/>
+          <a:chOff x="0" y="0"/>
+          <a:chExt cx="0" cy="0"/>
+        </a:xfrm>
+      </p:grpSpPr>
+      <p:sp>
+        <p:nvSpPr>
+          <p:cNvPr id="2" name="Title 1"/>
+          <p:cNvSpPr>
+            <a:spLocks noGrp="1"/>
+          </p:cNvSpPr>
+          <p:nvPr>
+            <p:ph type="title"/>
+          </p:nvPr>
+        </p:nvSpPr>
+        <p:spPr/>
+        <p:txBody>
+          <a:bodyPr/>
+          <a:lstStyle/>
+          <a:p>
+            <a:r>
+              <a:rPr lang="en-US" dirty="0" smtClean="0"/>
+              <a:t>What is a logarithm?</a:t>
+            </a:r>
+            <a:endParaRPr lang="en-US" dirty="0"/>
+          </a:p>
+        </p:txBody>
+      </p:sp>
+      <mc:AlternateContent xmlns:mc="http://schemas.openxmlformats.org/markup-compatibility/2006">
+        <mc:Choice xmlns:a14="http://schemas.microsoft.com/office/drawing/2010/main" Requires="a14">
+          <p:sp>
+            <p:nvSpPr>
+              <p:cNvPr id="4" name="Content Placeholder 2"/>
+              <p:cNvSpPr txBox="1">
+                <a:spLocks/>
+              </p:cNvSpPr>
+              <p:nvPr/>
+            </p:nvSpPr>
+            <p:spPr>
+              <a:xfrm>
+                <a:off x="838200" y="2183143"/>
+                <a:ext cx="10515600" cy="834376"/>
+              </a:xfrm>
+              <a:prstGeom prst="rect">
+                <a:avLst/>
+              </a:prstGeom>
+            </p:spPr>
+            <p:txBody>
+              <a:bodyPr vert="horz" lIns="91440" tIns="45720" rIns="91440" bIns="45720" rtlCol="0">
+                <a:normAutofit fontScale="85000" lnSpcReduction="10000"/>
+              </a:bodyPr>
+              <a:lstStyle>
+                <a:lvl1pPr marL="228600" indent="-228600" algn="l" defTabSz="914400" rtl="0" eaLnBrk="1" latinLnBrk="0" hangingPunct="1">
+                  <a:lnSpc>
+                    <a:spcPct val="90000"/>
+                  </a:lnSpc>
+                  <a:spcBef>
+                    <a:spcPts val="1000"/>
+                  </a:spcBef>
+                  <a:buFont typeface="Arial" panose="020B0604020202020204" pitchFamily="34" charset="0"/>
+                  <a:buChar char="•"/>
+                  <a:defRPr sz="2800" kern="1200">
+                    <a:solidFill>
+                      <a:schemeClr val="tx1"/>
+                    </a:solidFill>
+                    <a:latin typeface="+mn-lt"/>
+                    <a:ea typeface="+mn-ea"/>
+                    <a:cs typeface="+mn-cs"/>
+                  </a:defRPr>
+                </a:lvl1pPr>
+                <a:lvl2pPr marL="685800" indent="-228600" algn="l" defTabSz="914400" rtl="0" eaLnBrk="1" latinLnBrk="0" hangingPunct="1">
+                  <a:lnSpc>
+                    <a:spcPct val="90000"/>
+                  </a:lnSpc>
+                  <a:spcBef>
+                    <a:spcPts val="500"/>
+                  </a:spcBef>
+                  <a:buFont typeface="Arial" panose="020B0604020202020204" pitchFamily="34" charset="0"/>
+                  <a:buChar char="•"/>
+                  <a:defRPr sz="2400" kern="1200">
+                    <a:solidFill>
+                      <a:schemeClr val="tx1"/>
+                    </a:solidFill>
+                    <a:latin typeface="+mn-lt"/>
+                    <a:ea typeface="+mn-ea"/>
+                    <a:cs typeface="+mn-cs"/>
+                  </a:defRPr>
+                </a:lvl2pPr>
+                <a:lvl3pPr marL="1143000" indent="-228600" algn="l" defTabSz="914400" rtl="0" eaLnBrk="1" latinLnBrk="0" hangingPunct="1">
+                  <a:lnSpc>
+                    <a:spcPct val="90000"/>
+                  </a:lnSpc>
+                  <a:spcBef>
+                    <a:spcPts val="500"/>
+                  </a:spcBef>
+                  <a:buFont typeface="Arial" panose="020B0604020202020204" pitchFamily="34" charset="0"/>
+                  <a:buChar char="•"/>
+                  <a:defRPr sz="2000" kern="1200">
+                    <a:solidFill>
+                      <a:schemeClr val="tx1"/>
+                    </a:solidFill>
+                    <a:latin typeface="+mn-lt"/>
+                    <a:ea typeface="+mn-ea"/>
+                    <a:cs typeface="+mn-cs"/>
+                  </a:defRPr>
+                </a:lvl3pPr>
+                <a:lvl4pPr marL="1600200" indent="-228600" algn="l" defTabSz="914400" rtl="0" eaLnBrk="1" latinLnBrk="0" hangingPunct="1">
+                  <a:lnSpc>
+                    <a:spcPct val="90000"/>
+                  </a:lnSpc>
+                  <a:spcBef>
+                    <a:spcPts val="500"/>
+                  </a:spcBef>
+                  <a:buFont typeface="Arial" panose="020B0604020202020204" pitchFamily="34" charset="0"/>
+                  <a:buChar char="•"/>
+                  <a:defRPr sz="1800" kern="1200">
+                    <a:solidFill>
+                      <a:schemeClr val="tx1"/>
+                    </a:solidFill>
+                    <a:latin typeface="+mn-lt"/>
+                    <a:ea typeface="+mn-ea"/>
+                    <a:cs typeface="+mn-cs"/>
+                  </a:defRPr>
+                </a:lvl4pPr>
+                <a:lvl5pPr marL="2057400" indent="-228600" algn="l" defTabSz="914400" rtl="0" eaLnBrk="1" latinLnBrk="0" hangingPunct="1">
+                  <a:lnSpc>
+                    <a:spcPct val="90000"/>
+                  </a:lnSpc>
+                  <a:spcBef>
+                    <a:spcPts val="500"/>
+                  </a:spcBef>
+                  <a:buFont typeface="Arial" panose="020B0604020202020204" pitchFamily="34" charset="0"/>
+                  <a:buChar char="•"/>
+                  <a:defRPr sz="1800" kern="1200">
+                    <a:solidFill>
+                      <a:schemeClr val="tx1"/>
+                    </a:solidFill>
+                    <a:latin typeface="+mn-lt"/>
+                    <a:ea typeface="+mn-ea"/>
+                    <a:cs typeface="+mn-cs"/>
+                  </a:defRPr>
+                </a:lvl5pPr>
+                <a:lvl6pPr marL="2514600" indent="-228600" algn="l" defTabSz="914400" rtl="0" eaLnBrk="1" latinLnBrk="0" hangingPunct="1">
+                  <a:lnSpc>
+                    <a:spcPct val="90000"/>
+                  </a:lnSpc>
+                  <a:spcBef>
+                    <a:spcPts val="500"/>
+                  </a:spcBef>
+                  <a:buFont typeface="Arial" panose="020B0604020202020204" pitchFamily="34" charset="0"/>
+                  <a:buChar char="•"/>
+                  <a:defRPr sz="1800" kern="1200">
+                    <a:solidFill>
+                      <a:schemeClr val="tx1"/>
+                    </a:solidFill>
+                    <a:latin typeface="+mn-lt"/>
+                    <a:ea typeface="+mn-ea"/>
+                    <a:cs typeface="+mn-cs"/>
+                  </a:defRPr>
+                </a:lvl6pPr>
+                <a:lvl7pPr marL="2971800" indent="-228600" algn="l" defTabSz="914400" rtl="0" eaLnBrk="1" latinLnBrk="0" hangingPunct="1">
+                  <a:lnSpc>
+                    <a:spcPct val="90000"/>
+                  </a:lnSpc>
+                  <a:spcBef>
+                    <a:spcPts val="500"/>
+                  </a:spcBef>
+                  <a:buFont typeface="Arial" panose="020B0604020202020204" pitchFamily="34" charset="0"/>
+                  <a:buChar char="•"/>
+                  <a:defRPr sz="1800" kern="1200">
+                    <a:solidFill>
+                      <a:schemeClr val="tx1"/>
+                    </a:solidFill>
+                    <a:latin typeface="+mn-lt"/>
+                    <a:ea typeface="+mn-ea"/>
+                    <a:cs typeface="+mn-cs"/>
+                  </a:defRPr>
+                </a:lvl7pPr>
+                <a:lvl8pPr marL="3429000" indent="-228600" algn="l" defTabSz="914400" rtl="0" eaLnBrk="1" latinLnBrk="0" hangingPunct="1">
+                  <a:lnSpc>
+                    <a:spcPct val="90000"/>
+                  </a:lnSpc>
+                  <a:spcBef>
+                    <a:spcPts val="500"/>
+                  </a:spcBef>
+                  <a:buFont typeface="Arial" panose="020B0604020202020204" pitchFamily="34" charset="0"/>
+                  <a:buChar char="•"/>
+                  <a:defRPr sz="1800" kern="1200">
+                    <a:solidFill>
+                      <a:schemeClr val="tx1"/>
+                    </a:solidFill>
+                    <a:latin typeface="+mn-lt"/>
+                    <a:ea typeface="+mn-ea"/>
+                    <a:cs typeface="+mn-cs"/>
+                  </a:defRPr>
+                </a:lvl8pPr>
+                <a:lvl9pPr marL="3886200" indent="-228600" algn="l" defTabSz="914400" rtl="0" eaLnBrk="1" latinLnBrk="0" hangingPunct="1">
+                  <a:lnSpc>
+                    <a:spcPct val="90000"/>
+                  </a:lnSpc>
+                  <a:spcBef>
+                    <a:spcPts val="500"/>
+                  </a:spcBef>
+                  <a:buFont typeface="Arial" panose="020B0604020202020204" pitchFamily="34" charset="0"/>
+                  <a:buChar char="•"/>
+                  <a:defRPr sz="1800" kern="1200">
+                    <a:solidFill>
+                      <a:schemeClr val="tx1"/>
+                    </a:solidFill>
+                    <a:latin typeface="+mn-lt"/>
+                    <a:ea typeface="+mn-ea"/>
+                    <a:cs typeface="+mn-cs"/>
+                  </a:defRPr>
+                </a:lvl9pPr>
+              </a:lstStyle>
+              <a:p>
+                <a:pPr marL="0" indent="0">
+                  <a:buFont typeface="Arial" panose="020B0604020202020204" pitchFamily="34" charset="0"/>
+                  <a:buNone/>
+                </a:pPr>
+                <a14:m>
+                  <m:oMathPara xmlns:m="http://schemas.openxmlformats.org/officeDocument/2006/math">
+                    <m:oMathParaPr>
+                      <m:jc m:val="centerGroup"/>
+                    </m:oMathParaPr>
+                    <m:oMath xmlns:m="http://schemas.openxmlformats.org/officeDocument/2006/math">
+                      <m:sSup>
+                        <m:sSupPr>
+                          <m:ctrlPr>
+                            <a:rPr lang="en-US" sz="6000" b="0" i="1" smtClean="0">
+                              <a:latin typeface="Cambria Math" panose="02040503050406030204" pitchFamily="18" charset="0"/>
+                            </a:rPr>
+                          </m:ctrlPr>
+                        </m:sSupPr>
+                        <m:e>
+                          <m:r>
+                            <a:rPr lang="en-US" sz="6000" b="0" i="1" smtClean="0">
+                              <a:latin typeface="Cambria Math" panose="02040503050406030204" pitchFamily="18" charset="0"/>
+                            </a:rPr>
+                            <m:t>5</m:t>
+                          </m:r>
+                        </m:e>
+                        <m:sup>
+                          <m:r>
+                            <a:rPr lang="en-US" sz="6000" b="0" i="1" smtClean="0">
+                              <a:latin typeface="Cambria Math" panose="02040503050406030204" pitchFamily="18" charset="0"/>
+                            </a:rPr>
+                            <m:t>2</m:t>
+                          </m:r>
+                        </m:sup>
+                      </m:sSup>
+                      <m:r>
+                        <a:rPr lang="en-US" sz="6000" b="0" i="1" smtClean="0">
+                          <a:latin typeface="Cambria Math" panose="02040503050406030204" pitchFamily="18" charset="0"/>
+                        </a:rPr>
+                        <m:t>=</m:t>
+                      </m:r>
+                      <m:r>
+                        <a:rPr lang="en-US" sz="6000" b="0" i="1" smtClean="0">
+                          <a:latin typeface="Cambria Math" panose="02040503050406030204" pitchFamily="18" charset="0"/>
+                        </a:rPr>
+                        <m:t>25</m:t>
+                      </m:r>
+                    </m:oMath>
+                  </m:oMathPara>
+                </a14:m>
+                <a:endParaRPr lang="en-US" sz="6000" dirty="0"/>
+              </a:p>
+            </p:txBody>
+          </p:sp>
+        </mc:Choice>
+        <mc:Fallback>
+          <p:sp>
+            <p:nvSpPr>
+              <p:cNvPr id="4" name="Content Placeholder 2"/>
+              <p:cNvSpPr txBox="1">
+                <a:spLocks noRot="1" noChangeAspect="1" noMove="1" noResize="1" noEditPoints="1" noAdjustHandles="1" noChangeArrowheads="1" noChangeShapeType="1" noTextEdit="1"/>
+              </p:cNvSpPr>
+              <p:nvPr/>
+            </p:nvSpPr>
+            <p:spPr>
+              <a:xfrm>
+                <a:off x="838200" y="2183143"/>
+                <a:ext cx="10515600" cy="834376"/>
+              </a:xfrm>
+              <a:prstGeom prst="rect">
+                <a:avLst/>
+              </a:prstGeom>
+              <a:blipFill>
+                <a:blip r:embed="rId2"/>
+                <a:stretch>
+                  <a:fillRect/>
+                </a:stretch>
+              </a:blipFill>
+            </p:spPr>
+            <p:txBody>
+              <a:bodyPr/>
+              <a:lstStyle/>
+              <a:p>
+                <a:r>
+                  <a:rPr lang="en-US">
+                    <a:noFill/>
+                  </a:rPr>
+                  <a:t> </a:t>
+                </a:r>
+              </a:p>
+            </p:txBody>
+          </p:sp>
+        </mc:Fallback>
+      </mc:AlternateContent>
+      <mc:AlternateContent xmlns:mc="http://schemas.openxmlformats.org/markup-compatibility/2006">
+        <mc:Choice xmlns:a14="http://schemas.microsoft.com/office/drawing/2010/main" Requires="a14">
+          <p:sp>
+            <p:nvSpPr>
+              <p:cNvPr id="5" name="Content Placeholder 2"/>
+              <p:cNvSpPr txBox="1">
+                <a:spLocks/>
+              </p:cNvSpPr>
+              <p:nvPr/>
+            </p:nvSpPr>
+            <p:spPr>
+              <a:xfrm>
+                <a:off x="838200" y="3392640"/>
+                <a:ext cx="10515600" cy="865642"/>
+              </a:xfrm>
+              <a:prstGeom prst="rect">
+                <a:avLst/>
+              </a:prstGeom>
+            </p:spPr>
+            <p:txBody>
+              <a:bodyPr vert="horz" lIns="91440" tIns="45720" rIns="91440" bIns="45720" rtlCol="0">
+                <a:normAutofit fontScale="92500"/>
+              </a:bodyPr>
+              <a:lstStyle>
+                <a:lvl1pPr marL="228600" indent="-228600" algn="l" defTabSz="914400" rtl="0" eaLnBrk="1" latinLnBrk="0" hangingPunct="1">
+                  <a:lnSpc>
+                    <a:spcPct val="90000"/>
+                  </a:lnSpc>
+                  <a:spcBef>
+                    <a:spcPts val="1000"/>
+                  </a:spcBef>
+                  <a:buFont typeface="Arial" panose="020B0604020202020204" pitchFamily="34" charset="0"/>
+                  <a:buChar char="•"/>
+                  <a:defRPr sz="2800" kern="1200">
+                    <a:solidFill>
+                      <a:schemeClr val="tx1"/>
+                    </a:solidFill>
+                    <a:latin typeface="+mn-lt"/>
+                    <a:ea typeface="+mn-ea"/>
+                    <a:cs typeface="+mn-cs"/>
+                  </a:defRPr>
+                </a:lvl1pPr>
+                <a:lvl2pPr marL="685800" indent="-228600" algn="l" defTabSz="914400" rtl="0" eaLnBrk="1" latinLnBrk="0" hangingPunct="1">
+                  <a:lnSpc>
+                    <a:spcPct val="90000"/>
+                  </a:lnSpc>
+                  <a:spcBef>
+                    <a:spcPts val="500"/>
+                  </a:spcBef>
+                  <a:buFont typeface="Arial" panose="020B0604020202020204" pitchFamily="34" charset="0"/>
+                  <a:buChar char="•"/>
+                  <a:defRPr sz="2400" kern="1200">
+                    <a:solidFill>
+                      <a:schemeClr val="tx1"/>
+                    </a:solidFill>
+                    <a:latin typeface="+mn-lt"/>
+                    <a:ea typeface="+mn-ea"/>
+                    <a:cs typeface="+mn-cs"/>
+                  </a:defRPr>
+                </a:lvl2pPr>
+                <a:lvl3pPr marL="1143000" indent="-228600" algn="l" defTabSz="914400" rtl="0" eaLnBrk="1" latinLnBrk="0" hangingPunct="1">
+                  <a:lnSpc>
+                    <a:spcPct val="90000"/>
+                  </a:lnSpc>
+                  <a:spcBef>
+                    <a:spcPts val="500"/>
+                  </a:spcBef>
+                  <a:buFont typeface="Arial" panose="020B0604020202020204" pitchFamily="34" charset="0"/>
+                  <a:buChar char="•"/>
+                  <a:defRPr sz="2000" kern="1200">
+                    <a:solidFill>
+                      <a:schemeClr val="tx1"/>
+                    </a:solidFill>
+                    <a:latin typeface="+mn-lt"/>
+                    <a:ea typeface="+mn-ea"/>
+                    <a:cs typeface="+mn-cs"/>
+                  </a:defRPr>
+                </a:lvl3pPr>
+                <a:lvl4pPr marL="1600200" indent="-228600" algn="l" defTabSz="914400" rtl="0" eaLnBrk="1" latinLnBrk="0" hangingPunct="1">
+                  <a:lnSpc>
+                    <a:spcPct val="90000"/>
+                  </a:lnSpc>
+                  <a:spcBef>
+                    <a:spcPts val="500"/>
+                  </a:spcBef>
+                  <a:buFont typeface="Arial" panose="020B0604020202020204" pitchFamily="34" charset="0"/>
+                  <a:buChar char="•"/>
+                  <a:defRPr sz="1800" kern="1200">
+                    <a:solidFill>
+                      <a:schemeClr val="tx1"/>
+                    </a:solidFill>
+                    <a:latin typeface="+mn-lt"/>
+                    <a:ea typeface="+mn-ea"/>
+                    <a:cs typeface="+mn-cs"/>
+                  </a:defRPr>
+                </a:lvl4pPr>
+                <a:lvl5pPr marL="2057400" indent="-228600" algn="l" defTabSz="914400" rtl="0" eaLnBrk="1" latinLnBrk="0" hangingPunct="1">
+                  <a:lnSpc>
+                    <a:spcPct val="90000"/>
+                  </a:lnSpc>
+                  <a:spcBef>
+                    <a:spcPts val="500"/>
+                  </a:spcBef>
+                  <a:buFont typeface="Arial" panose="020B0604020202020204" pitchFamily="34" charset="0"/>
+                  <a:buChar char="•"/>
+                  <a:defRPr sz="1800" kern="1200">
+                    <a:solidFill>
+                      <a:schemeClr val="tx1"/>
+                    </a:solidFill>
+                    <a:latin typeface="+mn-lt"/>
+                    <a:ea typeface="+mn-ea"/>
+                    <a:cs typeface="+mn-cs"/>
+                  </a:defRPr>
+                </a:lvl5pPr>
+                <a:lvl6pPr marL="2514600" indent="-228600" algn="l" defTabSz="914400" rtl="0" eaLnBrk="1" latinLnBrk="0" hangingPunct="1">
+                  <a:lnSpc>
+                    <a:spcPct val="90000"/>
+                  </a:lnSpc>
+                  <a:spcBef>
+                    <a:spcPts val="500"/>
+                  </a:spcBef>
+                  <a:buFont typeface="Arial" panose="020B0604020202020204" pitchFamily="34" charset="0"/>
+                  <a:buChar char="•"/>
+                  <a:defRPr sz="1800" kern="1200">
+                    <a:solidFill>
+                      <a:schemeClr val="tx1"/>
+                    </a:solidFill>
+                    <a:latin typeface="+mn-lt"/>
+                    <a:ea typeface="+mn-ea"/>
+                    <a:cs typeface="+mn-cs"/>
+                  </a:defRPr>
+                </a:lvl6pPr>
+                <a:lvl7pPr marL="2971800" indent="-228600" algn="l" defTabSz="914400" rtl="0" eaLnBrk="1" latinLnBrk="0" hangingPunct="1">
+                  <a:lnSpc>
+                    <a:spcPct val="90000"/>
+                  </a:lnSpc>
+                  <a:spcBef>
+                    <a:spcPts val="500"/>
+                  </a:spcBef>
+                  <a:buFont typeface="Arial" panose="020B0604020202020204" pitchFamily="34" charset="0"/>
+                  <a:buChar char="•"/>
+                  <a:defRPr sz="1800" kern="1200">
+                    <a:solidFill>
+                      <a:schemeClr val="tx1"/>
+                    </a:solidFill>
+                    <a:latin typeface="+mn-lt"/>
+                    <a:ea typeface="+mn-ea"/>
+                    <a:cs typeface="+mn-cs"/>
+                  </a:defRPr>
+                </a:lvl7pPr>
+                <a:lvl8pPr marL="3429000" indent="-228600" algn="l" defTabSz="914400" rtl="0" eaLnBrk="1" latinLnBrk="0" hangingPunct="1">
+                  <a:lnSpc>
+                    <a:spcPct val="90000"/>
+                  </a:lnSpc>
+                  <a:spcBef>
+                    <a:spcPts val="500"/>
+                  </a:spcBef>
+                  <a:buFont typeface="Arial" panose="020B0604020202020204" pitchFamily="34" charset="0"/>
+                  <a:buChar char="•"/>
+                  <a:defRPr sz="1800" kern="1200">
+                    <a:solidFill>
+                      <a:schemeClr val="tx1"/>
+                    </a:solidFill>
+                    <a:latin typeface="+mn-lt"/>
+                    <a:ea typeface="+mn-ea"/>
+                    <a:cs typeface="+mn-cs"/>
+                  </a:defRPr>
+                </a:lvl8pPr>
+                <a:lvl9pPr marL="3886200" indent="-228600" algn="l" defTabSz="914400" rtl="0" eaLnBrk="1" latinLnBrk="0" hangingPunct="1">
+                  <a:lnSpc>
+                    <a:spcPct val="90000"/>
+                  </a:lnSpc>
+                  <a:spcBef>
+                    <a:spcPts val="500"/>
+                  </a:spcBef>
+                  <a:buFont typeface="Arial" panose="020B0604020202020204" pitchFamily="34" charset="0"/>
+                  <a:buChar char="•"/>
+                  <a:defRPr sz="1800" kern="1200">
+                    <a:solidFill>
+                      <a:schemeClr val="tx1"/>
+                    </a:solidFill>
+                    <a:latin typeface="+mn-lt"/>
+                    <a:ea typeface="+mn-ea"/>
+                    <a:cs typeface="+mn-cs"/>
+                  </a:defRPr>
+                </a:lvl9pPr>
+              </a:lstStyle>
+              <a:p>
+                <a:pPr marL="0" indent="0">
+                  <a:buFont typeface="Arial" panose="020B0604020202020204" pitchFamily="34" charset="0"/>
+                  <a:buNone/>
+                </a:pPr>
+                <a14:m>
+                  <m:oMathPara xmlns:m="http://schemas.openxmlformats.org/officeDocument/2006/math">
+                    <m:oMathParaPr>
+                      <m:jc m:val="centerGroup"/>
+                    </m:oMathParaPr>
+                    <m:oMath xmlns:m="http://schemas.openxmlformats.org/officeDocument/2006/math">
+                      <m:sSup>
+                        <m:sSupPr>
+                          <m:ctrlPr>
+                            <a:rPr lang="en-US" sz="6000" b="0" i="1" smtClean="0">
+                              <a:latin typeface="Cambria Math" panose="02040503050406030204" pitchFamily="18" charset="0"/>
+                            </a:rPr>
+                          </m:ctrlPr>
+                        </m:sSupPr>
+                        <m:e>
+                          <m:r>
+                            <a:rPr lang="en-US" sz="6000" b="0" i="1" smtClean="0">
+                              <a:latin typeface="Cambria Math" panose="02040503050406030204" pitchFamily="18" charset="0"/>
+                            </a:rPr>
+                            <m:t>5</m:t>
+                          </m:r>
+                        </m:e>
+                        <m:sup>
+                          <m:r>
+                            <a:rPr lang="en-US" sz="6000" b="0" i="1" smtClean="0">
+                              <a:latin typeface="Cambria Math" panose="02040503050406030204" pitchFamily="18" charset="0"/>
+                            </a:rPr>
+                            <m:t>3</m:t>
+                          </m:r>
+                        </m:sup>
+                      </m:sSup>
+                      <m:r>
+                        <a:rPr lang="en-US" sz="6000" b="0" i="1" smtClean="0">
+                          <a:latin typeface="Cambria Math" panose="02040503050406030204" pitchFamily="18" charset="0"/>
+                        </a:rPr>
+                        <m:t>=</m:t>
+                      </m:r>
+                      <m:r>
+                        <a:rPr lang="en-US" sz="6000" b="0" i="1" smtClean="0">
+                          <a:latin typeface="Cambria Math" panose="02040503050406030204" pitchFamily="18" charset="0"/>
+                        </a:rPr>
+                        <m:t>125</m:t>
+                      </m:r>
+                    </m:oMath>
+                  </m:oMathPara>
+                </a14:m>
+                <a:endParaRPr lang="en-US" sz="6000" dirty="0"/>
+              </a:p>
+            </p:txBody>
+          </p:sp>
+        </mc:Choice>
+        <mc:Fallback>
+          <p:sp>
+            <p:nvSpPr>
+              <p:cNvPr id="5" name="Content Placeholder 2"/>
+              <p:cNvSpPr txBox="1">
+                <a:spLocks noRot="1" noChangeAspect="1" noMove="1" noResize="1" noEditPoints="1" noAdjustHandles="1" noChangeArrowheads="1" noChangeShapeType="1" noTextEdit="1"/>
+              </p:cNvSpPr>
+              <p:nvPr/>
+            </p:nvSpPr>
+            <p:spPr>
+              <a:xfrm>
+                <a:off x="838200" y="3392640"/>
+                <a:ext cx="10515600" cy="865642"/>
+              </a:xfrm>
+              <a:prstGeom prst="rect">
+                <a:avLst/>
+              </a:prstGeom>
+              <a:blipFill>
+                <a:blip r:embed="rId3"/>
+                <a:stretch>
+                  <a:fillRect/>
+                </a:stretch>
+              </a:blipFill>
+            </p:spPr>
+            <p:txBody>
+              <a:bodyPr/>
+              <a:lstStyle/>
+              <a:p>
+                <a:r>
+                  <a:rPr lang="en-US">
+                    <a:noFill/>
+                  </a:rPr>
+                  <a:t> </a:t>
+                </a:r>
+              </a:p>
+            </p:txBody>
+          </p:sp>
+        </mc:Fallback>
+      </mc:AlternateContent>
+    </p:spTree>
+    <p:extLst>
+      <p:ext uri="{BB962C8B-B14F-4D97-AF65-F5344CB8AC3E}">
+        <p14:creationId xmlns:p14="http://schemas.microsoft.com/office/powerpoint/2010/main" val="165996469"/>
+      </p:ext>
+    </p:extLst>
+  </p:cSld>
+  <p:clrMapOvr>
+    <a:masterClrMapping/>
+  </p:clrMapOvr>
+  <p:timing>
+    <p:tnLst>
+      <p:par>
+        <p:cTn id="1" dur="indefinite" restart="never" nodeType="tmRoot"/>
+      </p:par>
+    </p:tnLst>
+  </p:timing>
+</p:sld>
+</file>
+
+<file path=ppt/slides/slide24.xml><?xml version="1.0" encoding="utf-8"?>
+<p:sld xmlns:a="http://schemas.openxmlformats.org/drawingml/2006/main" xmlns:r="http://schemas.openxmlformats.org/officeDocument/2006/relationships" xmlns:p="http://schemas.openxmlformats.org/presentationml/2006/main">
+  <p:cSld>
+    <p:spTree>
+      <p:nvGrpSpPr>
+        <p:cNvPr id="1" name=""/>
+        <p:cNvGrpSpPr/>
+        <p:nvPr/>
+      </p:nvGrpSpPr>
+      <p:grpSpPr>
+        <a:xfrm>
+          <a:off x="0" y="0"/>
+          <a:ext cx="0" cy="0"/>
+          <a:chOff x="0" y="0"/>
+          <a:chExt cx="0" cy="0"/>
+        </a:xfrm>
+      </p:grpSpPr>
+      <p:sp>
+        <p:nvSpPr>
+          <p:cNvPr id="2" name="Title 1"/>
+          <p:cNvSpPr>
+            <a:spLocks noGrp="1"/>
+          </p:cNvSpPr>
+          <p:nvPr>
+            <p:ph type="title"/>
+          </p:nvPr>
+        </p:nvSpPr>
+        <p:spPr/>
+        <p:txBody>
+          <a:bodyPr/>
+          <a:lstStyle/>
+          <a:p>
+            <a:r>
+              <a:rPr lang="en-US" dirty="0" smtClean="0"/>
+              <a:t>What is a logarithm?</a:t>
+            </a:r>
+            <a:endParaRPr lang="en-US" dirty="0"/>
+          </a:p>
+        </p:txBody>
+      </p:sp>
+      <mc:AlternateContent xmlns:mc="http://schemas.openxmlformats.org/markup-compatibility/2006">
+        <mc:Choice xmlns:a14="http://schemas.microsoft.com/office/drawing/2010/main" Requires="a14">
+          <p:sp>
+            <p:nvSpPr>
+              <p:cNvPr id="4" name="Content Placeholder 2"/>
+              <p:cNvSpPr txBox="1">
+                <a:spLocks/>
+              </p:cNvSpPr>
+              <p:nvPr/>
+            </p:nvSpPr>
+            <p:spPr>
+              <a:xfrm>
+                <a:off x="838200" y="2183143"/>
+                <a:ext cx="10515600" cy="834376"/>
+              </a:xfrm>
+              <a:prstGeom prst="rect">
+                <a:avLst/>
+              </a:prstGeom>
+            </p:spPr>
+            <p:txBody>
+              <a:bodyPr vert="horz" lIns="91440" tIns="45720" rIns="91440" bIns="45720" rtlCol="0">
+                <a:normAutofit fontScale="85000" lnSpcReduction="10000"/>
+              </a:bodyPr>
+              <a:lstStyle>
+                <a:lvl1pPr marL="228600" indent="-228600" algn="l" defTabSz="914400" rtl="0" eaLnBrk="1" latinLnBrk="0" hangingPunct="1">
+                  <a:lnSpc>
+                    <a:spcPct val="90000"/>
+                  </a:lnSpc>
+                  <a:spcBef>
+                    <a:spcPts val="1000"/>
+                  </a:spcBef>
+                  <a:buFont typeface="Arial" panose="020B0604020202020204" pitchFamily="34" charset="0"/>
+                  <a:buChar char="•"/>
+                  <a:defRPr sz="2800" kern="1200">
+                    <a:solidFill>
+                      <a:schemeClr val="tx1"/>
+                    </a:solidFill>
+                    <a:latin typeface="+mn-lt"/>
+                    <a:ea typeface="+mn-ea"/>
+                    <a:cs typeface="+mn-cs"/>
+                  </a:defRPr>
+                </a:lvl1pPr>
+                <a:lvl2pPr marL="685800" indent="-228600" algn="l" defTabSz="914400" rtl="0" eaLnBrk="1" latinLnBrk="0" hangingPunct="1">
+                  <a:lnSpc>
+                    <a:spcPct val="90000"/>
+                  </a:lnSpc>
+                  <a:spcBef>
+                    <a:spcPts val="500"/>
+                  </a:spcBef>
+                  <a:buFont typeface="Arial" panose="020B0604020202020204" pitchFamily="34" charset="0"/>
+                  <a:buChar char="•"/>
+                  <a:defRPr sz="2400" kern="1200">
+                    <a:solidFill>
+                      <a:schemeClr val="tx1"/>
+                    </a:solidFill>
+                    <a:latin typeface="+mn-lt"/>
+                    <a:ea typeface="+mn-ea"/>
+                    <a:cs typeface="+mn-cs"/>
+                  </a:defRPr>
+                </a:lvl2pPr>
+                <a:lvl3pPr marL="1143000" indent="-228600" algn="l" defTabSz="914400" rtl="0" eaLnBrk="1" latinLnBrk="0" hangingPunct="1">
+                  <a:lnSpc>
+                    <a:spcPct val="90000"/>
+                  </a:lnSpc>
+                  <a:spcBef>
+                    <a:spcPts val="500"/>
+                  </a:spcBef>
+                  <a:buFont typeface="Arial" panose="020B0604020202020204" pitchFamily="34" charset="0"/>
+                  <a:buChar char="•"/>
+                  <a:defRPr sz="2000" kern="1200">
+                    <a:solidFill>
+                      <a:schemeClr val="tx1"/>
+                    </a:solidFill>
+                    <a:latin typeface="+mn-lt"/>
+                    <a:ea typeface="+mn-ea"/>
+                    <a:cs typeface="+mn-cs"/>
+                  </a:defRPr>
+                </a:lvl3pPr>
+                <a:lvl4pPr marL="1600200" indent="-228600" algn="l" defTabSz="914400" rtl="0" eaLnBrk="1" latinLnBrk="0" hangingPunct="1">
+                  <a:lnSpc>
+                    <a:spcPct val="90000"/>
+                  </a:lnSpc>
+                  <a:spcBef>
+                    <a:spcPts val="500"/>
+                  </a:spcBef>
+                  <a:buFont typeface="Arial" panose="020B0604020202020204" pitchFamily="34" charset="0"/>
+                  <a:buChar char="•"/>
+                  <a:defRPr sz="1800" kern="1200">
+                    <a:solidFill>
+                      <a:schemeClr val="tx1"/>
+                    </a:solidFill>
+                    <a:latin typeface="+mn-lt"/>
+                    <a:ea typeface="+mn-ea"/>
+                    <a:cs typeface="+mn-cs"/>
+                  </a:defRPr>
+                </a:lvl4pPr>
+                <a:lvl5pPr marL="2057400" indent="-228600" algn="l" defTabSz="914400" rtl="0" eaLnBrk="1" latinLnBrk="0" hangingPunct="1">
+                  <a:lnSpc>
+                    <a:spcPct val="90000"/>
+                  </a:lnSpc>
+                  <a:spcBef>
+                    <a:spcPts val="500"/>
+                  </a:spcBef>
+                  <a:buFont typeface="Arial" panose="020B0604020202020204" pitchFamily="34" charset="0"/>
+                  <a:buChar char="•"/>
+                  <a:defRPr sz="1800" kern="1200">
+                    <a:solidFill>
+                      <a:schemeClr val="tx1"/>
+                    </a:solidFill>
+                    <a:latin typeface="+mn-lt"/>
+                    <a:ea typeface="+mn-ea"/>
+                    <a:cs typeface="+mn-cs"/>
+                  </a:defRPr>
+                </a:lvl5pPr>
+                <a:lvl6pPr marL="2514600" indent="-228600" algn="l" defTabSz="914400" rtl="0" eaLnBrk="1" latinLnBrk="0" hangingPunct="1">
+                  <a:lnSpc>
+                    <a:spcPct val="90000"/>
+                  </a:lnSpc>
+                  <a:spcBef>
+                    <a:spcPts val="500"/>
+                  </a:spcBef>
+                  <a:buFont typeface="Arial" panose="020B0604020202020204" pitchFamily="34" charset="0"/>
+                  <a:buChar char="•"/>
+                  <a:defRPr sz="1800" kern="1200">
+                    <a:solidFill>
+                      <a:schemeClr val="tx1"/>
+                    </a:solidFill>
+                    <a:latin typeface="+mn-lt"/>
+                    <a:ea typeface="+mn-ea"/>
+                    <a:cs typeface="+mn-cs"/>
+                  </a:defRPr>
+                </a:lvl6pPr>
+                <a:lvl7pPr marL="2971800" indent="-228600" algn="l" defTabSz="914400" rtl="0" eaLnBrk="1" latinLnBrk="0" hangingPunct="1">
+                  <a:lnSpc>
+                    <a:spcPct val="90000"/>
+                  </a:lnSpc>
+                  <a:spcBef>
+                    <a:spcPts val="500"/>
+                  </a:spcBef>
+                  <a:buFont typeface="Arial" panose="020B0604020202020204" pitchFamily="34" charset="0"/>
+                  <a:buChar char="•"/>
+                  <a:defRPr sz="1800" kern="1200">
+                    <a:solidFill>
+                      <a:schemeClr val="tx1"/>
+                    </a:solidFill>
+                    <a:latin typeface="+mn-lt"/>
+                    <a:ea typeface="+mn-ea"/>
+                    <a:cs typeface="+mn-cs"/>
+                  </a:defRPr>
+                </a:lvl7pPr>
+                <a:lvl8pPr marL="3429000" indent="-228600" algn="l" defTabSz="914400" rtl="0" eaLnBrk="1" latinLnBrk="0" hangingPunct="1">
+                  <a:lnSpc>
+                    <a:spcPct val="90000"/>
+                  </a:lnSpc>
+                  <a:spcBef>
+                    <a:spcPts val="500"/>
+                  </a:spcBef>
+                  <a:buFont typeface="Arial" panose="020B0604020202020204" pitchFamily="34" charset="0"/>
+                  <a:buChar char="•"/>
+                  <a:defRPr sz="1800" kern="1200">
+                    <a:solidFill>
+                      <a:schemeClr val="tx1"/>
+                    </a:solidFill>
+                    <a:latin typeface="+mn-lt"/>
+                    <a:ea typeface="+mn-ea"/>
+                    <a:cs typeface="+mn-cs"/>
+                  </a:defRPr>
+                </a:lvl8pPr>
+                <a:lvl9pPr marL="3886200" indent="-228600" algn="l" defTabSz="914400" rtl="0" eaLnBrk="1" latinLnBrk="0" hangingPunct="1">
+                  <a:lnSpc>
+                    <a:spcPct val="90000"/>
+                  </a:lnSpc>
+                  <a:spcBef>
+                    <a:spcPts val="500"/>
+                  </a:spcBef>
+                  <a:buFont typeface="Arial" panose="020B0604020202020204" pitchFamily="34" charset="0"/>
+                  <a:buChar char="•"/>
+                  <a:defRPr sz="1800" kern="1200">
+                    <a:solidFill>
+                      <a:schemeClr val="tx1"/>
+                    </a:solidFill>
+                    <a:latin typeface="+mn-lt"/>
+                    <a:ea typeface="+mn-ea"/>
+                    <a:cs typeface="+mn-cs"/>
+                  </a:defRPr>
+                </a:lvl9pPr>
+              </a:lstStyle>
+              <a:p>
+                <a:pPr marL="0" indent="0">
+                  <a:buFont typeface="Arial" panose="020B0604020202020204" pitchFamily="34" charset="0"/>
+                  <a:buNone/>
+                </a:pPr>
+                <a14:m>
+                  <m:oMathPara xmlns:m="http://schemas.openxmlformats.org/officeDocument/2006/math">
+                    <m:oMathParaPr>
+                      <m:jc m:val="centerGroup"/>
+                    </m:oMathParaPr>
+                    <m:oMath xmlns:m="http://schemas.openxmlformats.org/officeDocument/2006/math">
+                      <m:sSup>
+                        <m:sSupPr>
+                          <m:ctrlPr>
+                            <a:rPr lang="en-US" sz="6000" b="0" i="1" smtClean="0">
+                              <a:latin typeface="Cambria Math" panose="02040503050406030204" pitchFamily="18" charset="0"/>
+                            </a:rPr>
+                          </m:ctrlPr>
+                        </m:sSupPr>
+                        <m:e>
+                          <m:r>
+                            <a:rPr lang="en-US" sz="6000" b="0" i="1" smtClean="0">
+                              <a:latin typeface="Cambria Math" panose="02040503050406030204" pitchFamily="18" charset="0"/>
+                            </a:rPr>
+                            <m:t>5</m:t>
+                          </m:r>
+                        </m:e>
+                        <m:sup>
+                          <m:r>
+                            <a:rPr lang="en-US" sz="6000" b="0" i="1" smtClean="0">
+                              <a:latin typeface="Cambria Math" panose="02040503050406030204" pitchFamily="18" charset="0"/>
+                            </a:rPr>
+                            <m:t>2</m:t>
+                          </m:r>
+                        </m:sup>
+                      </m:sSup>
+                      <m:r>
+                        <a:rPr lang="en-US" sz="6000" b="0" i="1" smtClean="0">
+                          <a:latin typeface="Cambria Math" panose="02040503050406030204" pitchFamily="18" charset="0"/>
+                        </a:rPr>
+                        <m:t>=</m:t>
+                      </m:r>
+                      <m:r>
+                        <a:rPr lang="en-US" sz="6000" b="0" i="1" smtClean="0">
+                          <a:latin typeface="Cambria Math" panose="02040503050406030204" pitchFamily="18" charset="0"/>
+                        </a:rPr>
+                        <m:t>25</m:t>
+                      </m:r>
+                    </m:oMath>
+                  </m:oMathPara>
+                </a14:m>
+                <a:endParaRPr lang="en-US" sz="6000" dirty="0"/>
+              </a:p>
+            </p:txBody>
+          </p:sp>
+        </mc:Choice>
+        <mc:Fallback>
+          <p:sp>
+            <p:nvSpPr>
+              <p:cNvPr id="4" name="Content Placeholder 2"/>
+              <p:cNvSpPr txBox="1">
+                <a:spLocks noRot="1" noChangeAspect="1" noMove="1" noResize="1" noEditPoints="1" noAdjustHandles="1" noChangeArrowheads="1" noChangeShapeType="1" noTextEdit="1"/>
+              </p:cNvSpPr>
+              <p:nvPr/>
+            </p:nvSpPr>
+            <p:spPr>
+              <a:xfrm>
+                <a:off x="838200" y="2183143"/>
+                <a:ext cx="10515600" cy="834376"/>
+              </a:xfrm>
+              <a:prstGeom prst="rect">
+                <a:avLst/>
+              </a:prstGeom>
+              <a:blipFill>
+                <a:blip r:embed="rId2"/>
+                <a:stretch>
+                  <a:fillRect/>
+                </a:stretch>
+              </a:blipFill>
+            </p:spPr>
+            <p:txBody>
+              <a:bodyPr/>
+              <a:lstStyle/>
+              <a:p>
+                <a:r>
+                  <a:rPr lang="en-US">
+                    <a:noFill/>
+                  </a:rPr>
+                  <a:t> </a:t>
+                </a:r>
+              </a:p>
+            </p:txBody>
+          </p:sp>
+        </mc:Fallback>
+      </mc:AlternateContent>
+      <mc:AlternateContent xmlns:mc="http://schemas.openxmlformats.org/markup-compatibility/2006">
+        <mc:Choice xmlns:a14="http://schemas.microsoft.com/office/drawing/2010/main" Requires="a14">
+          <p:sp>
+            <p:nvSpPr>
+              <p:cNvPr id="5" name="Content Placeholder 2"/>
+              <p:cNvSpPr txBox="1">
+                <a:spLocks/>
+              </p:cNvSpPr>
+              <p:nvPr/>
+            </p:nvSpPr>
+            <p:spPr>
+              <a:xfrm>
+                <a:off x="838200" y="3392640"/>
+                <a:ext cx="10515600" cy="865642"/>
+              </a:xfrm>
+              <a:prstGeom prst="rect">
+                <a:avLst/>
+              </a:prstGeom>
+            </p:spPr>
+            <p:txBody>
+              <a:bodyPr vert="horz" lIns="91440" tIns="45720" rIns="91440" bIns="45720" rtlCol="0">
+                <a:normAutofit fontScale="92500"/>
+              </a:bodyPr>
+              <a:lstStyle>
+                <a:lvl1pPr marL="228600" indent="-228600" algn="l" defTabSz="914400" rtl="0" eaLnBrk="1" latinLnBrk="0" hangingPunct="1">
+                  <a:lnSpc>
+                    <a:spcPct val="90000"/>
+                  </a:lnSpc>
+                  <a:spcBef>
+                    <a:spcPts val="1000"/>
+                  </a:spcBef>
+                  <a:buFont typeface="Arial" panose="020B0604020202020204" pitchFamily="34" charset="0"/>
+                  <a:buChar char="•"/>
+                  <a:defRPr sz="2800" kern="1200">
+                    <a:solidFill>
+                      <a:schemeClr val="tx1"/>
+                    </a:solidFill>
+                    <a:latin typeface="+mn-lt"/>
+                    <a:ea typeface="+mn-ea"/>
+                    <a:cs typeface="+mn-cs"/>
+                  </a:defRPr>
+                </a:lvl1pPr>
+                <a:lvl2pPr marL="685800" indent="-228600" algn="l" defTabSz="914400" rtl="0" eaLnBrk="1" latinLnBrk="0" hangingPunct="1">
+                  <a:lnSpc>
+                    <a:spcPct val="90000"/>
+                  </a:lnSpc>
+                  <a:spcBef>
+                    <a:spcPts val="500"/>
+                  </a:spcBef>
+                  <a:buFont typeface="Arial" panose="020B0604020202020204" pitchFamily="34" charset="0"/>
+                  <a:buChar char="•"/>
+                  <a:defRPr sz="2400" kern="1200">
+                    <a:solidFill>
+                      <a:schemeClr val="tx1"/>
+                    </a:solidFill>
+                    <a:latin typeface="+mn-lt"/>
+                    <a:ea typeface="+mn-ea"/>
+                    <a:cs typeface="+mn-cs"/>
+                  </a:defRPr>
+                </a:lvl2pPr>
+                <a:lvl3pPr marL="1143000" indent="-228600" algn="l" defTabSz="914400" rtl="0" eaLnBrk="1" latinLnBrk="0" hangingPunct="1">
+                  <a:lnSpc>
+                    <a:spcPct val="90000"/>
+                  </a:lnSpc>
+                  <a:spcBef>
+                    <a:spcPts val="500"/>
+                  </a:spcBef>
+                  <a:buFont typeface="Arial" panose="020B0604020202020204" pitchFamily="34" charset="0"/>
+                  <a:buChar char="•"/>
+                  <a:defRPr sz="2000" kern="1200">
+                    <a:solidFill>
+                      <a:schemeClr val="tx1"/>
+                    </a:solidFill>
+                    <a:latin typeface="+mn-lt"/>
+                    <a:ea typeface="+mn-ea"/>
+                    <a:cs typeface="+mn-cs"/>
+                  </a:defRPr>
+                </a:lvl3pPr>
+                <a:lvl4pPr marL="1600200" indent="-228600" algn="l" defTabSz="914400" rtl="0" eaLnBrk="1" latinLnBrk="0" hangingPunct="1">
+                  <a:lnSpc>
+                    <a:spcPct val="90000"/>
+                  </a:lnSpc>
+                  <a:spcBef>
+                    <a:spcPts val="500"/>
+                  </a:spcBef>
+                  <a:buFont typeface="Arial" panose="020B0604020202020204" pitchFamily="34" charset="0"/>
+                  <a:buChar char="•"/>
+                  <a:defRPr sz="1800" kern="1200">
+                    <a:solidFill>
+                      <a:schemeClr val="tx1"/>
+                    </a:solidFill>
+                    <a:latin typeface="+mn-lt"/>
+                    <a:ea typeface="+mn-ea"/>
+                    <a:cs typeface="+mn-cs"/>
+                  </a:defRPr>
+                </a:lvl4pPr>
+                <a:lvl5pPr marL="2057400" indent="-228600" algn="l" defTabSz="914400" rtl="0" eaLnBrk="1" latinLnBrk="0" hangingPunct="1">
+                  <a:lnSpc>
+                    <a:spcPct val="90000"/>
+                  </a:lnSpc>
+                  <a:spcBef>
+                    <a:spcPts val="500"/>
+                  </a:spcBef>
+                  <a:buFont typeface="Arial" panose="020B0604020202020204" pitchFamily="34" charset="0"/>
+                  <a:buChar char="•"/>
+                  <a:defRPr sz="1800" kern="1200">
+                    <a:solidFill>
+                      <a:schemeClr val="tx1"/>
+                    </a:solidFill>
+                    <a:latin typeface="+mn-lt"/>
+                    <a:ea typeface="+mn-ea"/>
+                    <a:cs typeface="+mn-cs"/>
+                  </a:defRPr>
+                </a:lvl5pPr>
+                <a:lvl6pPr marL="2514600" indent="-228600" algn="l" defTabSz="914400" rtl="0" eaLnBrk="1" latinLnBrk="0" hangingPunct="1">
+                  <a:lnSpc>
+                    <a:spcPct val="90000"/>
+                  </a:lnSpc>
+                  <a:spcBef>
+                    <a:spcPts val="500"/>
+                  </a:spcBef>
+                  <a:buFont typeface="Arial" panose="020B0604020202020204" pitchFamily="34" charset="0"/>
+                  <a:buChar char="•"/>
+                  <a:defRPr sz="1800" kern="1200">
+                    <a:solidFill>
+                      <a:schemeClr val="tx1"/>
+                    </a:solidFill>
+                    <a:latin typeface="+mn-lt"/>
+                    <a:ea typeface="+mn-ea"/>
+                    <a:cs typeface="+mn-cs"/>
+                  </a:defRPr>
+                </a:lvl6pPr>
+                <a:lvl7pPr marL="2971800" indent="-228600" algn="l" defTabSz="914400" rtl="0" eaLnBrk="1" latinLnBrk="0" hangingPunct="1">
+                  <a:lnSpc>
+                    <a:spcPct val="90000"/>
+                  </a:lnSpc>
+                  <a:spcBef>
+                    <a:spcPts val="500"/>
+                  </a:spcBef>
+                  <a:buFont typeface="Arial" panose="020B0604020202020204" pitchFamily="34" charset="0"/>
+                  <a:buChar char="•"/>
+                  <a:defRPr sz="1800" kern="1200">
+                    <a:solidFill>
+                      <a:schemeClr val="tx1"/>
+                    </a:solidFill>
+                    <a:latin typeface="+mn-lt"/>
+                    <a:ea typeface="+mn-ea"/>
+                    <a:cs typeface="+mn-cs"/>
+                  </a:defRPr>
+                </a:lvl7pPr>
+                <a:lvl8pPr marL="3429000" indent="-228600" algn="l" defTabSz="914400" rtl="0" eaLnBrk="1" latinLnBrk="0" hangingPunct="1">
+                  <a:lnSpc>
+                    <a:spcPct val="90000"/>
+                  </a:lnSpc>
+                  <a:spcBef>
+                    <a:spcPts val="500"/>
+                  </a:spcBef>
+                  <a:buFont typeface="Arial" panose="020B0604020202020204" pitchFamily="34" charset="0"/>
+                  <a:buChar char="•"/>
+                  <a:defRPr sz="1800" kern="1200">
+                    <a:solidFill>
+                      <a:schemeClr val="tx1"/>
+                    </a:solidFill>
+                    <a:latin typeface="+mn-lt"/>
+                    <a:ea typeface="+mn-ea"/>
+                    <a:cs typeface="+mn-cs"/>
+                  </a:defRPr>
+                </a:lvl8pPr>
+                <a:lvl9pPr marL="3886200" indent="-228600" algn="l" defTabSz="914400" rtl="0" eaLnBrk="1" latinLnBrk="0" hangingPunct="1">
+                  <a:lnSpc>
+                    <a:spcPct val="90000"/>
+                  </a:lnSpc>
+                  <a:spcBef>
+                    <a:spcPts val="500"/>
+                  </a:spcBef>
+                  <a:buFont typeface="Arial" panose="020B0604020202020204" pitchFamily="34" charset="0"/>
+                  <a:buChar char="•"/>
+                  <a:defRPr sz="1800" kern="1200">
+                    <a:solidFill>
+                      <a:schemeClr val="tx1"/>
+                    </a:solidFill>
+                    <a:latin typeface="+mn-lt"/>
+                    <a:ea typeface="+mn-ea"/>
+                    <a:cs typeface="+mn-cs"/>
+                  </a:defRPr>
+                </a:lvl9pPr>
+              </a:lstStyle>
+              <a:p>
+                <a:pPr marL="0" indent="0">
+                  <a:buFont typeface="Arial" panose="020B0604020202020204" pitchFamily="34" charset="0"/>
+                  <a:buNone/>
+                </a:pPr>
+                <a14:m>
+                  <m:oMathPara xmlns:m="http://schemas.openxmlformats.org/officeDocument/2006/math">
+                    <m:oMathParaPr>
+                      <m:jc m:val="centerGroup"/>
+                    </m:oMathParaPr>
+                    <m:oMath xmlns:m="http://schemas.openxmlformats.org/officeDocument/2006/math">
+                      <m:sSup>
+                        <m:sSupPr>
+                          <m:ctrlPr>
+                            <a:rPr lang="en-US" sz="6000" b="0" i="1" smtClean="0">
+                              <a:latin typeface="Cambria Math" panose="02040503050406030204" pitchFamily="18" charset="0"/>
+                            </a:rPr>
+                          </m:ctrlPr>
+                        </m:sSupPr>
+                        <m:e>
+                          <m:r>
+                            <a:rPr lang="en-US" sz="6000" b="0" i="1" smtClean="0">
+                              <a:latin typeface="Cambria Math" panose="02040503050406030204" pitchFamily="18" charset="0"/>
+                            </a:rPr>
+                            <m:t>5</m:t>
+                          </m:r>
+                        </m:e>
+                        <m:sup>
+                          <m:r>
+                            <a:rPr lang="en-US" sz="6000" b="0" i="1" smtClean="0">
+                              <a:latin typeface="Cambria Math" panose="02040503050406030204" pitchFamily="18" charset="0"/>
+                            </a:rPr>
+                            <m:t>3</m:t>
+                          </m:r>
+                        </m:sup>
+                      </m:sSup>
+                      <m:r>
+                        <a:rPr lang="en-US" sz="6000" b="0" i="1" smtClean="0">
+                          <a:latin typeface="Cambria Math" panose="02040503050406030204" pitchFamily="18" charset="0"/>
+                        </a:rPr>
+                        <m:t>=</m:t>
+                      </m:r>
+                      <m:r>
+                        <a:rPr lang="en-US" sz="6000" b="0" i="1" smtClean="0">
+                          <a:latin typeface="Cambria Math" panose="02040503050406030204" pitchFamily="18" charset="0"/>
+                        </a:rPr>
+                        <m:t>125</m:t>
+                      </m:r>
+                    </m:oMath>
+                  </m:oMathPara>
+                </a14:m>
+                <a:endParaRPr lang="en-US" sz="6000" dirty="0"/>
+              </a:p>
+            </p:txBody>
+          </p:sp>
+        </mc:Choice>
+        <mc:Fallback>
+          <p:sp>
+            <p:nvSpPr>
+              <p:cNvPr id="5" name="Content Placeholder 2"/>
+              <p:cNvSpPr txBox="1">
+                <a:spLocks noRot="1" noChangeAspect="1" noMove="1" noResize="1" noEditPoints="1" noAdjustHandles="1" noChangeArrowheads="1" noChangeShapeType="1" noTextEdit="1"/>
+              </p:cNvSpPr>
+              <p:nvPr/>
+            </p:nvSpPr>
+            <p:spPr>
+              <a:xfrm>
+                <a:off x="838200" y="3392640"/>
+                <a:ext cx="10515600" cy="865642"/>
+              </a:xfrm>
+              <a:prstGeom prst="rect">
+                <a:avLst/>
+              </a:prstGeom>
+              <a:blipFill>
+                <a:blip r:embed="rId3"/>
+                <a:stretch>
+                  <a:fillRect/>
+                </a:stretch>
+              </a:blipFill>
+            </p:spPr>
+            <p:txBody>
+              <a:bodyPr/>
+              <a:lstStyle/>
+              <a:p>
+                <a:r>
+                  <a:rPr lang="en-US">
+                    <a:noFill/>
+                  </a:rPr>
+                  <a:t> </a:t>
+                </a:r>
+              </a:p>
+            </p:txBody>
+          </p:sp>
+        </mc:Fallback>
+      </mc:AlternateContent>
+      <mc:AlternateContent xmlns:mc="http://schemas.openxmlformats.org/markup-compatibility/2006">
+        <mc:Choice xmlns:a14="http://schemas.microsoft.com/office/drawing/2010/main" Requires="a14">
+          <p:sp>
+            <p:nvSpPr>
+              <p:cNvPr id="6" name="Content Placeholder 2"/>
+              <p:cNvSpPr txBox="1">
+                <a:spLocks/>
+              </p:cNvSpPr>
+              <p:nvPr/>
+            </p:nvSpPr>
+            <p:spPr>
+              <a:xfrm>
+                <a:off x="838200" y="4750737"/>
+                <a:ext cx="10515600" cy="865642"/>
+              </a:xfrm>
+              <a:prstGeom prst="rect">
+                <a:avLst/>
+              </a:prstGeom>
+            </p:spPr>
+            <p:txBody>
+              <a:bodyPr vert="horz" lIns="91440" tIns="45720" rIns="91440" bIns="45720" rtlCol="0">
+                <a:normAutofit fontScale="92500"/>
+              </a:bodyPr>
+              <a:lstStyle>
+                <a:lvl1pPr marL="228600" indent="-228600" algn="l" defTabSz="914400" rtl="0" eaLnBrk="1" latinLnBrk="0" hangingPunct="1">
+                  <a:lnSpc>
+                    <a:spcPct val="90000"/>
+                  </a:lnSpc>
+                  <a:spcBef>
+                    <a:spcPts val="1000"/>
+                  </a:spcBef>
+                  <a:buFont typeface="Arial" panose="020B0604020202020204" pitchFamily="34" charset="0"/>
+                  <a:buChar char="•"/>
+                  <a:defRPr sz="2800" kern="1200">
+                    <a:solidFill>
+                      <a:schemeClr val="tx1"/>
+                    </a:solidFill>
+                    <a:latin typeface="+mn-lt"/>
+                    <a:ea typeface="+mn-ea"/>
+                    <a:cs typeface="+mn-cs"/>
+                  </a:defRPr>
+                </a:lvl1pPr>
+                <a:lvl2pPr marL="685800" indent="-228600" algn="l" defTabSz="914400" rtl="0" eaLnBrk="1" latinLnBrk="0" hangingPunct="1">
+                  <a:lnSpc>
+                    <a:spcPct val="90000"/>
+                  </a:lnSpc>
+                  <a:spcBef>
+                    <a:spcPts val="500"/>
+                  </a:spcBef>
+                  <a:buFont typeface="Arial" panose="020B0604020202020204" pitchFamily="34" charset="0"/>
+                  <a:buChar char="•"/>
+                  <a:defRPr sz="2400" kern="1200">
+                    <a:solidFill>
+                      <a:schemeClr val="tx1"/>
+                    </a:solidFill>
+                    <a:latin typeface="+mn-lt"/>
+                    <a:ea typeface="+mn-ea"/>
+                    <a:cs typeface="+mn-cs"/>
+                  </a:defRPr>
+                </a:lvl2pPr>
+                <a:lvl3pPr marL="1143000" indent="-228600" algn="l" defTabSz="914400" rtl="0" eaLnBrk="1" latinLnBrk="0" hangingPunct="1">
+                  <a:lnSpc>
+                    <a:spcPct val="90000"/>
+                  </a:lnSpc>
+                  <a:spcBef>
+                    <a:spcPts val="500"/>
+                  </a:spcBef>
+                  <a:buFont typeface="Arial" panose="020B0604020202020204" pitchFamily="34" charset="0"/>
+                  <a:buChar char="•"/>
+                  <a:defRPr sz="2000" kern="1200">
+                    <a:solidFill>
+                      <a:schemeClr val="tx1"/>
+                    </a:solidFill>
+                    <a:latin typeface="+mn-lt"/>
+                    <a:ea typeface="+mn-ea"/>
+                    <a:cs typeface="+mn-cs"/>
+                  </a:defRPr>
+                </a:lvl3pPr>
+                <a:lvl4pPr marL="1600200" indent="-228600" algn="l" defTabSz="914400" rtl="0" eaLnBrk="1" latinLnBrk="0" hangingPunct="1">
+                  <a:lnSpc>
+                    <a:spcPct val="90000"/>
+                  </a:lnSpc>
+                  <a:spcBef>
+                    <a:spcPts val="500"/>
+                  </a:spcBef>
+                  <a:buFont typeface="Arial" panose="020B0604020202020204" pitchFamily="34" charset="0"/>
+                  <a:buChar char="•"/>
+                  <a:defRPr sz="1800" kern="1200">
+                    <a:solidFill>
+                      <a:schemeClr val="tx1"/>
+                    </a:solidFill>
+                    <a:latin typeface="+mn-lt"/>
+                    <a:ea typeface="+mn-ea"/>
+                    <a:cs typeface="+mn-cs"/>
+                  </a:defRPr>
+                </a:lvl4pPr>
+                <a:lvl5pPr marL="2057400" indent="-228600" algn="l" defTabSz="914400" rtl="0" eaLnBrk="1" latinLnBrk="0" hangingPunct="1">
+                  <a:lnSpc>
+                    <a:spcPct val="90000"/>
+                  </a:lnSpc>
+                  <a:spcBef>
+                    <a:spcPts val="500"/>
+                  </a:spcBef>
+                  <a:buFont typeface="Arial" panose="020B0604020202020204" pitchFamily="34" charset="0"/>
+                  <a:buChar char="•"/>
+                  <a:defRPr sz="1800" kern="1200">
+                    <a:solidFill>
+                      <a:schemeClr val="tx1"/>
+                    </a:solidFill>
+                    <a:latin typeface="+mn-lt"/>
+                    <a:ea typeface="+mn-ea"/>
+                    <a:cs typeface="+mn-cs"/>
+                  </a:defRPr>
+                </a:lvl5pPr>
+                <a:lvl6pPr marL="2514600" indent="-228600" algn="l" defTabSz="914400" rtl="0" eaLnBrk="1" latinLnBrk="0" hangingPunct="1">
+                  <a:lnSpc>
+                    <a:spcPct val="90000"/>
+                  </a:lnSpc>
+                  <a:spcBef>
+                    <a:spcPts val="500"/>
+                  </a:spcBef>
+                  <a:buFont typeface="Arial" panose="020B0604020202020204" pitchFamily="34" charset="0"/>
+                  <a:buChar char="•"/>
+                  <a:defRPr sz="1800" kern="1200">
+                    <a:solidFill>
+                      <a:schemeClr val="tx1"/>
+                    </a:solidFill>
+                    <a:latin typeface="+mn-lt"/>
+                    <a:ea typeface="+mn-ea"/>
+                    <a:cs typeface="+mn-cs"/>
+                  </a:defRPr>
+                </a:lvl6pPr>
+                <a:lvl7pPr marL="2971800" indent="-228600" algn="l" defTabSz="914400" rtl="0" eaLnBrk="1" latinLnBrk="0" hangingPunct="1">
+                  <a:lnSpc>
+                    <a:spcPct val="90000"/>
+                  </a:lnSpc>
+                  <a:spcBef>
+                    <a:spcPts val="500"/>
+                  </a:spcBef>
+                  <a:buFont typeface="Arial" panose="020B0604020202020204" pitchFamily="34" charset="0"/>
+                  <a:buChar char="•"/>
+                  <a:defRPr sz="1800" kern="1200">
+                    <a:solidFill>
+                      <a:schemeClr val="tx1"/>
+                    </a:solidFill>
+                    <a:latin typeface="+mn-lt"/>
+                    <a:ea typeface="+mn-ea"/>
+                    <a:cs typeface="+mn-cs"/>
+                  </a:defRPr>
+                </a:lvl7pPr>
+                <a:lvl8pPr marL="3429000" indent="-228600" algn="l" defTabSz="914400" rtl="0" eaLnBrk="1" latinLnBrk="0" hangingPunct="1">
+                  <a:lnSpc>
+                    <a:spcPct val="90000"/>
+                  </a:lnSpc>
+                  <a:spcBef>
+                    <a:spcPts val="500"/>
+                  </a:spcBef>
+                  <a:buFont typeface="Arial" panose="020B0604020202020204" pitchFamily="34" charset="0"/>
+                  <a:buChar char="•"/>
+                  <a:defRPr sz="1800" kern="1200">
+                    <a:solidFill>
+                      <a:schemeClr val="tx1"/>
+                    </a:solidFill>
+                    <a:latin typeface="+mn-lt"/>
+                    <a:ea typeface="+mn-ea"/>
+                    <a:cs typeface="+mn-cs"/>
+                  </a:defRPr>
+                </a:lvl8pPr>
+                <a:lvl9pPr marL="3886200" indent="-228600" algn="l" defTabSz="914400" rtl="0" eaLnBrk="1" latinLnBrk="0" hangingPunct="1">
+                  <a:lnSpc>
+                    <a:spcPct val="90000"/>
+                  </a:lnSpc>
+                  <a:spcBef>
+                    <a:spcPts val="500"/>
+                  </a:spcBef>
+                  <a:buFont typeface="Arial" panose="020B0604020202020204" pitchFamily="34" charset="0"/>
+                  <a:buChar char="•"/>
+                  <a:defRPr sz="1800" kern="1200">
+                    <a:solidFill>
+                      <a:schemeClr val="tx1"/>
+                    </a:solidFill>
+                    <a:latin typeface="+mn-lt"/>
+                    <a:ea typeface="+mn-ea"/>
+                    <a:cs typeface="+mn-cs"/>
+                  </a:defRPr>
+                </a:lvl9pPr>
+              </a:lstStyle>
+              <a:p>
+                <a:pPr marL="0" indent="0">
+                  <a:buFont typeface="Arial" panose="020B0604020202020204" pitchFamily="34" charset="0"/>
+                  <a:buNone/>
+                </a:pPr>
+                <a14:m>
+                  <m:oMathPara xmlns:m="http://schemas.openxmlformats.org/officeDocument/2006/math">
+                    <m:oMathParaPr>
+                      <m:jc m:val="centerGroup"/>
+                    </m:oMathParaPr>
+                    <m:oMath xmlns:m="http://schemas.openxmlformats.org/officeDocument/2006/math">
+                      <m:sSup>
+                        <m:sSupPr>
+                          <m:ctrlPr>
+                            <a:rPr lang="en-US" sz="6000" b="0" i="1" smtClean="0">
+                              <a:latin typeface="Cambria Math" panose="02040503050406030204" pitchFamily="18" charset="0"/>
+                            </a:rPr>
+                          </m:ctrlPr>
+                        </m:sSupPr>
+                        <m:e>
+                          <m:r>
+                            <a:rPr lang="en-US" sz="6000" b="0" i="1" smtClean="0">
+                              <a:latin typeface="Cambria Math" panose="02040503050406030204" pitchFamily="18" charset="0"/>
+                            </a:rPr>
+                            <m:t>5</m:t>
+                          </m:r>
+                        </m:e>
+                        <m:sup>
+                          <m:r>
+                            <a:rPr lang="en-US" sz="6000" b="0" i="1" smtClean="0">
+                              <a:latin typeface="Cambria Math" panose="02040503050406030204" pitchFamily="18" charset="0"/>
+                            </a:rPr>
+                            <m:t>4</m:t>
+                          </m:r>
+                        </m:sup>
+                      </m:sSup>
+                      <m:r>
+                        <a:rPr lang="en-US" sz="6000" b="0" i="1" smtClean="0">
+                          <a:latin typeface="Cambria Math" panose="02040503050406030204" pitchFamily="18" charset="0"/>
+                        </a:rPr>
+                        <m:t>=</m:t>
+                      </m:r>
+                      <m:r>
+                        <a:rPr lang="en-US" sz="6000" b="0" i="1" smtClean="0">
+                          <a:latin typeface="Cambria Math" panose="02040503050406030204" pitchFamily="18" charset="0"/>
+                        </a:rPr>
+                        <m:t>625</m:t>
+                      </m:r>
+                    </m:oMath>
+                  </m:oMathPara>
+                </a14:m>
+                <a:endParaRPr lang="en-US" sz="6000" dirty="0"/>
+              </a:p>
+            </p:txBody>
+          </p:sp>
+        </mc:Choice>
+        <mc:Fallback>
+          <p:sp>
+            <p:nvSpPr>
+              <p:cNvPr id="6" name="Content Placeholder 2"/>
+              <p:cNvSpPr txBox="1">
+                <a:spLocks noRot="1" noChangeAspect="1" noMove="1" noResize="1" noEditPoints="1" noAdjustHandles="1" noChangeArrowheads="1" noChangeShapeType="1" noTextEdit="1"/>
+              </p:cNvSpPr>
+              <p:nvPr/>
+            </p:nvSpPr>
+            <p:spPr>
+              <a:xfrm>
+                <a:off x="838200" y="4750737"/>
+                <a:ext cx="10515600" cy="865642"/>
+              </a:xfrm>
+              <a:prstGeom prst="rect">
+                <a:avLst/>
+              </a:prstGeom>
+              <a:blipFill>
+                <a:blip r:embed="rId4"/>
+                <a:stretch>
+                  <a:fillRect/>
+                </a:stretch>
+              </a:blipFill>
+            </p:spPr>
+            <p:txBody>
+              <a:bodyPr/>
+              <a:lstStyle/>
+              <a:p>
+                <a:r>
+                  <a:rPr lang="en-US">
+                    <a:noFill/>
+                  </a:rPr>
+                  <a:t> </a:t>
+                </a:r>
+              </a:p>
+            </p:txBody>
+          </p:sp>
+        </mc:Fallback>
+      </mc:AlternateContent>
+    </p:spTree>
+    <p:extLst>
+      <p:ext uri="{BB962C8B-B14F-4D97-AF65-F5344CB8AC3E}">
+        <p14:creationId xmlns:p14="http://schemas.microsoft.com/office/powerpoint/2010/main" val="505148736"/>
+      </p:ext>
+    </p:extLst>
+  </p:cSld>
+  <p:clrMapOvr>
+    <a:masterClrMapping/>
+  </p:clrMapOvr>
+  <p:timing>
+    <p:tnLst>
+      <p:par>
+        <p:cTn id="1" dur="indefinite" restart="never" nodeType="tmRoot"/>
+      </p:par>
+    </p:tnLst>
+  </p:timing>
+</p:sld>
+</file>
+
+<file path=ppt/slides/slide25.xml><?xml version="1.0" encoding="utf-8"?>
+<p:sld xmlns:a="http://schemas.openxmlformats.org/drawingml/2006/main" xmlns:r="http://schemas.openxmlformats.org/officeDocument/2006/relationships" xmlns:p="http://schemas.openxmlformats.org/presentationml/2006/main">
+  <p:cSld>
+    <p:spTree>
+      <p:nvGrpSpPr>
+        <p:cNvPr id="1" name=""/>
+        <p:cNvGrpSpPr/>
+        <p:nvPr/>
+      </p:nvGrpSpPr>
+      <p:grpSpPr>
+        <a:xfrm>
+          <a:off x="0" y="0"/>
+          <a:ext cx="0" cy="0"/>
+          <a:chOff x="0" y="0"/>
+          <a:chExt cx="0" cy="0"/>
+        </a:xfrm>
+      </p:grpSpPr>
+      <p:sp>
+        <p:nvSpPr>
+          <p:cNvPr id="2" name="Title 1"/>
+          <p:cNvSpPr>
+            <a:spLocks noGrp="1"/>
+          </p:cNvSpPr>
+          <p:nvPr>
+            <p:ph type="title"/>
+          </p:nvPr>
+        </p:nvSpPr>
+        <p:spPr/>
+        <p:txBody>
+          <a:bodyPr/>
+          <a:lstStyle/>
+          <a:p>
+            <a:r>
+              <a:rPr lang="en-US" dirty="0" smtClean="0"/>
+              <a:t>What is a logarithm?</a:t>
+            </a:r>
+            <a:endParaRPr lang="en-US" dirty="0"/>
+          </a:p>
+        </p:txBody>
+      </p:sp>
+      <mc:AlternateContent xmlns:mc="http://schemas.openxmlformats.org/markup-compatibility/2006">
+        <mc:Choice xmlns:a14="http://schemas.microsoft.com/office/drawing/2010/main" Requires="a14">
+          <p:sp>
+            <p:nvSpPr>
+              <p:cNvPr id="4" name="Content Placeholder 2"/>
+              <p:cNvSpPr txBox="1">
+                <a:spLocks/>
+              </p:cNvSpPr>
+              <p:nvPr/>
+            </p:nvSpPr>
+            <p:spPr>
+              <a:xfrm>
+                <a:off x="838200" y="2183143"/>
+                <a:ext cx="10515600" cy="834376"/>
+              </a:xfrm>
+              <a:prstGeom prst="rect">
+                <a:avLst/>
+              </a:prstGeom>
+            </p:spPr>
+            <p:txBody>
+              <a:bodyPr vert="horz" lIns="91440" tIns="45720" rIns="91440" bIns="45720" rtlCol="0">
+                <a:normAutofit fontScale="85000" lnSpcReduction="10000"/>
+              </a:bodyPr>
+              <a:lstStyle>
+                <a:lvl1pPr marL="228600" indent="-228600" algn="l" defTabSz="914400" rtl="0" eaLnBrk="1" latinLnBrk="0" hangingPunct="1">
+                  <a:lnSpc>
+                    <a:spcPct val="90000"/>
+                  </a:lnSpc>
+                  <a:spcBef>
+                    <a:spcPts val="1000"/>
+                  </a:spcBef>
+                  <a:buFont typeface="Arial" panose="020B0604020202020204" pitchFamily="34" charset="0"/>
+                  <a:buChar char="•"/>
+                  <a:defRPr sz="2800" kern="1200">
+                    <a:solidFill>
+                      <a:schemeClr val="tx1"/>
+                    </a:solidFill>
+                    <a:latin typeface="+mn-lt"/>
+                    <a:ea typeface="+mn-ea"/>
+                    <a:cs typeface="+mn-cs"/>
+                  </a:defRPr>
+                </a:lvl1pPr>
+                <a:lvl2pPr marL="685800" indent="-228600" algn="l" defTabSz="914400" rtl="0" eaLnBrk="1" latinLnBrk="0" hangingPunct="1">
+                  <a:lnSpc>
+                    <a:spcPct val="90000"/>
+                  </a:lnSpc>
+                  <a:spcBef>
+                    <a:spcPts val="500"/>
+                  </a:spcBef>
+                  <a:buFont typeface="Arial" panose="020B0604020202020204" pitchFamily="34" charset="0"/>
+                  <a:buChar char="•"/>
+                  <a:defRPr sz="2400" kern="1200">
+                    <a:solidFill>
+                      <a:schemeClr val="tx1"/>
+                    </a:solidFill>
+                    <a:latin typeface="+mn-lt"/>
+                    <a:ea typeface="+mn-ea"/>
+                    <a:cs typeface="+mn-cs"/>
+                  </a:defRPr>
+                </a:lvl2pPr>
+                <a:lvl3pPr marL="1143000" indent="-228600" algn="l" defTabSz="914400" rtl="0" eaLnBrk="1" latinLnBrk="0" hangingPunct="1">
+                  <a:lnSpc>
+                    <a:spcPct val="90000"/>
+                  </a:lnSpc>
+                  <a:spcBef>
+                    <a:spcPts val="500"/>
+                  </a:spcBef>
+                  <a:buFont typeface="Arial" panose="020B0604020202020204" pitchFamily="34" charset="0"/>
+                  <a:buChar char="•"/>
+                  <a:defRPr sz="2000" kern="1200">
+                    <a:solidFill>
+                      <a:schemeClr val="tx1"/>
+                    </a:solidFill>
+                    <a:latin typeface="+mn-lt"/>
+                    <a:ea typeface="+mn-ea"/>
+                    <a:cs typeface="+mn-cs"/>
+                  </a:defRPr>
+                </a:lvl3pPr>
+                <a:lvl4pPr marL="1600200" indent="-228600" algn="l" defTabSz="914400" rtl="0" eaLnBrk="1" latinLnBrk="0" hangingPunct="1">
+                  <a:lnSpc>
+                    <a:spcPct val="90000"/>
+                  </a:lnSpc>
+                  <a:spcBef>
+                    <a:spcPts val="500"/>
+                  </a:spcBef>
+                  <a:buFont typeface="Arial" panose="020B0604020202020204" pitchFamily="34" charset="0"/>
+                  <a:buChar char="•"/>
+                  <a:defRPr sz="1800" kern="1200">
+                    <a:solidFill>
+                      <a:schemeClr val="tx1"/>
+                    </a:solidFill>
+                    <a:latin typeface="+mn-lt"/>
+                    <a:ea typeface="+mn-ea"/>
+                    <a:cs typeface="+mn-cs"/>
+                  </a:defRPr>
+                </a:lvl4pPr>
+                <a:lvl5pPr marL="2057400" indent="-228600" algn="l" defTabSz="914400" rtl="0" eaLnBrk="1" latinLnBrk="0" hangingPunct="1">
+                  <a:lnSpc>
+                    <a:spcPct val="90000"/>
+                  </a:lnSpc>
+                  <a:spcBef>
+                    <a:spcPts val="500"/>
+                  </a:spcBef>
+                  <a:buFont typeface="Arial" panose="020B0604020202020204" pitchFamily="34" charset="0"/>
+                  <a:buChar char="•"/>
+                  <a:defRPr sz="1800" kern="1200">
+                    <a:solidFill>
+                      <a:schemeClr val="tx1"/>
+                    </a:solidFill>
+                    <a:latin typeface="+mn-lt"/>
+                    <a:ea typeface="+mn-ea"/>
+                    <a:cs typeface="+mn-cs"/>
+                  </a:defRPr>
+                </a:lvl5pPr>
+                <a:lvl6pPr marL="2514600" indent="-228600" algn="l" defTabSz="914400" rtl="0" eaLnBrk="1" latinLnBrk="0" hangingPunct="1">
+                  <a:lnSpc>
+                    <a:spcPct val="90000"/>
+                  </a:lnSpc>
+                  <a:spcBef>
+                    <a:spcPts val="500"/>
+                  </a:spcBef>
+                  <a:buFont typeface="Arial" panose="020B0604020202020204" pitchFamily="34" charset="0"/>
+                  <a:buChar char="•"/>
+                  <a:defRPr sz="1800" kern="1200">
+                    <a:solidFill>
+                      <a:schemeClr val="tx1"/>
+                    </a:solidFill>
+                    <a:latin typeface="+mn-lt"/>
+                    <a:ea typeface="+mn-ea"/>
+                    <a:cs typeface="+mn-cs"/>
+                  </a:defRPr>
+                </a:lvl6pPr>
+                <a:lvl7pPr marL="2971800" indent="-228600" algn="l" defTabSz="914400" rtl="0" eaLnBrk="1" latinLnBrk="0" hangingPunct="1">
+                  <a:lnSpc>
+                    <a:spcPct val="90000"/>
+                  </a:lnSpc>
+                  <a:spcBef>
+                    <a:spcPts val="500"/>
+                  </a:spcBef>
+                  <a:buFont typeface="Arial" panose="020B0604020202020204" pitchFamily="34" charset="0"/>
+                  <a:buChar char="•"/>
+                  <a:defRPr sz="1800" kern="1200">
+                    <a:solidFill>
+                      <a:schemeClr val="tx1"/>
+                    </a:solidFill>
+                    <a:latin typeface="+mn-lt"/>
+                    <a:ea typeface="+mn-ea"/>
+                    <a:cs typeface="+mn-cs"/>
+                  </a:defRPr>
+                </a:lvl7pPr>
+                <a:lvl8pPr marL="3429000" indent="-228600" algn="l" defTabSz="914400" rtl="0" eaLnBrk="1" latinLnBrk="0" hangingPunct="1">
+                  <a:lnSpc>
+                    <a:spcPct val="90000"/>
+                  </a:lnSpc>
+                  <a:spcBef>
+                    <a:spcPts val="500"/>
+                  </a:spcBef>
+                  <a:buFont typeface="Arial" panose="020B0604020202020204" pitchFamily="34" charset="0"/>
+                  <a:buChar char="•"/>
+                  <a:defRPr sz="1800" kern="1200">
+                    <a:solidFill>
+                      <a:schemeClr val="tx1"/>
+                    </a:solidFill>
+                    <a:latin typeface="+mn-lt"/>
+                    <a:ea typeface="+mn-ea"/>
+                    <a:cs typeface="+mn-cs"/>
+                  </a:defRPr>
+                </a:lvl8pPr>
+                <a:lvl9pPr marL="3886200" indent="-228600" algn="l" defTabSz="914400" rtl="0" eaLnBrk="1" latinLnBrk="0" hangingPunct="1">
+                  <a:lnSpc>
+                    <a:spcPct val="90000"/>
+                  </a:lnSpc>
+                  <a:spcBef>
+                    <a:spcPts val="500"/>
+                  </a:spcBef>
+                  <a:buFont typeface="Arial" panose="020B0604020202020204" pitchFamily="34" charset="0"/>
+                  <a:buChar char="•"/>
+                  <a:defRPr sz="1800" kern="1200">
+                    <a:solidFill>
+                      <a:schemeClr val="tx1"/>
+                    </a:solidFill>
+                    <a:latin typeface="+mn-lt"/>
+                    <a:ea typeface="+mn-ea"/>
+                    <a:cs typeface="+mn-cs"/>
+                  </a:defRPr>
+                </a:lvl9pPr>
+              </a:lstStyle>
+              <a:p>
+                <a:pPr marL="0" indent="0">
+                  <a:buFont typeface="Arial" panose="020B0604020202020204" pitchFamily="34" charset="0"/>
+                  <a:buNone/>
+                </a:pPr>
+                <a14:m>
+                  <m:oMathPara xmlns:m="http://schemas.openxmlformats.org/officeDocument/2006/math">
+                    <m:oMathParaPr>
+                      <m:jc m:val="centerGroup"/>
+                    </m:oMathParaPr>
+                    <m:oMath xmlns:m="http://schemas.openxmlformats.org/officeDocument/2006/math">
+                      <m:sSup>
+                        <m:sSupPr>
+                          <m:ctrlPr>
+                            <a:rPr lang="en-US" sz="6000" b="0" i="1" smtClean="0">
+                              <a:latin typeface="Cambria Math" panose="02040503050406030204" pitchFamily="18" charset="0"/>
+                            </a:rPr>
+                          </m:ctrlPr>
+                        </m:sSupPr>
+                        <m:e>
+                          <m:r>
+                            <a:rPr lang="en-US" sz="6000" b="0" i="1" smtClean="0">
+                              <a:latin typeface="Cambria Math" panose="02040503050406030204" pitchFamily="18" charset="0"/>
+                            </a:rPr>
+                            <m:t>5</m:t>
+                          </m:r>
+                        </m:e>
+                        <m:sup>
+                          <m:r>
+                            <a:rPr lang="en-US" sz="6000" b="0" i="1" smtClean="0">
+                              <a:latin typeface="Cambria Math" panose="02040503050406030204" pitchFamily="18" charset="0"/>
+                            </a:rPr>
+                            <m:t>?</m:t>
+                          </m:r>
+                        </m:sup>
+                      </m:sSup>
+                      <m:r>
+                        <a:rPr lang="en-US" sz="6000" b="0" i="1" smtClean="0">
+                          <a:latin typeface="Cambria Math" panose="02040503050406030204" pitchFamily="18" charset="0"/>
+                        </a:rPr>
+                        <m:t>=</m:t>
+                      </m:r>
+                      <m:r>
+                        <a:rPr lang="en-US" sz="6000" b="0" i="1" smtClean="0">
+                          <a:latin typeface="Cambria Math" panose="02040503050406030204" pitchFamily="18" charset="0"/>
+                        </a:rPr>
+                        <m:t>625</m:t>
+                      </m:r>
+                    </m:oMath>
+                  </m:oMathPara>
+                </a14:m>
+                <a:endParaRPr lang="en-US" sz="6000" dirty="0"/>
+              </a:p>
+            </p:txBody>
+          </p:sp>
+        </mc:Choice>
+        <mc:Fallback>
+          <p:sp>
+            <p:nvSpPr>
+              <p:cNvPr id="4" name="Content Placeholder 2"/>
+              <p:cNvSpPr txBox="1">
+                <a:spLocks noRot="1" noChangeAspect="1" noMove="1" noResize="1" noEditPoints="1" noAdjustHandles="1" noChangeArrowheads="1" noChangeShapeType="1" noTextEdit="1"/>
+              </p:cNvSpPr>
+              <p:nvPr/>
+            </p:nvSpPr>
+            <p:spPr>
+              <a:xfrm>
+                <a:off x="838200" y="2183143"/>
+                <a:ext cx="10515600" cy="834376"/>
+              </a:xfrm>
+              <a:prstGeom prst="rect">
+                <a:avLst/>
+              </a:prstGeom>
+              <a:blipFill>
+                <a:blip r:embed="rId2"/>
+                <a:stretch>
+                  <a:fillRect/>
+                </a:stretch>
+              </a:blipFill>
+            </p:spPr>
+            <p:txBody>
+              <a:bodyPr/>
+              <a:lstStyle/>
+              <a:p>
+                <a:r>
+                  <a:rPr lang="en-US">
+                    <a:noFill/>
+                  </a:rPr>
+                  <a:t> </a:t>
+                </a:r>
+              </a:p>
+            </p:txBody>
+          </p:sp>
+        </mc:Fallback>
+      </mc:AlternateContent>
+    </p:spTree>
+    <p:extLst>
+      <p:ext uri="{BB962C8B-B14F-4D97-AF65-F5344CB8AC3E}">
+        <p14:creationId xmlns:p14="http://schemas.microsoft.com/office/powerpoint/2010/main" val="2350016439"/>
+      </p:ext>
+    </p:extLst>
+  </p:cSld>
+  <p:clrMapOvr>
+    <a:masterClrMapping/>
+  </p:clrMapOvr>
+  <p:timing>
+    <p:tnLst>
+      <p:par>
+        <p:cTn id="1" dur="indefinite" restart="never" nodeType="tmRoot"/>
+      </p:par>
+    </p:tnLst>
+  </p:timing>
+</p:sld>
+</file>
+
+<file path=ppt/slides/slide26.xml><?xml version="1.0" encoding="utf-8"?>
+<p:sld xmlns:a="http://schemas.openxmlformats.org/drawingml/2006/main" xmlns:r="http://schemas.openxmlformats.org/officeDocument/2006/relationships" xmlns:p="http://schemas.openxmlformats.org/presentationml/2006/main">
+  <p:cSld>
+    <p:spTree>
+      <p:nvGrpSpPr>
+        <p:cNvPr id="1" name=""/>
+        <p:cNvGrpSpPr/>
+        <p:nvPr/>
+      </p:nvGrpSpPr>
+      <p:grpSpPr>
+        <a:xfrm>
+          <a:off x="0" y="0"/>
+          <a:ext cx="0" cy="0"/>
+          <a:chOff x="0" y="0"/>
+          <a:chExt cx="0" cy="0"/>
+        </a:xfrm>
+      </p:grpSpPr>
+      <p:sp>
+        <p:nvSpPr>
+          <p:cNvPr id="2" name="Title 1"/>
+          <p:cNvSpPr>
+            <a:spLocks noGrp="1"/>
+          </p:cNvSpPr>
+          <p:nvPr>
+            <p:ph type="title"/>
+          </p:nvPr>
+        </p:nvSpPr>
+        <p:spPr/>
+        <p:txBody>
+          <a:bodyPr/>
+          <a:lstStyle/>
+          <a:p>
+            <a:r>
+              <a:rPr lang="en-US" dirty="0" smtClean="0"/>
+              <a:t>Taking a </a:t>
+            </a:r>
+            <a:r>
+              <a:rPr lang="en-US" b="1" dirty="0" smtClean="0"/>
+              <a:t>logarithm</a:t>
+            </a:r>
+            <a:r>
+              <a:rPr lang="en-US" dirty="0" smtClean="0"/>
+              <a:t> is the inverse function to exponentiation (for the value </a:t>
+            </a:r>
+            <a:r>
+              <a:rPr lang="en-US" i="1" dirty="0" smtClean="0"/>
+              <a:t>n</a:t>
+            </a:r>
+            <a:r>
+              <a:rPr lang="en-US" dirty="0" smtClean="0"/>
+              <a:t>).</a:t>
+            </a:r>
+            <a:endParaRPr lang="en-US" i="1" dirty="0"/>
+          </a:p>
+        </p:txBody>
+      </p:sp>
+      <mc:AlternateContent xmlns:mc="http://schemas.openxmlformats.org/markup-compatibility/2006">
+        <mc:Choice xmlns:a14="http://schemas.microsoft.com/office/drawing/2010/main" Requires="a14">
+          <p:sp>
+            <p:nvSpPr>
+              <p:cNvPr id="4" name="Content Placeholder 2"/>
+              <p:cNvSpPr txBox="1">
+                <a:spLocks/>
+              </p:cNvSpPr>
+              <p:nvPr/>
+            </p:nvSpPr>
+            <p:spPr>
+              <a:xfrm>
                 <a:off x="838200" y="2676017"/>
+                <a:ext cx="10515600" cy="717042"/>
+              </a:xfrm>
+              <a:prstGeom prst="rect">
+                <a:avLst/>
+              </a:prstGeom>
+            </p:spPr>
+            <p:txBody>
+              <a:bodyPr vert="horz" lIns="91440" tIns="45720" rIns="91440" bIns="45720" rtlCol="0">
+                <a:normAutofit fontScale="70000" lnSpcReduction="20000"/>
+              </a:bodyPr>
+              <a:lstStyle>
+                <a:lvl1pPr marL="228600" indent="-228600" algn="l" defTabSz="914400" rtl="0" eaLnBrk="1" latinLnBrk="0" hangingPunct="1">
+                  <a:lnSpc>
+                    <a:spcPct val="90000"/>
+                  </a:lnSpc>
+                  <a:spcBef>
+                    <a:spcPts val="1000"/>
+                  </a:spcBef>
+                  <a:buFont typeface="Arial" panose="020B0604020202020204" pitchFamily="34" charset="0"/>
+                  <a:buChar char="•"/>
+                  <a:defRPr sz="2800" kern="1200">
+                    <a:solidFill>
+                      <a:schemeClr val="tx1"/>
+                    </a:solidFill>
+                    <a:latin typeface="+mn-lt"/>
+                    <a:ea typeface="+mn-ea"/>
+                    <a:cs typeface="+mn-cs"/>
+                  </a:defRPr>
+                </a:lvl1pPr>
+                <a:lvl2pPr marL="685800" indent="-228600" algn="l" defTabSz="914400" rtl="0" eaLnBrk="1" latinLnBrk="0" hangingPunct="1">
+                  <a:lnSpc>
+                    <a:spcPct val="90000"/>
+                  </a:lnSpc>
+                  <a:spcBef>
+                    <a:spcPts val="500"/>
+                  </a:spcBef>
+                  <a:buFont typeface="Arial" panose="020B0604020202020204" pitchFamily="34" charset="0"/>
+                  <a:buChar char="•"/>
+                  <a:defRPr sz="2400" kern="1200">
+                    <a:solidFill>
+                      <a:schemeClr val="tx1"/>
+                    </a:solidFill>
+                    <a:latin typeface="+mn-lt"/>
+                    <a:ea typeface="+mn-ea"/>
+                    <a:cs typeface="+mn-cs"/>
+                  </a:defRPr>
+                </a:lvl2pPr>
+                <a:lvl3pPr marL="1143000" indent="-228600" algn="l" defTabSz="914400" rtl="0" eaLnBrk="1" latinLnBrk="0" hangingPunct="1">
+                  <a:lnSpc>
+                    <a:spcPct val="90000"/>
+                  </a:lnSpc>
+                  <a:spcBef>
+                    <a:spcPts val="500"/>
+                  </a:spcBef>
+                  <a:buFont typeface="Arial" panose="020B0604020202020204" pitchFamily="34" charset="0"/>
+                  <a:buChar char="•"/>
+                  <a:defRPr sz="2000" kern="1200">
+                    <a:solidFill>
+                      <a:schemeClr val="tx1"/>
+                    </a:solidFill>
+                    <a:latin typeface="+mn-lt"/>
+                    <a:ea typeface="+mn-ea"/>
+                    <a:cs typeface="+mn-cs"/>
+                  </a:defRPr>
+                </a:lvl3pPr>
+                <a:lvl4pPr marL="1600200" indent="-228600" algn="l" defTabSz="914400" rtl="0" eaLnBrk="1" latinLnBrk="0" hangingPunct="1">
+                  <a:lnSpc>
+                    <a:spcPct val="90000"/>
+                  </a:lnSpc>
+                  <a:spcBef>
+                    <a:spcPts val="500"/>
+                  </a:spcBef>
+                  <a:buFont typeface="Arial" panose="020B0604020202020204" pitchFamily="34" charset="0"/>
+                  <a:buChar char="•"/>
+                  <a:defRPr sz="1800" kern="1200">
+                    <a:solidFill>
+                      <a:schemeClr val="tx1"/>
+                    </a:solidFill>
+                    <a:latin typeface="+mn-lt"/>
+                    <a:ea typeface="+mn-ea"/>
+                    <a:cs typeface="+mn-cs"/>
+                  </a:defRPr>
+                </a:lvl4pPr>
+                <a:lvl5pPr marL="2057400" indent="-228600" algn="l" defTabSz="914400" rtl="0" eaLnBrk="1" latinLnBrk="0" hangingPunct="1">
+                  <a:lnSpc>
+                    <a:spcPct val="90000"/>
+                  </a:lnSpc>
+                  <a:spcBef>
+                    <a:spcPts val="500"/>
+                  </a:spcBef>
+                  <a:buFont typeface="Arial" panose="020B0604020202020204" pitchFamily="34" charset="0"/>
+                  <a:buChar char="•"/>
+                  <a:defRPr sz="1800" kern="1200">
+                    <a:solidFill>
+                      <a:schemeClr val="tx1"/>
+                    </a:solidFill>
+                    <a:latin typeface="+mn-lt"/>
+                    <a:ea typeface="+mn-ea"/>
+                    <a:cs typeface="+mn-cs"/>
+                  </a:defRPr>
+                </a:lvl5pPr>
+                <a:lvl6pPr marL="2514600" indent="-228600" algn="l" defTabSz="914400" rtl="0" eaLnBrk="1" latinLnBrk="0" hangingPunct="1">
+                  <a:lnSpc>
+                    <a:spcPct val="90000"/>
+                  </a:lnSpc>
+                  <a:spcBef>
+                    <a:spcPts val="500"/>
+                  </a:spcBef>
+                  <a:buFont typeface="Arial" panose="020B0604020202020204" pitchFamily="34" charset="0"/>
+                  <a:buChar char="•"/>
+                  <a:defRPr sz="1800" kern="1200">
+                    <a:solidFill>
+                      <a:schemeClr val="tx1"/>
+                    </a:solidFill>
+                    <a:latin typeface="+mn-lt"/>
+                    <a:ea typeface="+mn-ea"/>
+                    <a:cs typeface="+mn-cs"/>
+                  </a:defRPr>
+                </a:lvl6pPr>
+                <a:lvl7pPr marL="2971800" indent="-228600" algn="l" defTabSz="914400" rtl="0" eaLnBrk="1" latinLnBrk="0" hangingPunct="1">
+                  <a:lnSpc>
+                    <a:spcPct val="90000"/>
+                  </a:lnSpc>
+                  <a:spcBef>
+                    <a:spcPts val="500"/>
+                  </a:spcBef>
+                  <a:buFont typeface="Arial" panose="020B0604020202020204" pitchFamily="34" charset="0"/>
+                  <a:buChar char="•"/>
+                  <a:defRPr sz="1800" kern="1200">
+                    <a:solidFill>
+                      <a:schemeClr val="tx1"/>
+                    </a:solidFill>
+                    <a:latin typeface="+mn-lt"/>
+                    <a:ea typeface="+mn-ea"/>
+                    <a:cs typeface="+mn-cs"/>
+                  </a:defRPr>
+                </a:lvl7pPr>
+                <a:lvl8pPr marL="3429000" indent="-228600" algn="l" defTabSz="914400" rtl="0" eaLnBrk="1" latinLnBrk="0" hangingPunct="1">
+                  <a:lnSpc>
+                    <a:spcPct val="90000"/>
+                  </a:lnSpc>
+                  <a:spcBef>
+                    <a:spcPts val="500"/>
+                  </a:spcBef>
+                  <a:buFont typeface="Arial" panose="020B0604020202020204" pitchFamily="34" charset="0"/>
+                  <a:buChar char="•"/>
+                  <a:defRPr sz="1800" kern="1200">
+                    <a:solidFill>
+                      <a:schemeClr val="tx1"/>
+                    </a:solidFill>
+                    <a:latin typeface="+mn-lt"/>
+                    <a:ea typeface="+mn-ea"/>
+                    <a:cs typeface="+mn-cs"/>
+                  </a:defRPr>
+                </a:lvl8pPr>
+                <a:lvl9pPr marL="3886200" indent="-228600" algn="l" defTabSz="914400" rtl="0" eaLnBrk="1" latinLnBrk="0" hangingPunct="1">
+                  <a:lnSpc>
+                    <a:spcPct val="90000"/>
+                  </a:lnSpc>
+                  <a:spcBef>
+                    <a:spcPts val="500"/>
+                  </a:spcBef>
+                  <a:buFont typeface="Arial" panose="020B0604020202020204" pitchFamily="34" charset="0"/>
+                  <a:buChar char="•"/>
+                  <a:defRPr sz="1800" kern="1200">
+                    <a:solidFill>
+                      <a:schemeClr val="tx1"/>
+                    </a:solidFill>
+                    <a:latin typeface="+mn-lt"/>
+                    <a:ea typeface="+mn-ea"/>
+                    <a:cs typeface="+mn-cs"/>
+                  </a:defRPr>
+                </a:lvl9pPr>
+              </a:lstStyle>
+              <a:p>
+                <a:pPr marL="0" indent="0">
+                  <a:buFont typeface="Arial" panose="020B0604020202020204" pitchFamily="34" charset="0"/>
+                  <a:buNone/>
+                </a:pPr>
+                <a14:m>
+                  <m:oMathPara xmlns:m="http://schemas.openxmlformats.org/officeDocument/2006/math">
+                    <m:oMathParaPr>
+                      <m:jc m:val="centerGroup"/>
+                    </m:oMathParaPr>
+                    <m:oMath xmlns:m="http://schemas.openxmlformats.org/officeDocument/2006/math">
+                      <m:func>
+                        <m:funcPr>
+                          <m:ctrlPr>
+                            <a:rPr lang="en-US" sz="6000" b="0" i="1" smtClean="0">
+                              <a:latin typeface="Cambria Math" panose="02040503050406030204" pitchFamily="18" charset="0"/>
+                            </a:rPr>
+                          </m:ctrlPr>
+                        </m:funcPr>
+                        <m:fName>
+                          <m:sSub>
+                            <m:sSubPr>
+                              <m:ctrlPr>
+                                <a:rPr lang="en-US" sz="6000" b="0" i="1" smtClean="0">
+                                  <a:latin typeface="Cambria Math" panose="02040503050406030204" pitchFamily="18" charset="0"/>
+                                </a:rPr>
+                              </m:ctrlPr>
+                            </m:sSubPr>
+                            <m:e>
+                              <m:r>
+                                <m:rPr>
+                                  <m:sty m:val="p"/>
+                                </m:rPr>
+                                <a:rPr lang="en-US" sz="6000" b="0" i="0" smtClean="0">
+                                  <a:latin typeface="Cambria Math" panose="02040503050406030204" pitchFamily="18" charset="0"/>
+                                </a:rPr>
+                                <m:t>log</m:t>
+                              </m:r>
+                            </m:e>
+                            <m:sub>
+                              <m:r>
+                                <a:rPr lang="en-US" sz="6000" b="0" i="1" smtClean="0">
+                                  <a:latin typeface="Cambria Math" panose="02040503050406030204" pitchFamily="18" charset="0"/>
+                                </a:rPr>
+                                <m:t>𝑏</m:t>
+                              </m:r>
+                            </m:sub>
+                          </m:sSub>
+                        </m:fName>
+                        <m:e>
+                          <m:r>
+                            <a:rPr lang="en-US" sz="6000" b="0" i="1" smtClean="0">
+                              <a:latin typeface="Cambria Math" panose="02040503050406030204" pitchFamily="18" charset="0"/>
+                            </a:rPr>
+                            <m:t>(</m:t>
+                          </m:r>
+                          <m:r>
+                            <a:rPr lang="en-US" sz="6000" b="0" i="1" smtClean="0">
+                              <a:latin typeface="Cambria Math" panose="02040503050406030204" pitchFamily="18" charset="0"/>
+                            </a:rPr>
+                            <m:t>𝑦</m:t>
+                          </m:r>
+                          <m:r>
+                            <a:rPr lang="en-US" sz="6000" b="0" i="1" smtClean="0">
+                              <a:latin typeface="Cambria Math" panose="02040503050406030204" pitchFamily="18" charset="0"/>
+                            </a:rPr>
+                            <m:t>)</m:t>
+                          </m:r>
+                        </m:e>
+                      </m:func>
+                      <m:r>
+                        <a:rPr lang="en-US" sz="6000" b="0" i="1" smtClean="0">
+                          <a:latin typeface="Cambria Math" panose="02040503050406030204" pitchFamily="18" charset="0"/>
+                        </a:rPr>
+                        <m:t>=</m:t>
+                      </m:r>
+                      <m:r>
+                        <a:rPr lang="en-US" sz="6000" b="0" i="1" smtClean="0">
+                          <a:latin typeface="Cambria Math" panose="02040503050406030204" pitchFamily="18" charset="0"/>
+                        </a:rPr>
+                        <m:t>𝑛</m:t>
+                      </m:r>
+                    </m:oMath>
+                  </m:oMathPara>
+                </a14:m>
+                <a:endParaRPr lang="en-US" sz="6000" dirty="0"/>
+              </a:p>
+            </p:txBody>
+          </p:sp>
+        </mc:Choice>
+        <mc:Fallback>
+          <p:sp>
+            <p:nvSpPr>
+              <p:cNvPr id="4" name="Content Placeholder 2"/>
+              <p:cNvSpPr txBox="1">
+                <a:spLocks noRot="1" noChangeAspect="1" noMove="1" noResize="1" noEditPoints="1" noAdjustHandles="1" noChangeArrowheads="1" noChangeShapeType="1" noTextEdit="1"/>
+              </p:cNvSpPr>
+              <p:nvPr/>
+            </p:nvSpPr>
+            <p:spPr>
+              <a:xfrm>
+                <a:off x="838200" y="2676017"/>
+                <a:ext cx="10515600" cy="717042"/>
+              </a:xfrm>
+              <a:prstGeom prst="rect">
+                <a:avLst/>
+              </a:prstGeom>
+              <a:blipFill>
+                <a:blip r:embed="rId2"/>
+                <a:stretch>
+                  <a:fillRect/>
+                </a:stretch>
+              </a:blipFill>
+            </p:spPr>
+            <p:txBody>
+              <a:bodyPr/>
+              <a:lstStyle/>
+              <a:p>
+                <a:r>
+                  <a:rPr lang="en-US">
+                    <a:noFill/>
+                  </a:rPr>
+                  <a:t> </a:t>
+                </a:r>
+              </a:p>
+            </p:txBody>
+          </p:sp>
+        </mc:Fallback>
+      </mc:AlternateContent>
+    </p:spTree>
+    <p:extLst>
+      <p:ext uri="{BB962C8B-B14F-4D97-AF65-F5344CB8AC3E}">
+        <p14:creationId xmlns:p14="http://schemas.microsoft.com/office/powerpoint/2010/main" val="1955356977"/>
+      </p:ext>
+    </p:extLst>
+  </p:cSld>
+  <p:clrMapOvr>
+    <a:masterClrMapping/>
+  </p:clrMapOvr>
+  <p:timing>
+    <p:tnLst>
+      <p:par>
+        <p:cTn id="1" dur="indefinite" restart="never" nodeType="tmRoot"/>
+      </p:par>
+    </p:tnLst>
+  </p:timing>
+</p:sld>
+</file>
+
+<file path=ppt/slides/slide27.xml><?xml version="1.0" encoding="utf-8"?>
+<p:sld xmlns:a="http://schemas.openxmlformats.org/drawingml/2006/main" xmlns:r="http://schemas.openxmlformats.org/officeDocument/2006/relationships" xmlns:p="http://schemas.openxmlformats.org/presentationml/2006/main">
+  <p:cSld>
+    <p:spTree>
+      <p:nvGrpSpPr>
+        <p:cNvPr id="1" name=""/>
+        <p:cNvGrpSpPr/>
+        <p:nvPr/>
+      </p:nvGrpSpPr>
+      <p:grpSpPr>
+        <a:xfrm>
+          <a:off x="0" y="0"/>
+          <a:ext cx="0" cy="0"/>
+          <a:chOff x="0" y="0"/>
+          <a:chExt cx="0" cy="0"/>
+        </a:xfrm>
+      </p:grpSpPr>
+      <p:sp>
+        <p:nvSpPr>
+          <p:cNvPr id="2" name="Title 1"/>
+          <p:cNvSpPr>
+            <a:spLocks noGrp="1"/>
+          </p:cNvSpPr>
+          <p:nvPr>
+            <p:ph type="title"/>
+          </p:nvPr>
+        </p:nvSpPr>
+        <p:spPr/>
+        <p:txBody>
+          <a:bodyPr/>
+          <a:lstStyle/>
+          <a:p>
+            <a:r>
+              <a:rPr lang="en-US" dirty="0" smtClean="0"/>
+              <a:t>Taking a </a:t>
+            </a:r>
+            <a:r>
+              <a:rPr lang="en-US" b="1" dirty="0" smtClean="0"/>
+              <a:t>logarithm</a:t>
+            </a:r>
+            <a:r>
+              <a:rPr lang="en-US" dirty="0" smtClean="0"/>
+              <a:t> is the inverse function to exponentiation (for the value </a:t>
+            </a:r>
+            <a:r>
+              <a:rPr lang="en-US" i="1" dirty="0" smtClean="0"/>
+              <a:t>n</a:t>
+            </a:r>
+            <a:r>
+              <a:rPr lang="en-US" dirty="0" smtClean="0"/>
+              <a:t>).</a:t>
+            </a:r>
+            <a:endParaRPr lang="en-US" i="1" dirty="0"/>
+          </a:p>
+        </p:txBody>
+      </p:sp>
+      <mc:AlternateContent xmlns:mc="http://schemas.openxmlformats.org/markup-compatibility/2006">
+        <mc:Choice xmlns:a14="http://schemas.microsoft.com/office/drawing/2010/main" Requires="a14">
+          <p:sp>
+            <p:nvSpPr>
+              <p:cNvPr id="3" name="Content Placeholder 2"/>
+              <p:cNvSpPr>
+                <a:spLocks noGrp="1"/>
+              </p:cNvSpPr>
+              <p:nvPr>
+                <p:ph idx="1"/>
+              </p:nvPr>
+            </p:nvSpPr>
+            <p:spPr>
+              <a:xfrm>
+                <a:off x="838200" y="3892168"/>
                 <a:ext cx="10515600" cy="972439"/>
               </a:xfrm>
             </p:spPr>
@@ -6205,7 +10099,7 @@
             </p:nvSpPr>
             <p:spPr>
               <a:xfrm>
-                <a:off x="838200" y="2676017"/>
+                <a:off x="838200" y="3892168"/>
                 <a:ext cx="10515600" cy="972439"/>
               </a:xfrm>
               <a:blipFill>
@@ -6242,7 +10136,7 @@
             </p:nvSpPr>
             <p:spPr>
               <a:xfrm>
-                <a:off x="838200" y="4147566"/>
+                <a:off x="838200" y="2676017"/>
                 <a:ext cx="10515600" cy="717042"/>
               </a:xfrm>
               <a:prstGeom prst="rect">
@@ -6518,7 +10412,7 @@
             </p:nvSpPr>
             <p:spPr>
               <a:xfrm>
-                <a:off x="838200" y="4147566"/>
+                <a:off x="838200" y="2676017"/>
                 <a:ext cx="10515600" cy="717042"/>
               </a:xfrm>
               <a:prstGeom prst="rect">
@@ -6549,17 +10443,24 @@
     </p:spTree>
     <p:extLst>
       <p:ext uri="{BB962C8B-B14F-4D97-AF65-F5344CB8AC3E}">
-        <p14:creationId xmlns:p14="http://schemas.microsoft.com/office/powerpoint/2010/main" val="1632387630"/>
+        <p14:creationId xmlns:p14="http://schemas.microsoft.com/office/powerpoint/2010/main" val="3500958997"/>
       </p:ext>
     </p:extLst>
   </p:cSld>
   <p:clrMapOvr>
     <a:masterClrMapping/>
   </p:clrMapOvr>
+  <p:timing>
+    <p:tnLst>
+      <p:par>
+        <p:cTn id="1" dur="indefinite" restart="never" nodeType="tmRoot"/>
+      </p:par>
+    </p:tnLst>
+  </p:timing>
 </p:sld>
 </file>
 
-<file path=ppt/slides/slide21.xml><?xml version="1.0" encoding="utf-8"?>
+<file path=ppt/slides/slide28.xml><?xml version="1.0" encoding="utf-8"?>
 <p:sld xmlns:a="http://schemas.openxmlformats.org/drawingml/2006/main" xmlns:r="http://schemas.openxmlformats.org/officeDocument/2006/relationships" xmlns:p="http://schemas.openxmlformats.org/presentationml/2006/main">
   <p:cSld>
     <p:spTree>
@@ -6629,7 +10530,7 @@
             </p:nvSpPr>
             <p:spPr>
               <a:xfrm>
-                <a:off x="838200" y="2676017"/>
+                <a:off x="838200" y="3892168"/>
                 <a:ext cx="10515600" cy="972439"/>
               </a:xfrm>
             </p:spPr>
@@ -6706,7 +10607,7 @@
             </p:nvSpPr>
             <p:spPr>
               <a:xfrm>
-                <a:off x="838200" y="2676017"/>
+                <a:off x="838200" y="3892168"/>
                 <a:ext cx="10515600" cy="972439"/>
               </a:xfrm>
               <a:blipFill>
@@ -6743,7 +10644,7 @@
             </p:nvSpPr>
             <p:spPr>
               <a:xfrm>
-                <a:off x="838200" y="4147566"/>
+                <a:off x="838200" y="2676017"/>
                 <a:ext cx="10515600" cy="717042"/>
               </a:xfrm>
               <a:prstGeom prst="rect">
@@ -7019,7 +10920,7 @@
             </p:nvSpPr>
             <p:spPr>
               <a:xfrm>
-                <a:off x="838200" y="4147566"/>
+                <a:off x="838200" y="2676017"/>
                 <a:ext cx="10515600" cy="717042"/>
               </a:xfrm>
               <a:prstGeom prst="rect">
@@ -7104,17 +11005,1653 @@
     </p:spTree>
     <p:extLst>
       <p:ext uri="{BB962C8B-B14F-4D97-AF65-F5344CB8AC3E}">
-        <p14:creationId xmlns:p14="http://schemas.microsoft.com/office/powerpoint/2010/main" val="1955356977"/>
+        <p14:creationId xmlns:p14="http://schemas.microsoft.com/office/powerpoint/2010/main" val="3855863423"/>
       </p:ext>
     </p:extLst>
   </p:cSld>
   <p:clrMapOvr>
     <a:masterClrMapping/>
   </p:clrMapOvr>
+  <p:timing>
+    <p:tnLst>
+      <p:par>
+        <p:cTn id="1" dur="indefinite" restart="never" nodeType="tmRoot"/>
+      </p:par>
+    </p:tnLst>
+  </p:timing>
 </p:sld>
 </file>
 
-<file path=ppt/slides/slide22.xml><?xml version="1.0" encoding="utf-8"?>
+<file path=ppt/slides/slide29.xml><?xml version="1.0" encoding="utf-8"?>
+<p:sld xmlns:a="http://schemas.openxmlformats.org/drawingml/2006/main" xmlns:r="http://schemas.openxmlformats.org/officeDocument/2006/relationships" xmlns:p="http://schemas.openxmlformats.org/presentationml/2006/main">
+  <p:cSld>
+    <p:spTree>
+      <p:nvGrpSpPr>
+        <p:cNvPr id="1" name=""/>
+        <p:cNvGrpSpPr/>
+        <p:nvPr/>
+      </p:nvGrpSpPr>
+      <p:grpSpPr>
+        <a:xfrm>
+          <a:off x="0" y="0"/>
+          <a:ext cx="0" cy="0"/>
+          <a:chOff x="0" y="0"/>
+          <a:chExt cx="0" cy="0"/>
+        </a:xfrm>
+      </p:grpSpPr>
+      <p:sp>
+        <p:nvSpPr>
+          <p:cNvPr id="2" name="Title 1"/>
+          <p:cNvSpPr>
+            <a:spLocks noGrp="1"/>
+          </p:cNvSpPr>
+          <p:nvPr>
+            <p:ph type="title"/>
+          </p:nvPr>
+        </p:nvSpPr>
+        <p:spPr/>
+        <p:txBody>
+          <a:bodyPr/>
+          <a:lstStyle/>
+          <a:p>
+            <a:r>
+              <a:rPr lang="en-US" dirty="0" smtClean="0"/>
+              <a:t>Taking a </a:t>
+            </a:r>
+            <a:r>
+              <a:rPr lang="en-US" b="1" dirty="0" smtClean="0"/>
+              <a:t>logarithm</a:t>
+            </a:r>
+            <a:r>
+              <a:rPr lang="en-US" dirty="0" smtClean="0"/>
+              <a:t> is the inverse function to exponentiation (for the value </a:t>
+            </a:r>
+            <a:r>
+              <a:rPr lang="en-US" i="1" dirty="0" smtClean="0"/>
+              <a:t>n</a:t>
+            </a:r>
+            <a:r>
+              <a:rPr lang="en-US" dirty="0" smtClean="0"/>
+              <a:t>).</a:t>
+            </a:r>
+            <a:endParaRPr lang="en-US" i="1" dirty="0"/>
+          </a:p>
+        </p:txBody>
+      </p:sp>
+      <mc:AlternateContent xmlns:mc="http://schemas.openxmlformats.org/markup-compatibility/2006">
+        <mc:Choice xmlns:a14="http://schemas.microsoft.com/office/drawing/2010/main" Requires="a14">
+          <p:sp>
+            <p:nvSpPr>
+              <p:cNvPr id="4" name="Content Placeholder 2"/>
+              <p:cNvSpPr txBox="1">
+                <a:spLocks/>
+              </p:cNvSpPr>
+              <p:nvPr/>
+            </p:nvSpPr>
+            <p:spPr>
+              <a:xfrm>
+                <a:off x="832104" y="2451640"/>
+                <a:ext cx="10515600" cy="717042"/>
+              </a:xfrm>
+              <a:prstGeom prst="rect">
+                <a:avLst/>
+              </a:prstGeom>
+            </p:spPr>
+            <p:txBody>
+              <a:bodyPr vert="horz" lIns="91440" tIns="45720" rIns="91440" bIns="45720" rtlCol="0">
+                <a:normAutofit fontScale="70000" lnSpcReduction="20000"/>
+              </a:bodyPr>
+              <a:lstStyle>
+                <a:lvl1pPr marL="228600" indent="-228600" algn="l" defTabSz="914400" rtl="0" eaLnBrk="1" latinLnBrk="0" hangingPunct="1">
+                  <a:lnSpc>
+                    <a:spcPct val="90000"/>
+                  </a:lnSpc>
+                  <a:spcBef>
+                    <a:spcPts val="1000"/>
+                  </a:spcBef>
+                  <a:buFont typeface="Arial" panose="020B0604020202020204" pitchFamily="34" charset="0"/>
+                  <a:buChar char="•"/>
+                  <a:defRPr sz="2800" kern="1200">
+                    <a:solidFill>
+                      <a:schemeClr val="tx1"/>
+                    </a:solidFill>
+                    <a:latin typeface="+mn-lt"/>
+                    <a:ea typeface="+mn-ea"/>
+                    <a:cs typeface="+mn-cs"/>
+                  </a:defRPr>
+                </a:lvl1pPr>
+                <a:lvl2pPr marL="685800" indent="-228600" algn="l" defTabSz="914400" rtl="0" eaLnBrk="1" latinLnBrk="0" hangingPunct="1">
+                  <a:lnSpc>
+                    <a:spcPct val="90000"/>
+                  </a:lnSpc>
+                  <a:spcBef>
+                    <a:spcPts val="500"/>
+                  </a:spcBef>
+                  <a:buFont typeface="Arial" panose="020B0604020202020204" pitchFamily="34" charset="0"/>
+                  <a:buChar char="•"/>
+                  <a:defRPr sz="2400" kern="1200">
+                    <a:solidFill>
+                      <a:schemeClr val="tx1"/>
+                    </a:solidFill>
+                    <a:latin typeface="+mn-lt"/>
+                    <a:ea typeface="+mn-ea"/>
+                    <a:cs typeface="+mn-cs"/>
+                  </a:defRPr>
+                </a:lvl2pPr>
+                <a:lvl3pPr marL="1143000" indent="-228600" algn="l" defTabSz="914400" rtl="0" eaLnBrk="1" latinLnBrk="0" hangingPunct="1">
+                  <a:lnSpc>
+                    <a:spcPct val="90000"/>
+                  </a:lnSpc>
+                  <a:spcBef>
+                    <a:spcPts val="500"/>
+                  </a:spcBef>
+                  <a:buFont typeface="Arial" panose="020B0604020202020204" pitchFamily="34" charset="0"/>
+                  <a:buChar char="•"/>
+                  <a:defRPr sz="2000" kern="1200">
+                    <a:solidFill>
+                      <a:schemeClr val="tx1"/>
+                    </a:solidFill>
+                    <a:latin typeface="+mn-lt"/>
+                    <a:ea typeface="+mn-ea"/>
+                    <a:cs typeface="+mn-cs"/>
+                  </a:defRPr>
+                </a:lvl3pPr>
+                <a:lvl4pPr marL="1600200" indent="-228600" algn="l" defTabSz="914400" rtl="0" eaLnBrk="1" latinLnBrk="0" hangingPunct="1">
+                  <a:lnSpc>
+                    <a:spcPct val="90000"/>
+                  </a:lnSpc>
+                  <a:spcBef>
+                    <a:spcPts val="500"/>
+                  </a:spcBef>
+                  <a:buFont typeface="Arial" panose="020B0604020202020204" pitchFamily="34" charset="0"/>
+                  <a:buChar char="•"/>
+                  <a:defRPr sz="1800" kern="1200">
+                    <a:solidFill>
+                      <a:schemeClr val="tx1"/>
+                    </a:solidFill>
+                    <a:latin typeface="+mn-lt"/>
+                    <a:ea typeface="+mn-ea"/>
+                    <a:cs typeface="+mn-cs"/>
+                  </a:defRPr>
+                </a:lvl4pPr>
+                <a:lvl5pPr marL="2057400" indent="-228600" algn="l" defTabSz="914400" rtl="0" eaLnBrk="1" latinLnBrk="0" hangingPunct="1">
+                  <a:lnSpc>
+                    <a:spcPct val="90000"/>
+                  </a:lnSpc>
+                  <a:spcBef>
+                    <a:spcPts val="500"/>
+                  </a:spcBef>
+                  <a:buFont typeface="Arial" panose="020B0604020202020204" pitchFamily="34" charset="0"/>
+                  <a:buChar char="•"/>
+                  <a:defRPr sz="1800" kern="1200">
+                    <a:solidFill>
+                      <a:schemeClr val="tx1"/>
+                    </a:solidFill>
+                    <a:latin typeface="+mn-lt"/>
+                    <a:ea typeface="+mn-ea"/>
+                    <a:cs typeface="+mn-cs"/>
+                  </a:defRPr>
+                </a:lvl5pPr>
+                <a:lvl6pPr marL="2514600" indent="-228600" algn="l" defTabSz="914400" rtl="0" eaLnBrk="1" latinLnBrk="0" hangingPunct="1">
+                  <a:lnSpc>
+                    <a:spcPct val="90000"/>
+                  </a:lnSpc>
+                  <a:spcBef>
+                    <a:spcPts val="500"/>
+                  </a:spcBef>
+                  <a:buFont typeface="Arial" panose="020B0604020202020204" pitchFamily="34" charset="0"/>
+                  <a:buChar char="•"/>
+                  <a:defRPr sz="1800" kern="1200">
+                    <a:solidFill>
+                      <a:schemeClr val="tx1"/>
+                    </a:solidFill>
+                    <a:latin typeface="+mn-lt"/>
+                    <a:ea typeface="+mn-ea"/>
+                    <a:cs typeface="+mn-cs"/>
+                  </a:defRPr>
+                </a:lvl6pPr>
+                <a:lvl7pPr marL="2971800" indent="-228600" algn="l" defTabSz="914400" rtl="0" eaLnBrk="1" latinLnBrk="0" hangingPunct="1">
+                  <a:lnSpc>
+                    <a:spcPct val="90000"/>
+                  </a:lnSpc>
+                  <a:spcBef>
+                    <a:spcPts val="500"/>
+                  </a:spcBef>
+                  <a:buFont typeface="Arial" panose="020B0604020202020204" pitchFamily="34" charset="0"/>
+                  <a:buChar char="•"/>
+                  <a:defRPr sz="1800" kern="1200">
+                    <a:solidFill>
+                      <a:schemeClr val="tx1"/>
+                    </a:solidFill>
+                    <a:latin typeface="+mn-lt"/>
+                    <a:ea typeface="+mn-ea"/>
+                    <a:cs typeface="+mn-cs"/>
+                  </a:defRPr>
+                </a:lvl7pPr>
+                <a:lvl8pPr marL="3429000" indent="-228600" algn="l" defTabSz="914400" rtl="0" eaLnBrk="1" latinLnBrk="0" hangingPunct="1">
+                  <a:lnSpc>
+                    <a:spcPct val="90000"/>
+                  </a:lnSpc>
+                  <a:spcBef>
+                    <a:spcPts val="500"/>
+                  </a:spcBef>
+                  <a:buFont typeface="Arial" panose="020B0604020202020204" pitchFamily="34" charset="0"/>
+                  <a:buChar char="•"/>
+                  <a:defRPr sz="1800" kern="1200">
+                    <a:solidFill>
+                      <a:schemeClr val="tx1"/>
+                    </a:solidFill>
+                    <a:latin typeface="+mn-lt"/>
+                    <a:ea typeface="+mn-ea"/>
+                    <a:cs typeface="+mn-cs"/>
+                  </a:defRPr>
+                </a:lvl8pPr>
+                <a:lvl9pPr marL="3886200" indent="-228600" algn="l" defTabSz="914400" rtl="0" eaLnBrk="1" latinLnBrk="0" hangingPunct="1">
+                  <a:lnSpc>
+                    <a:spcPct val="90000"/>
+                  </a:lnSpc>
+                  <a:spcBef>
+                    <a:spcPts val="500"/>
+                  </a:spcBef>
+                  <a:buFont typeface="Arial" panose="020B0604020202020204" pitchFamily="34" charset="0"/>
+                  <a:buChar char="•"/>
+                  <a:defRPr sz="1800" kern="1200">
+                    <a:solidFill>
+                      <a:schemeClr val="tx1"/>
+                    </a:solidFill>
+                    <a:latin typeface="+mn-lt"/>
+                    <a:ea typeface="+mn-ea"/>
+                    <a:cs typeface="+mn-cs"/>
+                  </a:defRPr>
+                </a:lvl9pPr>
+              </a:lstStyle>
+              <a:p>
+                <a:pPr marL="0" indent="0">
+                  <a:buFont typeface="Arial" panose="020B0604020202020204" pitchFamily="34" charset="0"/>
+                  <a:buNone/>
+                </a:pPr>
+                <a14:m>
+                  <m:oMathPara xmlns:m="http://schemas.openxmlformats.org/officeDocument/2006/math">
+                    <m:oMathParaPr>
+                      <m:jc m:val="centerGroup"/>
+                    </m:oMathParaPr>
+                    <m:oMath xmlns:m="http://schemas.openxmlformats.org/officeDocument/2006/math">
+                      <m:func>
+                        <m:funcPr>
+                          <m:ctrlPr>
+                            <a:rPr lang="en-US" sz="6000" b="0" i="1" smtClean="0">
+                              <a:latin typeface="Cambria Math" panose="02040503050406030204" pitchFamily="18" charset="0"/>
+                            </a:rPr>
+                          </m:ctrlPr>
+                        </m:funcPr>
+                        <m:fName>
+                          <m:sSub>
+                            <m:sSubPr>
+                              <m:ctrlPr>
+                                <a:rPr lang="en-US" sz="6000" b="0" i="1" smtClean="0">
+                                  <a:latin typeface="Cambria Math" panose="02040503050406030204" pitchFamily="18" charset="0"/>
+                                </a:rPr>
+                              </m:ctrlPr>
+                            </m:sSubPr>
+                            <m:e>
+                              <m:r>
+                                <m:rPr>
+                                  <m:sty m:val="p"/>
+                                </m:rPr>
+                                <a:rPr lang="en-US" sz="6000" b="0" i="0" smtClean="0">
+                                  <a:latin typeface="Cambria Math" panose="02040503050406030204" pitchFamily="18" charset="0"/>
+                                </a:rPr>
+                                <m:t>log</m:t>
+                              </m:r>
+                            </m:e>
+                            <m:sub>
+                              <m:r>
+                                <a:rPr lang="en-US" sz="6000" b="0" i="1" smtClean="0">
+                                  <a:latin typeface="Cambria Math" panose="02040503050406030204" pitchFamily="18" charset="0"/>
+                                </a:rPr>
+                                <m:t>10</m:t>
+                              </m:r>
+                            </m:sub>
+                          </m:sSub>
+                        </m:fName>
+                        <m:e>
+                          <m:r>
+                            <a:rPr lang="en-US" sz="6000" b="0" i="1" smtClean="0">
+                              <a:latin typeface="Cambria Math" panose="02040503050406030204" pitchFamily="18" charset="0"/>
+                            </a:rPr>
+                            <m:t>(</m:t>
+                          </m:r>
+                          <m:r>
+                            <a:rPr lang="en-US" sz="6000" b="0" i="1" smtClean="0">
+                              <a:latin typeface="Cambria Math" panose="02040503050406030204" pitchFamily="18" charset="0"/>
+                            </a:rPr>
+                            <m:t>100</m:t>
+                          </m:r>
+                          <m:r>
+                            <a:rPr lang="en-US" sz="6000" b="0" i="1" smtClean="0">
+                              <a:latin typeface="Cambria Math" panose="02040503050406030204" pitchFamily="18" charset="0"/>
+                            </a:rPr>
+                            <m:t>)</m:t>
+                          </m:r>
+                        </m:e>
+                      </m:func>
+                      <m:r>
+                        <a:rPr lang="en-US" sz="6000" b="0" i="1" smtClean="0">
+                          <a:latin typeface="Cambria Math" panose="02040503050406030204" pitchFamily="18" charset="0"/>
+                        </a:rPr>
+                        <m:t>=</m:t>
+                      </m:r>
+                      <m:r>
+                        <a:rPr lang="en-US" sz="6000" b="0" i="1" smtClean="0">
+                          <a:latin typeface="Cambria Math" panose="02040503050406030204" pitchFamily="18" charset="0"/>
+                        </a:rPr>
+                        <m:t>2</m:t>
+                      </m:r>
+                    </m:oMath>
+                  </m:oMathPara>
+                </a14:m>
+                <a:endParaRPr lang="en-US" sz="6000" dirty="0"/>
+              </a:p>
+            </p:txBody>
+          </p:sp>
+        </mc:Choice>
+        <mc:Fallback>
+          <p:sp>
+            <p:nvSpPr>
+              <p:cNvPr id="4" name="Content Placeholder 2"/>
+              <p:cNvSpPr txBox="1">
+                <a:spLocks noRot="1" noChangeAspect="1" noMove="1" noResize="1" noEditPoints="1" noAdjustHandles="1" noChangeArrowheads="1" noChangeShapeType="1" noTextEdit="1"/>
+              </p:cNvSpPr>
+              <p:nvPr/>
+            </p:nvSpPr>
+            <p:spPr>
+              <a:xfrm>
+                <a:off x="832104" y="2451640"/>
+                <a:ext cx="10515600" cy="717042"/>
+              </a:xfrm>
+              <a:prstGeom prst="rect">
+                <a:avLst/>
+              </a:prstGeom>
+              <a:blipFill>
+                <a:blip r:embed="rId2"/>
+                <a:stretch>
+                  <a:fillRect/>
+                </a:stretch>
+              </a:blipFill>
+            </p:spPr>
+            <p:txBody>
+              <a:bodyPr/>
+              <a:lstStyle/>
+              <a:p>
+                <a:r>
+                  <a:rPr lang="en-US">
+                    <a:noFill/>
+                  </a:rPr>
+                  <a:t> </a:t>
+                </a:r>
+              </a:p>
+            </p:txBody>
+          </p:sp>
+        </mc:Fallback>
+      </mc:AlternateContent>
+    </p:spTree>
+    <p:extLst>
+      <p:ext uri="{BB962C8B-B14F-4D97-AF65-F5344CB8AC3E}">
+        <p14:creationId xmlns:p14="http://schemas.microsoft.com/office/powerpoint/2010/main" val="1295511879"/>
+      </p:ext>
+    </p:extLst>
+  </p:cSld>
+  <p:clrMapOvr>
+    <a:masterClrMapping/>
+  </p:clrMapOvr>
+  <p:timing>
+    <p:tnLst>
+      <p:par>
+        <p:cTn id="1" dur="indefinite" restart="never" nodeType="tmRoot"/>
+      </p:par>
+    </p:tnLst>
+  </p:timing>
+</p:sld>
+</file>
+
+<file path=ppt/slides/slide3.xml><?xml version="1.0" encoding="utf-8"?>
+<p:sld xmlns:a="http://schemas.openxmlformats.org/drawingml/2006/main" xmlns:r="http://schemas.openxmlformats.org/officeDocument/2006/relationships" xmlns:p="http://schemas.openxmlformats.org/presentationml/2006/main">
+  <p:cSld>
+    <p:spTree>
+      <p:nvGrpSpPr>
+        <p:cNvPr id="1" name=""/>
+        <p:cNvGrpSpPr/>
+        <p:nvPr/>
+      </p:nvGrpSpPr>
+      <p:grpSpPr>
+        <a:xfrm>
+          <a:off x="0" y="0"/>
+          <a:ext cx="0" cy="0"/>
+          <a:chOff x="0" y="0"/>
+          <a:chExt cx="0" cy="0"/>
+        </a:xfrm>
+      </p:grpSpPr>
+      <p:sp>
+        <p:nvSpPr>
+          <p:cNvPr id="2" name="Title 1"/>
+          <p:cNvSpPr>
+            <a:spLocks noGrp="1"/>
+          </p:cNvSpPr>
+          <p:nvPr>
+            <p:ph type="title"/>
+          </p:nvPr>
+        </p:nvSpPr>
+        <p:spPr/>
+        <p:txBody>
+          <a:bodyPr/>
+          <a:lstStyle/>
+          <a:p>
+            <a:r>
+              <a:rPr lang="en-US" i="1" dirty="0"/>
+              <a:t>e</a:t>
+            </a:r>
+            <a:r>
+              <a:rPr lang="en-US" dirty="0" smtClean="0"/>
+              <a:t>, like </a:t>
+            </a:r>
+            <a:r>
+              <a:rPr lang="el-GR" i="1" dirty="0" smtClean="0"/>
+              <a:t>π</a:t>
+            </a:r>
+            <a:r>
+              <a:rPr lang="en-US" dirty="0" smtClean="0"/>
+              <a:t>, is a number.</a:t>
+            </a:r>
+            <a:endParaRPr lang="en-US" i="1" dirty="0"/>
+          </a:p>
+        </p:txBody>
+      </p:sp>
+      <mc:AlternateContent xmlns:mc="http://schemas.openxmlformats.org/markup-compatibility/2006" xmlns:a14="http://schemas.microsoft.com/office/drawing/2010/main">
+        <mc:Choice Requires="a14">
+          <p:sp>
+            <p:nvSpPr>
+              <p:cNvPr id="3" name="Content Placeholder 2"/>
+              <p:cNvSpPr>
+                <a:spLocks noGrp="1"/>
+              </p:cNvSpPr>
+              <p:nvPr>
+                <p:ph idx="1"/>
+              </p:nvPr>
+            </p:nvSpPr>
+            <p:spPr>
+              <a:xfrm>
+                <a:off x="374904" y="2941193"/>
+                <a:ext cx="11247120" cy="1027303"/>
+              </a:xfrm>
+            </p:spPr>
+            <p:txBody>
+              <a:bodyPr>
+                <a:noAutofit/>
+              </a:bodyPr>
+              <a:lstStyle/>
+              <a:p>
+                <a:pPr marL="0" indent="0">
+                  <a:buNone/>
+                </a:pPr>
+                <a14:m>
+                  <m:oMathPara xmlns:m="http://schemas.openxmlformats.org/officeDocument/2006/math">
+                    <m:oMathParaPr>
+                      <m:jc m:val="centerGroup"/>
+                    </m:oMathParaPr>
+                    <m:oMath xmlns:m="http://schemas.openxmlformats.org/officeDocument/2006/math">
+                      <m:r>
+                        <a:rPr lang="en-US" sz="6600" b="0" i="1" smtClean="0">
+                          <a:latin typeface="Cambria Math" panose="02040503050406030204" pitchFamily="18" charset="0"/>
+                        </a:rPr>
+                        <m:t>𝑒</m:t>
+                      </m:r>
+                      <m:r>
+                        <a:rPr lang="en-US" sz="6600" b="0" i="1" smtClean="0">
+                          <a:latin typeface="Cambria Math" panose="02040503050406030204" pitchFamily="18" charset="0"/>
+                        </a:rPr>
+                        <m:t>=2.71828182845904523...</m:t>
+                      </m:r>
+                    </m:oMath>
+                  </m:oMathPara>
+                </a14:m>
+                <a:endParaRPr lang="en-US" sz="6600" dirty="0"/>
+              </a:p>
+            </p:txBody>
+          </p:sp>
+        </mc:Choice>
+        <mc:Fallback xmlns="">
+          <p:sp>
+            <p:nvSpPr>
+              <p:cNvPr id="3" name="Content Placeholder 2"/>
+              <p:cNvSpPr>
+                <a:spLocks noGrp="1" noRot="1" noChangeAspect="1" noMove="1" noResize="1" noEditPoints="1" noAdjustHandles="1" noChangeArrowheads="1" noChangeShapeType="1" noTextEdit="1"/>
+              </p:cNvSpPr>
+              <p:nvPr>
+                <p:ph idx="1"/>
+              </p:nvPr>
+            </p:nvSpPr>
+            <p:spPr>
+              <a:xfrm>
+                <a:off x="374904" y="2941193"/>
+                <a:ext cx="11247120" cy="1027303"/>
+              </a:xfrm>
+              <a:blipFill>
+                <a:blip r:embed="rId2"/>
+                <a:stretch>
+                  <a:fillRect/>
+                </a:stretch>
+              </a:blipFill>
+            </p:spPr>
+            <p:txBody>
+              <a:bodyPr/>
+              <a:lstStyle/>
+              <a:p>
+                <a:r>
+                  <a:rPr lang="en-US">
+                    <a:noFill/>
+                  </a:rPr>
+                  <a:t> </a:t>
+                </a:r>
+              </a:p>
+            </p:txBody>
+          </p:sp>
+        </mc:Fallback>
+      </mc:AlternateContent>
+    </p:spTree>
+    <p:extLst>
+      <p:ext uri="{BB962C8B-B14F-4D97-AF65-F5344CB8AC3E}">
+        <p14:creationId xmlns:p14="http://schemas.microsoft.com/office/powerpoint/2010/main" val="1204714882"/>
+      </p:ext>
+    </p:extLst>
+  </p:cSld>
+  <p:clrMapOvr>
+    <a:masterClrMapping/>
+  </p:clrMapOvr>
+  <p:timing>
+    <p:tnLst>
+      <p:par>
+        <p:cTn id="1" dur="indefinite" restart="never" nodeType="tmRoot"/>
+      </p:par>
+    </p:tnLst>
+  </p:timing>
+</p:sld>
+</file>
+
+<file path=ppt/slides/slide30.xml><?xml version="1.0" encoding="utf-8"?>
+<p:sld xmlns:a="http://schemas.openxmlformats.org/drawingml/2006/main" xmlns:r="http://schemas.openxmlformats.org/officeDocument/2006/relationships" xmlns:p="http://schemas.openxmlformats.org/presentationml/2006/main">
+  <p:cSld>
+    <p:spTree>
+      <p:nvGrpSpPr>
+        <p:cNvPr id="1" name=""/>
+        <p:cNvGrpSpPr/>
+        <p:nvPr/>
+      </p:nvGrpSpPr>
+      <p:grpSpPr>
+        <a:xfrm>
+          <a:off x="0" y="0"/>
+          <a:ext cx="0" cy="0"/>
+          <a:chOff x="0" y="0"/>
+          <a:chExt cx="0" cy="0"/>
+        </a:xfrm>
+      </p:grpSpPr>
+      <p:sp>
+        <p:nvSpPr>
+          <p:cNvPr id="2" name="Title 1"/>
+          <p:cNvSpPr>
+            <a:spLocks noGrp="1"/>
+          </p:cNvSpPr>
+          <p:nvPr>
+            <p:ph type="title"/>
+          </p:nvPr>
+        </p:nvSpPr>
+        <p:spPr/>
+        <p:txBody>
+          <a:bodyPr/>
+          <a:lstStyle/>
+          <a:p>
+            <a:r>
+              <a:rPr lang="en-US" dirty="0" smtClean="0"/>
+              <a:t>Taking a </a:t>
+            </a:r>
+            <a:r>
+              <a:rPr lang="en-US" b="1" dirty="0" smtClean="0"/>
+              <a:t>logarithm</a:t>
+            </a:r>
+            <a:r>
+              <a:rPr lang="en-US" dirty="0" smtClean="0"/>
+              <a:t> is the inverse function to exponentiation (for the value </a:t>
+            </a:r>
+            <a:r>
+              <a:rPr lang="en-US" i="1" dirty="0" smtClean="0"/>
+              <a:t>n</a:t>
+            </a:r>
+            <a:r>
+              <a:rPr lang="en-US" dirty="0" smtClean="0"/>
+              <a:t>).</a:t>
+            </a:r>
+            <a:endParaRPr lang="en-US" i="1" dirty="0"/>
+          </a:p>
+        </p:txBody>
+      </p:sp>
+      <mc:AlternateContent xmlns:mc="http://schemas.openxmlformats.org/markup-compatibility/2006">
+        <mc:Choice xmlns:a14="http://schemas.microsoft.com/office/drawing/2010/main" Requires="a14">
+          <p:sp>
+            <p:nvSpPr>
+              <p:cNvPr id="3" name="Content Placeholder 2"/>
+              <p:cNvSpPr>
+                <a:spLocks noGrp="1"/>
+              </p:cNvSpPr>
+              <p:nvPr>
+                <p:ph idx="1"/>
+              </p:nvPr>
+            </p:nvSpPr>
+            <p:spPr>
+              <a:xfrm>
+                <a:off x="832104" y="4019868"/>
+                <a:ext cx="10515600" cy="972439"/>
+              </a:xfrm>
+            </p:spPr>
+            <p:txBody>
+              <a:bodyPr>
+                <a:normAutofit/>
+              </a:bodyPr>
+              <a:lstStyle/>
+              <a:p>
+                <a:pPr marL="0" indent="0">
+                  <a:buNone/>
+                </a:pPr>
+                <a14:m>
+                  <m:oMathPara xmlns:m="http://schemas.openxmlformats.org/officeDocument/2006/math">
+                    <m:oMathParaPr>
+                      <m:jc m:val="centerGroup"/>
+                    </m:oMathParaPr>
+                    <m:oMath xmlns:m="http://schemas.openxmlformats.org/officeDocument/2006/math">
+                      <m:sSup>
+                        <m:sSupPr>
+                          <m:ctrlPr>
+                            <a:rPr lang="en-US" sz="4200" b="0" i="1" smtClean="0">
+                              <a:latin typeface="Cambria Math" panose="02040503050406030204" pitchFamily="18" charset="0"/>
+                            </a:rPr>
+                          </m:ctrlPr>
+                        </m:sSupPr>
+                        <m:e>
+                          <m:r>
+                            <a:rPr lang="en-US" sz="4200" b="0" i="1" smtClean="0">
+                              <a:latin typeface="Cambria Math" panose="02040503050406030204" pitchFamily="18" charset="0"/>
+                            </a:rPr>
+                            <m:t>10</m:t>
+                          </m:r>
+                        </m:e>
+                        <m:sup>
+                          <m:r>
+                            <a:rPr lang="en-US" sz="4200" b="0" i="1" smtClean="0">
+                              <a:latin typeface="Cambria Math" panose="02040503050406030204" pitchFamily="18" charset="0"/>
+                            </a:rPr>
+                            <m:t>2</m:t>
+                          </m:r>
+                        </m:sup>
+                      </m:sSup>
+                      <m:r>
+                        <a:rPr lang="en-US" sz="4200" b="0" i="1" smtClean="0">
+                          <a:latin typeface="Cambria Math" panose="02040503050406030204" pitchFamily="18" charset="0"/>
+                        </a:rPr>
+                        <m:t>=</m:t>
+                      </m:r>
+                      <m:r>
+                        <a:rPr lang="en-US" sz="4200" b="0" i="1" smtClean="0">
+                          <a:latin typeface="Cambria Math" panose="02040503050406030204" pitchFamily="18" charset="0"/>
+                        </a:rPr>
+                        <m:t>100</m:t>
+                      </m:r>
+                    </m:oMath>
+                  </m:oMathPara>
+                </a14:m>
+                <a:endParaRPr lang="en-US" sz="4200" dirty="0"/>
+              </a:p>
+            </p:txBody>
+          </p:sp>
+        </mc:Choice>
+        <mc:Fallback>
+          <p:sp>
+            <p:nvSpPr>
+              <p:cNvPr id="3" name="Content Placeholder 2"/>
+              <p:cNvSpPr>
+                <a:spLocks noGrp="1" noRot="1" noChangeAspect="1" noMove="1" noResize="1" noEditPoints="1" noAdjustHandles="1" noChangeArrowheads="1" noChangeShapeType="1" noTextEdit="1"/>
+              </p:cNvSpPr>
+              <p:nvPr>
+                <p:ph idx="1"/>
+              </p:nvPr>
+            </p:nvSpPr>
+            <p:spPr>
+              <a:xfrm>
+                <a:off x="832104" y="4019868"/>
+                <a:ext cx="10515600" cy="972439"/>
+              </a:xfrm>
+              <a:blipFill>
+                <a:blip r:embed="rId2"/>
+                <a:stretch>
+                  <a:fillRect/>
+                </a:stretch>
+              </a:blipFill>
+            </p:spPr>
+            <p:txBody>
+              <a:bodyPr/>
+              <a:lstStyle/>
+              <a:p>
+                <a:r>
+                  <a:rPr lang="en-US">
+                    <a:noFill/>
+                  </a:rPr>
+                  <a:t> </a:t>
+                </a:r>
+              </a:p>
+            </p:txBody>
+          </p:sp>
+        </mc:Fallback>
+      </mc:AlternateContent>
+      <mc:AlternateContent xmlns:mc="http://schemas.openxmlformats.org/markup-compatibility/2006">
+        <mc:Choice xmlns:a14="http://schemas.microsoft.com/office/drawing/2010/main" Requires="a14">
+          <p:sp>
+            <p:nvSpPr>
+              <p:cNvPr id="4" name="Content Placeholder 2"/>
+              <p:cNvSpPr txBox="1">
+                <a:spLocks/>
+              </p:cNvSpPr>
+              <p:nvPr/>
+            </p:nvSpPr>
+            <p:spPr>
+              <a:xfrm>
+                <a:off x="832104" y="2451640"/>
+                <a:ext cx="10515600" cy="717042"/>
+              </a:xfrm>
+              <a:prstGeom prst="rect">
+                <a:avLst/>
+              </a:prstGeom>
+            </p:spPr>
+            <p:txBody>
+              <a:bodyPr vert="horz" lIns="91440" tIns="45720" rIns="91440" bIns="45720" rtlCol="0">
+                <a:normAutofit fontScale="70000" lnSpcReduction="20000"/>
+              </a:bodyPr>
+              <a:lstStyle>
+                <a:lvl1pPr marL="228600" indent="-228600" algn="l" defTabSz="914400" rtl="0" eaLnBrk="1" latinLnBrk="0" hangingPunct="1">
+                  <a:lnSpc>
+                    <a:spcPct val="90000"/>
+                  </a:lnSpc>
+                  <a:spcBef>
+                    <a:spcPts val="1000"/>
+                  </a:spcBef>
+                  <a:buFont typeface="Arial" panose="020B0604020202020204" pitchFamily="34" charset="0"/>
+                  <a:buChar char="•"/>
+                  <a:defRPr sz="2800" kern="1200">
+                    <a:solidFill>
+                      <a:schemeClr val="tx1"/>
+                    </a:solidFill>
+                    <a:latin typeface="+mn-lt"/>
+                    <a:ea typeface="+mn-ea"/>
+                    <a:cs typeface="+mn-cs"/>
+                  </a:defRPr>
+                </a:lvl1pPr>
+                <a:lvl2pPr marL="685800" indent="-228600" algn="l" defTabSz="914400" rtl="0" eaLnBrk="1" latinLnBrk="0" hangingPunct="1">
+                  <a:lnSpc>
+                    <a:spcPct val="90000"/>
+                  </a:lnSpc>
+                  <a:spcBef>
+                    <a:spcPts val="500"/>
+                  </a:spcBef>
+                  <a:buFont typeface="Arial" panose="020B0604020202020204" pitchFamily="34" charset="0"/>
+                  <a:buChar char="•"/>
+                  <a:defRPr sz="2400" kern="1200">
+                    <a:solidFill>
+                      <a:schemeClr val="tx1"/>
+                    </a:solidFill>
+                    <a:latin typeface="+mn-lt"/>
+                    <a:ea typeface="+mn-ea"/>
+                    <a:cs typeface="+mn-cs"/>
+                  </a:defRPr>
+                </a:lvl2pPr>
+                <a:lvl3pPr marL="1143000" indent="-228600" algn="l" defTabSz="914400" rtl="0" eaLnBrk="1" latinLnBrk="0" hangingPunct="1">
+                  <a:lnSpc>
+                    <a:spcPct val="90000"/>
+                  </a:lnSpc>
+                  <a:spcBef>
+                    <a:spcPts val="500"/>
+                  </a:spcBef>
+                  <a:buFont typeface="Arial" panose="020B0604020202020204" pitchFamily="34" charset="0"/>
+                  <a:buChar char="•"/>
+                  <a:defRPr sz="2000" kern="1200">
+                    <a:solidFill>
+                      <a:schemeClr val="tx1"/>
+                    </a:solidFill>
+                    <a:latin typeface="+mn-lt"/>
+                    <a:ea typeface="+mn-ea"/>
+                    <a:cs typeface="+mn-cs"/>
+                  </a:defRPr>
+                </a:lvl3pPr>
+                <a:lvl4pPr marL="1600200" indent="-228600" algn="l" defTabSz="914400" rtl="0" eaLnBrk="1" latinLnBrk="0" hangingPunct="1">
+                  <a:lnSpc>
+                    <a:spcPct val="90000"/>
+                  </a:lnSpc>
+                  <a:spcBef>
+                    <a:spcPts val="500"/>
+                  </a:spcBef>
+                  <a:buFont typeface="Arial" panose="020B0604020202020204" pitchFamily="34" charset="0"/>
+                  <a:buChar char="•"/>
+                  <a:defRPr sz="1800" kern="1200">
+                    <a:solidFill>
+                      <a:schemeClr val="tx1"/>
+                    </a:solidFill>
+                    <a:latin typeface="+mn-lt"/>
+                    <a:ea typeface="+mn-ea"/>
+                    <a:cs typeface="+mn-cs"/>
+                  </a:defRPr>
+                </a:lvl4pPr>
+                <a:lvl5pPr marL="2057400" indent="-228600" algn="l" defTabSz="914400" rtl="0" eaLnBrk="1" latinLnBrk="0" hangingPunct="1">
+                  <a:lnSpc>
+                    <a:spcPct val="90000"/>
+                  </a:lnSpc>
+                  <a:spcBef>
+                    <a:spcPts val="500"/>
+                  </a:spcBef>
+                  <a:buFont typeface="Arial" panose="020B0604020202020204" pitchFamily="34" charset="0"/>
+                  <a:buChar char="•"/>
+                  <a:defRPr sz="1800" kern="1200">
+                    <a:solidFill>
+                      <a:schemeClr val="tx1"/>
+                    </a:solidFill>
+                    <a:latin typeface="+mn-lt"/>
+                    <a:ea typeface="+mn-ea"/>
+                    <a:cs typeface="+mn-cs"/>
+                  </a:defRPr>
+                </a:lvl5pPr>
+                <a:lvl6pPr marL="2514600" indent="-228600" algn="l" defTabSz="914400" rtl="0" eaLnBrk="1" latinLnBrk="0" hangingPunct="1">
+                  <a:lnSpc>
+                    <a:spcPct val="90000"/>
+                  </a:lnSpc>
+                  <a:spcBef>
+                    <a:spcPts val="500"/>
+                  </a:spcBef>
+                  <a:buFont typeface="Arial" panose="020B0604020202020204" pitchFamily="34" charset="0"/>
+                  <a:buChar char="•"/>
+                  <a:defRPr sz="1800" kern="1200">
+                    <a:solidFill>
+                      <a:schemeClr val="tx1"/>
+                    </a:solidFill>
+                    <a:latin typeface="+mn-lt"/>
+                    <a:ea typeface="+mn-ea"/>
+                    <a:cs typeface="+mn-cs"/>
+                  </a:defRPr>
+                </a:lvl6pPr>
+                <a:lvl7pPr marL="2971800" indent="-228600" algn="l" defTabSz="914400" rtl="0" eaLnBrk="1" latinLnBrk="0" hangingPunct="1">
+                  <a:lnSpc>
+                    <a:spcPct val="90000"/>
+                  </a:lnSpc>
+                  <a:spcBef>
+                    <a:spcPts val="500"/>
+                  </a:spcBef>
+                  <a:buFont typeface="Arial" panose="020B0604020202020204" pitchFamily="34" charset="0"/>
+                  <a:buChar char="•"/>
+                  <a:defRPr sz="1800" kern="1200">
+                    <a:solidFill>
+                      <a:schemeClr val="tx1"/>
+                    </a:solidFill>
+                    <a:latin typeface="+mn-lt"/>
+                    <a:ea typeface="+mn-ea"/>
+                    <a:cs typeface="+mn-cs"/>
+                  </a:defRPr>
+                </a:lvl7pPr>
+                <a:lvl8pPr marL="3429000" indent="-228600" algn="l" defTabSz="914400" rtl="0" eaLnBrk="1" latinLnBrk="0" hangingPunct="1">
+                  <a:lnSpc>
+                    <a:spcPct val="90000"/>
+                  </a:lnSpc>
+                  <a:spcBef>
+                    <a:spcPts val="500"/>
+                  </a:spcBef>
+                  <a:buFont typeface="Arial" panose="020B0604020202020204" pitchFamily="34" charset="0"/>
+                  <a:buChar char="•"/>
+                  <a:defRPr sz="1800" kern="1200">
+                    <a:solidFill>
+                      <a:schemeClr val="tx1"/>
+                    </a:solidFill>
+                    <a:latin typeface="+mn-lt"/>
+                    <a:ea typeface="+mn-ea"/>
+                    <a:cs typeface="+mn-cs"/>
+                  </a:defRPr>
+                </a:lvl8pPr>
+                <a:lvl9pPr marL="3886200" indent="-228600" algn="l" defTabSz="914400" rtl="0" eaLnBrk="1" latinLnBrk="0" hangingPunct="1">
+                  <a:lnSpc>
+                    <a:spcPct val="90000"/>
+                  </a:lnSpc>
+                  <a:spcBef>
+                    <a:spcPts val="500"/>
+                  </a:spcBef>
+                  <a:buFont typeface="Arial" panose="020B0604020202020204" pitchFamily="34" charset="0"/>
+                  <a:buChar char="•"/>
+                  <a:defRPr sz="1800" kern="1200">
+                    <a:solidFill>
+                      <a:schemeClr val="tx1"/>
+                    </a:solidFill>
+                    <a:latin typeface="+mn-lt"/>
+                    <a:ea typeface="+mn-ea"/>
+                    <a:cs typeface="+mn-cs"/>
+                  </a:defRPr>
+                </a:lvl9pPr>
+              </a:lstStyle>
+              <a:p>
+                <a:pPr marL="0" indent="0">
+                  <a:buFont typeface="Arial" panose="020B0604020202020204" pitchFamily="34" charset="0"/>
+                  <a:buNone/>
+                </a:pPr>
+                <a14:m>
+                  <m:oMathPara xmlns:m="http://schemas.openxmlformats.org/officeDocument/2006/math">
+                    <m:oMathParaPr>
+                      <m:jc m:val="centerGroup"/>
+                    </m:oMathParaPr>
+                    <m:oMath xmlns:m="http://schemas.openxmlformats.org/officeDocument/2006/math">
+                      <m:func>
+                        <m:funcPr>
+                          <m:ctrlPr>
+                            <a:rPr lang="en-US" sz="6000" b="0" i="1" smtClean="0">
+                              <a:latin typeface="Cambria Math" panose="02040503050406030204" pitchFamily="18" charset="0"/>
+                            </a:rPr>
+                          </m:ctrlPr>
+                        </m:funcPr>
+                        <m:fName>
+                          <m:sSub>
+                            <m:sSubPr>
+                              <m:ctrlPr>
+                                <a:rPr lang="en-US" sz="6000" b="0" i="1" smtClean="0">
+                                  <a:latin typeface="Cambria Math" panose="02040503050406030204" pitchFamily="18" charset="0"/>
+                                </a:rPr>
+                              </m:ctrlPr>
+                            </m:sSubPr>
+                            <m:e>
+                              <m:r>
+                                <m:rPr>
+                                  <m:sty m:val="p"/>
+                                </m:rPr>
+                                <a:rPr lang="en-US" sz="6000" b="0" i="0" smtClean="0">
+                                  <a:latin typeface="Cambria Math" panose="02040503050406030204" pitchFamily="18" charset="0"/>
+                                </a:rPr>
+                                <m:t>log</m:t>
+                              </m:r>
+                            </m:e>
+                            <m:sub>
+                              <m:r>
+                                <a:rPr lang="en-US" sz="6000" b="0" i="1" smtClean="0">
+                                  <a:latin typeface="Cambria Math" panose="02040503050406030204" pitchFamily="18" charset="0"/>
+                                </a:rPr>
+                                <m:t>10</m:t>
+                              </m:r>
+                            </m:sub>
+                          </m:sSub>
+                        </m:fName>
+                        <m:e>
+                          <m:r>
+                            <a:rPr lang="en-US" sz="6000" b="0" i="1" smtClean="0">
+                              <a:latin typeface="Cambria Math" panose="02040503050406030204" pitchFamily="18" charset="0"/>
+                            </a:rPr>
+                            <m:t>(</m:t>
+                          </m:r>
+                          <m:r>
+                            <a:rPr lang="en-US" sz="6000" b="0" i="1" smtClean="0">
+                              <a:latin typeface="Cambria Math" panose="02040503050406030204" pitchFamily="18" charset="0"/>
+                            </a:rPr>
+                            <m:t>100</m:t>
+                          </m:r>
+                          <m:r>
+                            <a:rPr lang="en-US" sz="6000" b="0" i="1" smtClean="0">
+                              <a:latin typeface="Cambria Math" panose="02040503050406030204" pitchFamily="18" charset="0"/>
+                            </a:rPr>
+                            <m:t>)</m:t>
+                          </m:r>
+                        </m:e>
+                      </m:func>
+                      <m:r>
+                        <a:rPr lang="en-US" sz="6000" b="0" i="1" smtClean="0">
+                          <a:latin typeface="Cambria Math" panose="02040503050406030204" pitchFamily="18" charset="0"/>
+                        </a:rPr>
+                        <m:t>=</m:t>
+                      </m:r>
+                      <m:r>
+                        <a:rPr lang="en-US" sz="6000" b="0" i="1" smtClean="0">
+                          <a:latin typeface="Cambria Math" panose="02040503050406030204" pitchFamily="18" charset="0"/>
+                        </a:rPr>
+                        <m:t>2</m:t>
+                      </m:r>
+                    </m:oMath>
+                  </m:oMathPara>
+                </a14:m>
+                <a:endParaRPr lang="en-US" sz="6000" dirty="0"/>
+              </a:p>
+            </p:txBody>
+          </p:sp>
+        </mc:Choice>
+        <mc:Fallback>
+          <p:sp>
+            <p:nvSpPr>
+              <p:cNvPr id="4" name="Content Placeholder 2"/>
+              <p:cNvSpPr txBox="1">
+                <a:spLocks noRot="1" noChangeAspect="1" noMove="1" noResize="1" noEditPoints="1" noAdjustHandles="1" noChangeArrowheads="1" noChangeShapeType="1" noTextEdit="1"/>
+              </p:cNvSpPr>
+              <p:nvPr/>
+            </p:nvSpPr>
+            <p:spPr>
+              <a:xfrm>
+                <a:off x="832104" y="2451640"/>
+                <a:ext cx="10515600" cy="717042"/>
+              </a:xfrm>
+              <a:prstGeom prst="rect">
+                <a:avLst/>
+              </a:prstGeom>
+              <a:blipFill>
+                <a:blip r:embed="rId3"/>
+                <a:stretch>
+                  <a:fillRect/>
+                </a:stretch>
+              </a:blipFill>
+            </p:spPr>
+            <p:txBody>
+              <a:bodyPr/>
+              <a:lstStyle/>
+              <a:p>
+                <a:r>
+                  <a:rPr lang="en-US">
+                    <a:noFill/>
+                  </a:rPr>
+                  <a:t> </a:t>
+                </a:r>
+              </a:p>
+            </p:txBody>
+          </p:sp>
+        </mc:Fallback>
+      </mc:AlternateContent>
+    </p:spTree>
+    <p:extLst>
+      <p:ext uri="{BB962C8B-B14F-4D97-AF65-F5344CB8AC3E}">
+        <p14:creationId xmlns:p14="http://schemas.microsoft.com/office/powerpoint/2010/main" val="2329238056"/>
+      </p:ext>
+    </p:extLst>
+  </p:cSld>
+  <p:clrMapOvr>
+    <a:masterClrMapping/>
+  </p:clrMapOvr>
+  <p:timing>
+    <p:tnLst>
+      <p:par>
+        <p:cTn id="1" dur="indefinite" restart="never" nodeType="tmRoot"/>
+      </p:par>
+    </p:tnLst>
+  </p:timing>
+</p:sld>
+</file>
+
+<file path=ppt/slides/slide31.xml><?xml version="1.0" encoding="utf-8"?>
+<p:sld xmlns:a="http://schemas.openxmlformats.org/drawingml/2006/main" xmlns:r="http://schemas.openxmlformats.org/officeDocument/2006/relationships" xmlns:p="http://schemas.openxmlformats.org/presentationml/2006/main">
+  <p:cSld>
+    <p:spTree>
+      <p:nvGrpSpPr>
+        <p:cNvPr id="1" name=""/>
+        <p:cNvGrpSpPr/>
+        <p:nvPr/>
+      </p:nvGrpSpPr>
+      <p:grpSpPr>
+        <a:xfrm>
+          <a:off x="0" y="0"/>
+          <a:ext cx="0" cy="0"/>
+          <a:chOff x="0" y="0"/>
+          <a:chExt cx="0" cy="0"/>
+        </a:xfrm>
+      </p:grpSpPr>
+      <p:sp>
+        <p:nvSpPr>
+          <p:cNvPr id="2" name="Title 1"/>
+          <p:cNvSpPr>
+            <a:spLocks noGrp="1"/>
+          </p:cNvSpPr>
+          <p:nvPr>
+            <p:ph type="title"/>
+          </p:nvPr>
+        </p:nvSpPr>
+        <p:spPr/>
+        <p:txBody>
+          <a:bodyPr/>
+          <a:lstStyle/>
+          <a:p>
+            <a:r>
+              <a:rPr lang="en-US" dirty="0" smtClean="0"/>
+              <a:t>Taking a </a:t>
+            </a:r>
+            <a:r>
+              <a:rPr lang="en-US" b="1" dirty="0" smtClean="0"/>
+              <a:t>logarithm</a:t>
+            </a:r>
+            <a:r>
+              <a:rPr lang="en-US" dirty="0" smtClean="0"/>
+              <a:t> is the inverse function to exponentiation (for the value </a:t>
+            </a:r>
+            <a:r>
+              <a:rPr lang="en-US" i="1" dirty="0" smtClean="0"/>
+              <a:t>n</a:t>
+            </a:r>
+            <a:r>
+              <a:rPr lang="en-US" dirty="0" smtClean="0"/>
+              <a:t>).</a:t>
+            </a:r>
+            <a:endParaRPr lang="en-US" i="1" dirty="0"/>
+          </a:p>
+        </p:txBody>
+      </p:sp>
+      <mc:AlternateContent xmlns:mc="http://schemas.openxmlformats.org/markup-compatibility/2006">
+        <mc:Choice xmlns:a14="http://schemas.microsoft.com/office/drawing/2010/main" Requires="a14">
+          <p:sp>
+            <p:nvSpPr>
+              <p:cNvPr id="3" name="Content Placeholder 2"/>
+              <p:cNvSpPr>
+                <a:spLocks noGrp="1"/>
+              </p:cNvSpPr>
+              <p:nvPr>
+                <p:ph idx="1"/>
+              </p:nvPr>
+            </p:nvSpPr>
+            <p:spPr>
+              <a:xfrm>
+                <a:off x="832104" y="4019868"/>
+                <a:ext cx="10515600" cy="972439"/>
+              </a:xfrm>
+            </p:spPr>
+            <p:txBody>
+              <a:bodyPr>
+                <a:normAutofit/>
+              </a:bodyPr>
+              <a:lstStyle/>
+              <a:p>
+                <a:pPr marL="0" indent="0">
+                  <a:buNone/>
+                </a:pPr>
+                <a14:m>
+                  <m:oMathPara xmlns:m="http://schemas.openxmlformats.org/officeDocument/2006/math">
+                    <m:oMathParaPr>
+                      <m:jc m:val="centerGroup"/>
+                    </m:oMathParaPr>
+                    <m:oMath xmlns:m="http://schemas.openxmlformats.org/officeDocument/2006/math">
+                      <m:sSup>
+                        <m:sSupPr>
+                          <m:ctrlPr>
+                            <a:rPr lang="en-US" sz="4200" b="0" i="1" smtClean="0">
+                              <a:latin typeface="Cambria Math" panose="02040503050406030204" pitchFamily="18" charset="0"/>
+                            </a:rPr>
+                          </m:ctrlPr>
+                        </m:sSupPr>
+                        <m:e>
+                          <m:r>
+                            <a:rPr lang="en-US" sz="4200" b="0" i="1" smtClean="0">
+                              <a:latin typeface="Cambria Math" panose="02040503050406030204" pitchFamily="18" charset="0"/>
+                            </a:rPr>
+                            <m:t>10</m:t>
+                          </m:r>
+                        </m:e>
+                        <m:sup>
+                          <m:r>
+                            <a:rPr lang="en-US" sz="4200" b="0" i="1" smtClean="0">
+                              <a:latin typeface="Cambria Math" panose="02040503050406030204" pitchFamily="18" charset="0"/>
+                            </a:rPr>
+                            <m:t>2</m:t>
+                          </m:r>
+                        </m:sup>
+                      </m:sSup>
+                      <m:r>
+                        <a:rPr lang="en-US" sz="4200" b="0" i="1" smtClean="0">
+                          <a:latin typeface="Cambria Math" panose="02040503050406030204" pitchFamily="18" charset="0"/>
+                        </a:rPr>
+                        <m:t>=</m:t>
+                      </m:r>
+                      <m:r>
+                        <a:rPr lang="en-US" sz="4200" b="0" i="1" smtClean="0">
+                          <a:latin typeface="Cambria Math" panose="02040503050406030204" pitchFamily="18" charset="0"/>
+                        </a:rPr>
+                        <m:t>100</m:t>
+                      </m:r>
+                    </m:oMath>
+                  </m:oMathPara>
+                </a14:m>
+                <a:endParaRPr lang="en-US" sz="4200" dirty="0"/>
+              </a:p>
+            </p:txBody>
+          </p:sp>
+        </mc:Choice>
+        <mc:Fallback>
+          <p:sp>
+            <p:nvSpPr>
+              <p:cNvPr id="3" name="Content Placeholder 2"/>
+              <p:cNvSpPr>
+                <a:spLocks noGrp="1" noRot="1" noChangeAspect="1" noMove="1" noResize="1" noEditPoints="1" noAdjustHandles="1" noChangeArrowheads="1" noChangeShapeType="1" noTextEdit="1"/>
+              </p:cNvSpPr>
+              <p:nvPr>
+                <p:ph idx="1"/>
+              </p:nvPr>
+            </p:nvSpPr>
+            <p:spPr>
+              <a:xfrm>
+                <a:off x="832104" y="4019868"/>
+                <a:ext cx="10515600" cy="972439"/>
+              </a:xfrm>
+              <a:blipFill>
+                <a:blip r:embed="rId2"/>
+                <a:stretch>
+                  <a:fillRect/>
+                </a:stretch>
+              </a:blipFill>
+            </p:spPr>
+            <p:txBody>
+              <a:bodyPr/>
+              <a:lstStyle/>
+              <a:p>
+                <a:r>
+                  <a:rPr lang="en-US">
+                    <a:noFill/>
+                  </a:rPr>
+                  <a:t> </a:t>
+                </a:r>
+              </a:p>
+            </p:txBody>
+          </p:sp>
+        </mc:Fallback>
+      </mc:AlternateContent>
+      <mc:AlternateContent xmlns:mc="http://schemas.openxmlformats.org/markup-compatibility/2006">
+        <mc:Choice xmlns:a14="http://schemas.microsoft.com/office/drawing/2010/main" Requires="a14">
+          <p:sp>
+            <p:nvSpPr>
+              <p:cNvPr id="4" name="Content Placeholder 2"/>
+              <p:cNvSpPr txBox="1">
+                <a:spLocks/>
+              </p:cNvSpPr>
+              <p:nvPr/>
+            </p:nvSpPr>
+            <p:spPr>
+              <a:xfrm>
+                <a:off x="832104" y="2451640"/>
+                <a:ext cx="10515600" cy="717042"/>
+              </a:xfrm>
+              <a:prstGeom prst="rect">
+                <a:avLst/>
+              </a:prstGeom>
+            </p:spPr>
+            <p:txBody>
+              <a:bodyPr vert="horz" lIns="91440" tIns="45720" rIns="91440" bIns="45720" rtlCol="0">
+                <a:normAutofit fontScale="70000" lnSpcReduction="20000"/>
+              </a:bodyPr>
+              <a:lstStyle>
+                <a:lvl1pPr marL="228600" indent="-228600" algn="l" defTabSz="914400" rtl="0" eaLnBrk="1" latinLnBrk="0" hangingPunct="1">
+                  <a:lnSpc>
+                    <a:spcPct val="90000"/>
+                  </a:lnSpc>
+                  <a:spcBef>
+                    <a:spcPts val="1000"/>
+                  </a:spcBef>
+                  <a:buFont typeface="Arial" panose="020B0604020202020204" pitchFamily="34" charset="0"/>
+                  <a:buChar char="•"/>
+                  <a:defRPr sz="2800" kern="1200">
+                    <a:solidFill>
+                      <a:schemeClr val="tx1"/>
+                    </a:solidFill>
+                    <a:latin typeface="+mn-lt"/>
+                    <a:ea typeface="+mn-ea"/>
+                    <a:cs typeface="+mn-cs"/>
+                  </a:defRPr>
+                </a:lvl1pPr>
+                <a:lvl2pPr marL="685800" indent="-228600" algn="l" defTabSz="914400" rtl="0" eaLnBrk="1" latinLnBrk="0" hangingPunct="1">
+                  <a:lnSpc>
+                    <a:spcPct val="90000"/>
+                  </a:lnSpc>
+                  <a:spcBef>
+                    <a:spcPts val="500"/>
+                  </a:spcBef>
+                  <a:buFont typeface="Arial" panose="020B0604020202020204" pitchFamily="34" charset="0"/>
+                  <a:buChar char="•"/>
+                  <a:defRPr sz="2400" kern="1200">
+                    <a:solidFill>
+                      <a:schemeClr val="tx1"/>
+                    </a:solidFill>
+                    <a:latin typeface="+mn-lt"/>
+                    <a:ea typeface="+mn-ea"/>
+                    <a:cs typeface="+mn-cs"/>
+                  </a:defRPr>
+                </a:lvl2pPr>
+                <a:lvl3pPr marL="1143000" indent="-228600" algn="l" defTabSz="914400" rtl="0" eaLnBrk="1" latinLnBrk="0" hangingPunct="1">
+                  <a:lnSpc>
+                    <a:spcPct val="90000"/>
+                  </a:lnSpc>
+                  <a:spcBef>
+                    <a:spcPts val="500"/>
+                  </a:spcBef>
+                  <a:buFont typeface="Arial" panose="020B0604020202020204" pitchFamily="34" charset="0"/>
+                  <a:buChar char="•"/>
+                  <a:defRPr sz="2000" kern="1200">
+                    <a:solidFill>
+                      <a:schemeClr val="tx1"/>
+                    </a:solidFill>
+                    <a:latin typeface="+mn-lt"/>
+                    <a:ea typeface="+mn-ea"/>
+                    <a:cs typeface="+mn-cs"/>
+                  </a:defRPr>
+                </a:lvl3pPr>
+                <a:lvl4pPr marL="1600200" indent="-228600" algn="l" defTabSz="914400" rtl="0" eaLnBrk="1" latinLnBrk="0" hangingPunct="1">
+                  <a:lnSpc>
+                    <a:spcPct val="90000"/>
+                  </a:lnSpc>
+                  <a:spcBef>
+                    <a:spcPts val="500"/>
+                  </a:spcBef>
+                  <a:buFont typeface="Arial" panose="020B0604020202020204" pitchFamily="34" charset="0"/>
+                  <a:buChar char="•"/>
+                  <a:defRPr sz="1800" kern="1200">
+                    <a:solidFill>
+                      <a:schemeClr val="tx1"/>
+                    </a:solidFill>
+                    <a:latin typeface="+mn-lt"/>
+                    <a:ea typeface="+mn-ea"/>
+                    <a:cs typeface="+mn-cs"/>
+                  </a:defRPr>
+                </a:lvl4pPr>
+                <a:lvl5pPr marL="2057400" indent="-228600" algn="l" defTabSz="914400" rtl="0" eaLnBrk="1" latinLnBrk="0" hangingPunct="1">
+                  <a:lnSpc>
+                    <a:spcPct val="90000"/>
+                  </a:lnSpc>
+                  <a:spcBef>
+                    <a:spcPts val="500"/>
+                  </a:spcBef>
+                  <a:buFont typeface="Arial" panose="020B0604020202020204" pitchFamily="34" charset="0"/>
+                  <a:buChar char="•"/>
+                  <a:defRPr sz="1800" kern="1200">
+                    <a:solidFill>
+                      <a:schemeClr val="tx1"/>
+                    </a:solidFill>
+                    <a:latin typeface="+mn-lt"/>
+                    <a:ea typeface="+mn-ea"/>
+                    <a:cs typeface="+mn-cs"/>
+                  </a:defRPr>
+                </a:lvl5pPr>
+                <a:lvl6pPr marL="2514600" indent="-228600" algn="l" defTabSz="914400" rtl="0" eaLnBrk="1" latinLnBrk="0" hangingPunct="1">
+                  <a:lnSpc>
+                    <a:spcPct val="90000"/>
+                  </a:lnSpc>
+                  <a:spcBef>
+                    <a:spcPts val="500"/>
+                  </a:spcBef>
+                  <a:buFont typeface="Arial" panose="020B0604020202020204" pitchFamily="34" charset="0"/>
+                  <a:buChar char="•"/>
+                  <a:defRPr sz="1800" kern="1200">
+                    <a:solidFill>
+                      <a:schemeClr val="tx1"/>
+                    </a:solidFill>
+                    <a:latin typeface="+mn-lt"/>
+                    <a:ea typeface="+mn-ea"/>
+                    <a:cs typeface="+mn-cs"/>
+                  </a:defRPr>
+                </a:lvl6pPr>
+                <a:lvl7pPr marL="2971800" indent="-228600" algn="l" defTabSz="914400" rtl="0" eaLnBrk="1" latinLnBrk="0" hangingPunct="1">
+                  <a:lnSpc>
+                    <a:spcPct val="90000"/>
+                  </a:lnSpc>
+                  <a:spcBef>
+                    <a:spcPts val="500"/>
+                  </a:spcBef>
+                  <a:buFont typeface="Arial" panose="020B0604020202020204" pitchFamily="34" charset="0"/>
+                  <a:buChar char="•"/>
+                  <a:defRPr sz="1800" kern="1200">
+                    <a:solidFill>
+                      <a:schemeClr val="tx1"/>
+                    </a:solidFill>
+                    <a:latin typeface="+mn-lt"/>
+                    <a:ea typeface="+mn-ea"/>
+                    <a:cs typeface="+mn-cs"/>
+                  </a:defRPr>
+                </a:lvl7pPr>
+                <a:lvl8pPr marL="3429000" indent="-228600" algn="l" defTabSz="914400" rtl="0" eaLnBrk="1" latinLnBrk="0" hangingPunct="1">
+                  <a:lnSpc>
+                    <a:spcPct val="90000"/>
+                  </a:lnSpc>
+                  <a:spcBef>
+                    <a:spcPts val="500"/>
+                  </a:spcBef>
+                  <a:buFont typeface="Arial" panose="020B0604020202020204" pitchFamily="34" charset="0"/>
+                  <a:buChar char="•"/>
+                  <a:defRPr sz="1800" kern="1200">
+                    <a:solidFill>
+                      <a:schemeClr val="tx1"/>
+                    </a:solidFill>
+                    <a:latin typeface="+mn-lt"/>
+                    <a:ea typeface="+mn-ea"/>
+                    <a:cs typeface="+mn-cs"/>
+                  </a:defRPr>
+                </a:lvl8pPr>
+                <a:lvl9pPr marL="3886200" indent="-228600" algn="l" defTabSz="914400" rtl="0" eaLnBrk="1" latinLnBrk="0" hangingPunct="1">
+                  <a:lnSpc>
+                    <a:spcPct val="90000"/>
+                  </a:lnSpc>
+                  <a:spcBef>
+                    <a:spcPts val="500"/>
+                  </a:spcBef>
+                  <a:buFont typeface="Arial" panose="020B0604020202020204" pitchFamily="34" charset="0"/>
+                  <a:buChar char="•"/>
+                  <a:defRPr sz="1800" kern="1200">
+                    <a:solidFill>
+                      <a:schemeClr val="tx1"/>
+                    </a:solidFill>
+                    <a:latin typeface="+mn-lt"/>
+                    <a:ea typeface="+mn-ea"/>
+                    <a:cs typeface="+mn-cs"/>
+                  </a:defRPr>
+                </a:lvl9pPr>
+              </a:lstStyle>
+              <a:p>
+                <a:pPr marL="0" indent="0">
+                  <a:buFont typeface="Arial" panose="020B0604020202020204" pitchFamily="34" charset="0"/>
+                  <a:buNone/>
+                </a:pPr>
+                <a14:m>
+                  <m:oMathPara xmlns:m="http://schemas.openxmlformats.org/officeDocument/2006/math">
+                    <m:oMathParaPr>
+                      <m:jc m:val="centerGroup"/>
+                    </m:oMathParaPr>
+                    <m:oMath xmlns:m="http://schemas.openxmlformats.org/officeDocument/2006/math">
+                      <m:func>
+                        <m:funcPr>
+                          <m:ctrlPr>
+                            <a:rPr lang="en-US" sz="6000" b="0" i="1" smtClean="0">
+                              <a:latin typeface="Cambria Math" panose="02040503050406030204" pitchFamily="18" charset="0"/>
+                            </a:rPr>
+                          </m:ctrlPr>
+                        </m:funcPr>
+                        <m:fName>
+                          <m:sSub>
+                            <m:sSubPr>
+                              <m:ctrlPr>
+                                <a:rPr lang="en-US" sz="6000" b="0" i="1" smtClean="0">
+                                  <a:latin typeface="Cambria Math" panose="02040503050406030204" pitchFamily="18" charset="0"/>
+                                </a:rPr>
+                              </m:ctrlPr>
+                            </m:sSubPr>
+                            <m:e>
+                              <m:r>
+                                <m:rPr>
+                                  <m:sty m:val="p"/>
+                                </m:rPr>
+                                <a:rPr lang="en-US" sz="6000" b="0" i="0" smtClean="0">
+                                  <a:latin typeface="Cambria Math" panose="02040503050406030204" pitchFamily="18" charset="0"/>
+                                </a:rPr>
+                                <m:t>log</m:t>
+                              </m:r>
+                            </m:e>
+                            <m:sub>
+                              <m:r>
+                                <a:rPr lang="en-US" sz="6000" b="0" i="1" smtClean="0">
+                                  <a:latin typeface="Cambria Math" panose="02040503050406030204" pitchFamily="18" charset="0"/>
+                                </a:rPr>
+                                <m:t>10</m:t>
+                              </m:r>
+                            </m:sub>
+                          </m:sSub>
+                        </m:fName>
+                        <m:e>
+                          <m:r>
+                            <a:rPr lang="en-US" sz="6000" b="0" i="1" smtClean="0">
+                              <a:latin typeface="Cambria Math" panose="02040503050406030204" pitchFamily="18" charset="0"/>
+                            </a:rPr>
+                            <m:t>(</m:t>
+                          </m:r>
+                          <m:r>
+                            <a:rPr lang="en-US" sz="6000" b="0" i="1" smtClean="0">
+                              <a:latin typeface="Cambria Math" panose="02040503050406030204" pitchFamily="18" charset="0"/>
+                            </a:rPr>
+                            <m:t>100</m:t>
+                          </m:r>
+                          <m:r>
+                            <a:rPr lang="en-US" sz="6000" b="0" i="1" smtClean="0">
+                              <a:latin typeface="Cambria Math" panose="02040503050406030204" pitchFamily="18" charset="0"/>
+                            </a:rPr>
+                            <m:t>)</m:t>
+                          </m:r>
+                        </m:e>
+                      </m:func>
+                      <m:r>
+                        <a:rPr lang="en-US" sz="6000" b="0" i="1" smtClean="0">
+                          <a:latin typeface="Cambria Math" panose="02040503050406030204" pitchFamily="18" charset="0"/>
+                        </a:rPr>
+                        <m:t>=</m:t>
+                      </m:r>
+                      <m:r>
+                        <a:rPr lang="en-US" sz="6000" b="0" i="1" smtClean="0">
+                          <a:latin typeface="Cambria Math" panose="02040503050406030204" pitchFamily="18" charset="0"/>
+                        </a:rPr>
+                        <m:t>2</m:t>
+                      </m:r>
+                    </m:oMath>
+                  </m:oMathPara>
+                </a14:m>
+                <a:endParaRPr lang="en-US" sz="6000" dirty="0"/>
+              </a:p>
+            </p:txBody>
+          </p:sp>
+        </mc:Choice>
+        <mc:Fallback>
+          <p:sp>
+            <p:nvSpPr>
+              <p:cNvPr id="4" name="Content Placeholder 2"/>
+              <p:cNvSpPr txBox="1">
+                <a:spLocks noRot="1" noChangeAspect="1" noMove="1" noResize="1" noEditPoints="1" noAdjustHandles="1" noChangeArrowheads="1" noChangeShapeType="1" noTextEdit="1"/>
+              </p:cNvSpPr>
+              <p:nvPr/>
+            </p:nvSpPr>
+            <p:spPr>
+              <a:xfrm>
+                <a:off x="832104" y="2451640"/>
+                <a:ext cx="10515600" cy="717042"/>
+              </a:xfrm>
+              <a:prstGeom prst="rect">
+                <a:avLst/>
+              </a:prstGeom>
+              <a:blipFill>
+                <a:blip r:embed="rId3"/>
+                <a:stretch>
+                  <a:fillRect/>
+                </a:stretch>
+              </a:blipFill>
+            </p:spPr>
+            <p:txBody>
+              <a:bodyPr/>
+              <a:lstStyle/>
+              <a:p>
+                <a:r>
+                  <a:rPr lang="en-US">
+                    <a:noFill/>
+                  </a:rPr>
+                  <a:t> </a:t>
+                </a:r>
+              </a:p>
+            </p:txBody>
+          </p:sp>
+        </mc:Fallback>
+      </mc:AlternateContent>
+      <p:sp>
+        <p:nvSpPr>
+          <p:cNvPr id="5" name="TextBox 4"/>
+          <p:cNvSpPr txBox="1"/>
+          <p:nvPr/>
+        </p:nvSpPr>
+        <p:spPr>
+          <a:xfrm>
+            <a:off x="128016" y="5363718"/>
+            <a:ext cx="11923776" cy="1200329"/>
+          </a:xfrm>
+          <a:prstGeom prst="rect">
+            <a:avLst/>
+          </a:prstGeom>
+          <a:noFill/>
+        </p:spPr>
+        <p:txBody>
+          <a:bodyPr wrap="square" rtlCol="0">
+            <a:spAutoFit/>
+          </a:bodyPr>
+          <a:lstStyle/>
+          <a:p>
+            <a:r>
+              <a:rPr lang="en-US" sz="3600" dirty="0" smtClean="0"/>
+              <a:t>“The number you need to </a:t>
+            </a:r>
+            <a:r>
+              <a:rPr lang="en-US" sz="3600" dirty="0" err="1" smtClean="0"/>
+              <a:t>exponentiate</a:t>
+            </a:r>
+            <a:r>
+              <a:rPr lang="en-US" sz="3600" dirty="0" smtClean="0"/>
+              <a:t> </a:t>
+            </a:r>
+            <a:r>
+              <a:rPr lang="en-US" sz="3600" i="1" dirty="0" smtClean="0"/>
+              <a:t>10</a:t>
+            </a:r>
+            <a:r>
+              <a:rPr lang="en-US" sz="3600" dirty="0" smtClean="0"/>
+              <a:t> </a:t>
+            </a:r>
+            <a:r>
+              <a:rPr lang="en-US" sz="3600" dirty="0" smtClean="0"/>
+              <a:t>by in order to get </a:t>
+            </a:r>
+            <a:r>
+              <a:rPr lang="en-US" sz="3600" i="1" dirty="0" smtClean="0"/>
+              <a:t>100</a:t>
+            </a:r>
+            <a:r>
+              <a:rPr lang="en-US" sz="3600" dirty="0" smtClean="0"/>
+              <a:t>.” </a:t>
+            </a:r>
+            <a:endParaRPr lang="en-US" sz="3600" dirty="0"/>
+          </a:p>
+        </p:txBody>
+      </p:sp>
+    </p:spTree>
+    <p:extLst>
+      <p:ext uri="{BB962C8B-B14F-4D97-AF65-F5344CB8AC3E}">
+        <p14:creationId xmlns:p14="http://schemas.microsoft.com/office/powerpoint/2010/main" val="3655391272"/>
+      </p:ext>
+    </p:extLst>
+  </p:cSld>
+  <p:clrMapOvr>
+    <a:masterClrMapping/>
+  </p:clrMapOvr>
+  <p:timing>
+    <p:tnLst>
+      <p:par>
+        <p:cTn id="1" dur="indefinite" restart="never" nodeType="tmRoot"/>
+      </p:par>
+    </p:tnLst>
+  </p:timing>
+</p:sld>
+</file>
+
+<file path=ppt/slides/slide32.xml><?xml version="1.0" encoding="utf-8"?>
 <p:sld xmlns:a="http://schemas.openxmlformats.org/drawingml/2006/main" xmlns:r="http://schemas.openxmlformats.org/officeDocument/2006/relationships" xmlns:p="http://schemas.openxmlformats.org/presentationml/2006/main">
   <p:cSld>
     <p:spTree>
@@ -7268,8 +12805,8 @@
           </p:sp>
         </mc:Fallback>
       </mc:AlternateContent>
-      <mc:AlternateContent xmlns:mc="http://schemas.openxmlformats.org/markup-compatibility/2006">
-        <mc:Choice xmlns:a14="http://schemas.microsoft.com/office/drawing/2010/main" Requires="a14">
+      <mc:AlternateContent xmlns:mc="http://schemas.openxmlformats.org/markup-compatibility/2006" xmlns:a14="http://schemas.microsoft.com/office/drawing/2010/main">
+        <mc:Choice Requires="a14">
           <p:sp>
             <p:nvSpPr>
               <p:cNvPr id="4" name="Content Placeholder 2"/>
@@ -7547,7 +13084,7 @@
             </p:txBody>
           </p:sp>
         </mc:Choice>
-        <mc:Fallback>
+        <mc:Fallback xmlns="">
           <p:sp>
             <p:nvSpPr>
               <p:cNvPr id="4" name="Content Placeholder 2"/>
@@ -7596,10 +13133,17 @@
   <p:clrMapOvr>
     <a:masterClrMapping/>
   </p:clrMapOvr>
+  <p:timing>
+    <p:tnLst>
+      <p:par>
+        <p:cTn id="1" dur="indefinite" restart="never" nodeType="tmRoot"/>
+      </p:par>
+    </p:tnLst>
+  </p:timing>
 </p:sld>
 </file>
 
-<file path=ppt/slides/slide23.xml><?xml version="1.0" encoding="utf-8"?>
+<file path=ppt/slides/slide33.xml><?xml version="1.0" encoding="utf-8"?>
 <p:sld xmlns:a="http://schemas.openxmlformats.org/drawingml/2006/main" xmlns:r="http://schemas.openxmlformats.org/officeDocument/2006/relationships" xmlns:p="http://schemas.openxmlformats.org/presentationml/2006/main">
   <p:cSld>
     <p:spTree>
@@ -7753,8 +13297,8 @@
           </p:sp>
         </mc:Fallback>
       </mc:AlternateContent>
-      <mc:AlternateContent xmlns:mc="http://schemas.openxmlformats.org/markup-compatibility/2006">
-        <mc:Choice xmlns:a14="http://schemas.microsoft.com/office/drawing/2010/main" Requires="a14">
+      <mc:AlternateContent xmlns:mc="http://schemas.openxmlformats.org/markup-compatibility/2006" xmlns:a14="http://schemas.microsoft.com/office/drawing/2010/main">
+        <mc:Choice Requires="a14">
           <p:sp>
             <p:nvSpPr>
               <p:cNvPr id="4" name="Content Placeholder 2"/>
@@ -8032,7 +13576,7 @@
             </p:txBody>
           </p:sp>
         </mc:Choice>
-        <mc:Fallback>
+        <mc:Fallback xmlns="">
           <p:sp>
             <p:nvSpPr>
               <p:cNvPr id="4" name="Content Placeholder 2"/>
@@ -8120,10 +13664,17 @@
   <p:clrMapOvr>
     <a:masterClrMapping/>
   </p:clrMapOvr>
+  <p:timing>
+    <p:tnLst>
+      <p:par>
+        <p:cTn id="1" dur="indefinite" restart="never" nodeType="tmRoot"/>
+      </p:par>
+    </p:tnLst>
+  </p:timing>
 </p:sld>
 </file>
 
-<file path=ppt/slides/slide24.xml><?xml version="1.0" encoding="utf-8"?>
+<file path=ppt/slides/slide34.xml><?xml version="1.0" encoding="utf-8"?>
 <p:sld xmlns:a="http://schemas.openxmlformats.org/drawingml/2006/main" xmlns:r="http://schemas.openxmlformats.org/officeDocument/2006/relationships" xmlns:p="http://schemas.openxmlformats.org/presentationml/2006/main">
   <p:cSld>
     <p:spTree>
@@ -8167,8 +13718,8 @@
           </a:p>
         </p:txBody>
       </p:sp>
-      <mc:AlternateContent xmlns:mc="http://schemas.openxmlformats.org/markup-compatibility/2006">
-        <mc:Choice xmlns:a14="http://schemas.microsoft.com/office/drawing/2010/main" Requires="a14">
+      <mc:AlternateContent xmlns:mc="http://schemas.openxmlformats.org/markup-compatibility/2006" xmlns:a14="http://schemas.microsoft.com/office/drawing/2010/main">
+        <mc:Choice Requires="a14">
           <p:sp>
             <p:nvSpPr>
               <p:cNvPr id="3" name="Content Placeholder 2"/>
@@ -8248,7 +13799,7 @@
             </p:txBody>
           </p:sp>
         </mc:Choice>
-        <mc:Fallback>
+        <mc:Fallback xmlns="">
           <p:sp>
             <p:nvSpPr>
               <p:cNvPr id="3" name="Content Placeholder 2"/>
@@ -8286,8 +13837,8 @@
           </p:sp>
         </mc:Fallback>
       </mc:AlternateContent>
-      <mc:AlternateContent xmlns:mc="http://schemas.openxmlformats.org/markup-compatibility/2006">
-        <mc:Choice xmlns:a14="http://schemas.microsoft.com/office/drawing/2010/main" Requires="a14">
+      <mc:AlternateContent xmlns:mc="http://schemas.openxmlformats.org/markup-compatibility/2006" xmlns:a14="http://schemas.microsoft.com/office/drawing/2010/main">
+        <mc:Choice Requires="a14">
           <p:sp>
             <p:nvSpPr>
               <p:cNvPr id="4" name="Content Placeholder 2"/>
@@ -8566,7 +14117,7 @@
             </p:txBody>
           </p:sp>
         </mc:Choice>
-        <mc:Fallback>
+        <mc:Fallback xmlns="">
           <p:sp>
             <p:nvSpPr>
               <p:cNvPr id="4" name="Content Placeholder 2"/>
@@ -8615,10 +14166,17 @@
   <p:clrMapOvr>
     <a:masterClrMapping/>
   </p:clrMapOvr>
+  <p:timing>
+    <p:tnLst>
+      <p:par>
+        <p:cTn id="1" dur="indefinite" restart="never" nodeType="tmRoot"/>
+      </p:par>
+    </p:tnLst>
+  </p:timing>
 </p:sld>
 </file>
 
-<file path=ppt/slides/slide25.xml><?xml version="1.0" encoding="utf-8"?>
+<file path=ppt/slides/slide35.xml><?xml version="1.0" encoding="utf-8"?>
 <p:sld xmlns:a="http://schemas.openxmlformats.org/drawingml/2006/main" xmlns:r="http://schemas.openxmlformats.org/officeDocument/2006/relationships" xmlns:p="http://schemas.openxmlformats.org/presentationml/2006/main">
   <p:cSld>
     <p:spTree>
@@ -8662,8 +14220,8 @@
           </a:p>
         </p:txBody>
       </p:sp>
-      <mc:AlternateContent xmlns:mc="http://schemas.openxmlformats.org/markup-compatibility/2006">
-        <mc:Choice xmlns:a14="http://schemas.microsoft.com/office/drawing/2010/main" Requires="a14">
+      <mc:AlternateContent xmlns:mc="http://schemas.openxmlformats.org/markup-compatibility/2006" xmlns:a14="http://schemas.microsoft.com/office/drawing/2010/main">
+        <mc:Choice Requires="a14">
           <p:sp>
             <p:nvSpPr>
               <p:cNvPr id="3" name="Content Placeholder 2"/>
@@ -8743,7 +14301,7 @@
             </p:txBody>
           </p:sp>
         </mc:Choice>
-        <mc:Fallback>
+        <mc:Fallback xmlns="">
           <p:sp>
             <p:nvSpPr>
               <p:cNvPr id="3" name="Content Placeholder 2"/>
@@ -8781,8 +14339,8 @@
           </p:sp>
         </mc:Fallback>
       </mc:AlternateContent>
-      <mc:AlternateContent xmlns:mc="http://schemas.openxmlformats.org/markup-compatibility/2006">
-        <mc:Choice xmlns:a14="http://schemas.microsoft.com/office/drawing/2010/main" Requires="a14">
+      <mc:AlternateContent xmlns:mc="http://schemas.openxmlformats.org/markup-compatibility/2006" xmlns:a14="http://schemas.microsoft.com/office/drawing/2010/main">
+        <mc:Choice Requires="a14">
           <p:sp>
             <p:nvSpPr>
               <p:cNvPr id="4" name="Content Placeholder 2"/>
@@ -9061,7 +14619,7 @@
             </p:txBody>
           </p:sp>
         </mc:Choice>
-        <mc:Fallback>
+        <mc:Fallback xmlns="">
           <p:sp>
             <p:nvSpPr>
               <p:cNvPr id="4" name="Content Placeholder 2"/>
@@ -9149,10 +14707,17 @@
   <p:clrMapOvr>
     <a:masterClrMapping/>
   </p:clrMapOvr>
+  <p:timing>
+    <p:tnLst>
+      <p:par>
+        <p:cTn id="1" dur="indefinite" restart="never" nodeType="tmRoot"/>
+      </p:par>
+    </p:tnLst>
+  </p:timing>
 </p:sld>
 </file>
 
-<file path=ppt/slides/slide26.xml><?xml version="1.0" encoding="utf-8"?>
+<file path=ppt/slides/slide36.xml><?xml version="1.0" encoding="utf-8"?>
 <p:sld xmlns:a="http://schemas.openxmlformats.org/drawingml/2006/main" xmlns:r="http://schemas.openxmlformats.org/officeDocument/2006/relationships" xmlns:p="http://schemas.openxmlformats.org/presentationml/2006/main">
   <p:cSld>
     <p:spTree>
@@ -9186,11 +14751,7 @@
           <a:p>
             <a:r>
               <a:rPr lang="en-US" dirty="0" smtClean="0"/>
-              <a:t>Logarithms give t</a:t>
-            </a:r>
-            <a:r>
-              <a:rPr lang="en-US" dirty="0" smtClean="0"/>
-              <a:t>he </a:t>
+              <a:t>Logarithms give the </a:t>
             </a:r>
             <a:r>
               <a:rPr lang="en-US" dirty="0"/>
@@ -9224,8 +14785,8 @@
           </a:p>
         </p:txBody>
       </p:sp>
-      <mc:AlternateContent xmlns:mc="http://schemas.openxmlformats.org/markup-compatibility/2006">
-        <mc:Choice xmlns:a14="http://schemas.microsoft.com/office/drawing/2010/main" Requires="a14">
+      <mc:AlternateContent xmlns:mc="http://schemas.openxmlformats.org/markup-compatibility/2006" xmlns:a14="http://schemas.microsoft.com/office/drawing/2010/main">
+        <mc:Choice Requires="a14">
           <p:sp>
             <p:nvSpPr>
               <p:cNvPr id="4" name="Content Placeholder 2"/>
@@ -9569,7 +15130,7 @@
             </p:txBody>
           </p:sp>
         </mc:Choice>
-        <mc:Fallback>
+        <mc:Fallback xmlns="">
           <p:sp>
             <p:nvSpPr>
               <p:cNvPr id="4" name="Content Placeholder 2"/>
@@ -9618,10 +15179,17 @@
   <p:clrMapOvr>
     <a:masterClrMapping/>
   </p:clrMapOvr>
+  <p:timing>
+    <p:tnLst>
+      <p:par>
+        <p:cTn id="1" dur="indefinite" restart="never" nodeType="tmRoot"/>
+      </p:par>
+    </p:tnLst>
+  </p:timing>
 </p:sld>
 </file>
 
-<file path=ppt/slides/slide27.xml><?xml version="1.0" encoding="utf-8"?>
+<file path=ppt/slides/slide37.xml><?xml version="1.0" encoding="utf-8"?>
 <p:sld xmlns:a="http://schemas.openxmlformats.org/drawingml/2006/main" xmlns:r="http://schemas.openxmlformats.org/officeDocument/2006/relationships" xmlns:p="http://schemas.openxmlformats.org/presentationml/2006/main">
   <p:cSld>
     <p:spTree>
@@ -9673,8 +15241,8 @@
           </a:p>
         </p:txBody>
       </p:sp>
-      <mc:AlternateContent xmlns:mc="http://schemas.openxmlformats.org/markup-compatibility/2006">
-        <mc:Choice xmlns:a14="http://schemas.microsoft.com/office/drawing/2010/main" Requires="a14">
+      <mc:AlternateContent xmlns:mc="http://schemas.openxmlformats.org/markup-compatibility/2006" xmlns:a14="http://schemas.microsoft.com/office/drawing/2010/main">
+        <mc:Choice Requires="a14">
           <p:sp>
             <p:nvSpPr>
               <p:cNvPr id="4" name="Content Placeholder 2"/>
@@ -9937,7 +15505,7 @@
             </p:txBody>
           </p:sp>
         </mc:Choice>
-        <mc:Fallback>
+        <mc:Fallback xmlns="">
           <p:sp>
             <p:nvSpPr>
               <p:cNvPr id="4" name="Content Placeholder 2"/>
@@ -9986,10 +15554,17 @@
   <p:clrMapOvr>
     <a:masterClrMapping/>
   </p:clrMapOvr>
+  <p:timing>
+    <p:tnLst>
+      <p:par>
+        <p:cTn id="1" dur="indefinite" restart="never" nodeType="tmRoot"/>
+      </p:par>
+    </p:tnLst>
+  </p:timing>
 </p:sld>
 </file>
 
-<file path=ppt/slides/slide28.xml><?xml version="1.0" encoding="utf-8"?>
+<file path=ppt/slides/slide38.xml><?xml version="1.0" encoding="utf-8"?>
 <p:sld xmlns:a="http://schemas.openxmlformats.org/drawingml/2006/main" xmlns:r="http://schemas.openxmlformats.org/officeDocument/2006/relationships" xmlns:p="http://schemas.openxmlformats.org/presentationml/2006/main">
   <p:cSld>
     <p:spTree>
@@ -10041,8 +15616,8 @@
           </a:p>
         </p:txBody>
       </p:sp>
-      <mc:AlternateContent xmlns:mc="http://schemas.openxmlformats.org/markup-compatibility/2006">
-        <mc:Choice xmlns:a14="http://schemas.microsoft.com/office/drawing/2010/main" Requires="a14">
+      <mc:AlternateContent xmlns:mc="http://schemas.openxmlformats.org/markup-compatibility/2006" xmlns:a14="http://schemas.microsoft.com/office/drawing/2010/main">
+        <mc:Choice Requires="a14">
           <p:sp>
             <p:nvSpPr>
               <p:cNvPr id="4" name="Content Placeholder 2"/>
@@ -10305,7 +15880,7 @@
             </p:txBody>
           </p:sp>
         </mc:Choice>
-        <mc:Fallback>
+        <mc:Fallback xmlns="">
           <p:sp>
             <p:nvSpPr>
               <p:cNvPr id="4" name="Content Placeholder 2"/>
@@ -10344,8 +15919,8 @@
           </p:sp>
         </mc:Fallback>
       </mc:AlternateContent>
-      <mc:AlternateContent xmlns:mc="http://schemas.openxmlformats.org/markup-compatibility/2006">
-        <mc:Choice xmlns:a14="http://schemas.microsoft.com/office/drawing/2010/main" Requires="a14">
+      <mc:AlternateContent xmlns:mc="http://schemas.openxmlformats.org/markup-compatibility/2006" xmlns:a14="http://schemas.microsoft.com/office/drawing/2010/main">
+        <mc:Choice Requires="a14">
           <p:sp>
             <p:nvSpPr>
               <p:cNvPr id="5" name="Content Placeholder 2"/>
@@ -10586,7 +16161,7 @@
             </p:txBody>
           </p:sp>
         </mc:Choice>
-        <mc:Fallback>
+        <mc:Fallback xmlns="">
           <p:sp>
             <p:nvSpPr>
               <p:cNvPr id="5" name="Content Placeholder 2"/>
@@ -10635,10 +16210,17 @@
   <p:clrMapOvr>
     <a:masterClrMapping/>
   </p:clrMapOvr>
+  <p:timing>
+    <p:tnLst>
+      <p:par>
+        <p:cTn id="1" dur="indefinite" restart="never" nodeType="tmRoot"/>
+      </p:par>
+    </p:tnLst>
+  </p:timing>
 </p:sld>
 </file>
 
-<file path=ppt/slides/slide29.xml><?xml version="1.0" encoding="utf-8"?>
+<file path=ppt/slides/slide39.xml><?xml version="1.0" encoding="utf-8"?>
 <p:sld xmlns:a="http://schemas.openxmlformats.org/drawingml/2006/main" xmlns:r="http://schemas.openxmlformats.org/officeDocument/2006/relationships" xmlns:p="http://schemas.openxmlformats.org/presentationml/2006/main">
   <p:cSld>
     <p:spTree>
@@ -10690,8 +16272,8 @@
           </a:p>
         </p:txBody>
       </p:sp>
-      <mc:AlternateContent xmlns:mc="http://schemas.openxmlformats.org/markup-compatibility/2006">
-        <mc:Choice xmlns:a14="http://schemas.microsoft.com/office/drawing/2010/main" Requires="a14">
+      <mc:AlternateContent xmlns:mc="http://schemas.openxmlformats.org/markup-compatibility/2006" xmlns:a14="http://schemas.microsoft.com/office/drawing/2010/main">
+        <mc:Choice Requires="a14">
           <p:sp>
             <p:nvSpPr>
               <p:cNvPr id="4" name="Content Placeholder 2"/>
@@ -10963,7 +16545,7 @@
             </p:txBody>
           </p:sp>
         </mc:Choice>
-        <mc:Fallback>
+        <mc:Fallback xmlns="">
           <p:sp>
             <p:nvSpPr>
               <p:cNvPr id="4" name="Content Placeholder 2"/>
@@ -11012,162 +16594,13 @@
   <p:clrMapOvr>
     <a:masterClrMapping/>
   </p:clrMapOvr>
-</p:sld>
-</file>
-
-<file path=ppt/slides/slide3.xml><?xml version="1.0" encoding="utf-8"?>
-<p:sld xmlns:a="http://schemas.openxmlformats.org/drawingml/2006/main" xmlns:r="http://schemas.openxmlformats.org/officeDocument/2006/relationships" xmlns:p="http://schemas.openxmlformats.org/presentationml/2006/main">
-  <p:cSld>
-    <p:spTree>
-      <p:nvGrpSpPr>
-        <p:cNvPr id="1" name=""/>
-        <p:cNvGrpSpPr/>
-        <p:nvPr/>
-      </p:nvGrpSpPr>
-      <p:grpSpPr>
-        <a:xfrm>
-          <a:off x="0" y="0"/>
-          <a:ext cx="0" cy="0"/>
-          <a:chOff x="0" y="0"/>
-          <a:chExt cx="0" cy="0"/>
-        </a:xfrm>
-      </p:grpSpPr>
-      <p:sp>
-        <p:nvSpPr>
-          <p:cNvPr id="2" name="Title 1"/>
-          <p:cNvSpPr>
-            <a:spLocks noGrp="1"/>
-          </p:cNvSpPr>
-          <p:nvPr>
-            <p:ph type="title"/>
-          </p:nvPr>
-        </p:nvSpPr>
-        <p:spPr/>
-        <p:txBody>
-          <a:bodyPr/>
-          <a:lstStyle/>
-          <a:p>
-            <a:r>
-              <a:rPr lang="en-US" i="1" dirty="0"/>
-              <a:t>e</a:t>
-            </a:r>
-            <a:r>
-              <a:rPr lang="en-US" dirty="0" smtClean="0"/>
-              <a:t>, like </a:t>
-            </a:r>
-            <a:r>
-              <a:rPr lang="el-GR" i="1" dirty="0" smtClean="0"/>
-              <a:t>π</a:t>
-            </a:r>
-            <a:r>
-              <a:rPr lang="en-US" dirty="0" smtClean="0"/>
-              <a:t>, is a number.</a:t>
-            </a:r>
-            <a:endParaRPr lang="en-US" i="1" dirty="0"/>
-          </a:p>
-        </p:txBody>
-      </p:sp>
-      <mc:AlternateContent xmlns:mc="http://schemas.openxmlformats.org/markup-compatibility/2006">
-        <mc:Choice xmlns:a14="http://schemas.microsoft.com/office/drawing/2010/main" Requires="a14">
-          <p:sp>
-            <p:nvSpPr>
-              <p:cNvPr id="3" name="Content Placeholder 2"/>
-              <p:cNvSpPr>
-                <a:spLocks noGrp="1"/>
-              </p:cNvSpPr>
-              <p:nvPr>
-                <p:ph idx="1"/>
-              </p:nvPr>
-            </p:nvSpPr>
-            <p:spPr>
-              <a:xfrm>
-                <a:off x="374904" y="2941193"/>
-                <a:ext cx="11247120" cy="1027303"/>
-              </a:xfrm>
-            </p:spPr>
-            <p:txBody>
-              <a:bodyPr>
-                <a:noAutofit/>
-              </a:bodyPr>
-              <a:lstStyle/>
-              <a:p>
-                <a:pPr marL="0" indent="0">
-                  <a:buNone/>
-                </a:pPr>
-                <a14:m>
-                  <m:oMathPara xmlns:m="http://schemas.openxmlformats.org/officeDocument/2006/math">
-                    <m:oMathParaPr>
-                      <m:jc m:val="centerGroup"/>
-                    </m:oMathParaPr>
-                    <m:oMath xmlns:m="http://schemas.openxmlformats.org/officeDocument/2006/math">
-                      <m:r>
-                        <a:rPr lang="en-US" sz="6600" b="0" i="1" smtClean="0">
-                          <a:latin typeface="Cambria Math" panose="02040503050406030204" pitchFamily="18" charset="0"/>
-                        </a:rPr>
-                        <m:t>𝑒</m:t>
-                      </m:r>
-                      <m:r>
-                        <a:rPr lang="en-US" sz="6600" b="0" i="1" smtClean="0">
-                          <a:latin typeface="Cambria Math" panose="02040503050406030204" pitchFamily="18" charset="0"/>
-                        </a:rPr>
-                        <m:t>=2.71828182845904523...</m:t>
-                      </m:r>
-                    </m:oMath>
-                  </m:oMathPara>
-                </a14:m>
-                <a:endParaRPr lang="en-US" sz="6600" dirty="0"/>
-              </a:p>
-            </p:txBody>
-          </p:sp>
-        </mc:Choice>
-        <mc:Fallback>
-          <p:sp>
-            <p:nvSpPr>
-              <p:cNvPr id="3" name="Content Placeholder 2"/>
-              <p:cNvSpPr>
-                <a:spLocks noGrp="1" noRot="1" noChangeAspect="1" noMove="1" noResize="1" noEditPoints="1" noAdjustHandles="1" noChangeArrowheads="1" noChangeShapeType="1" noTextEdit="1"/>
-              </p:cNvSpPr>
-              <p:nvPr>
-                <p:ph idx="1"/>
-              </p:nvPr>
-            </p:nvSpPr>
-            <p:spPr>
-              <a:xfrm>
-                <a:off x="374904" y="2941193"/>
-                <a:ext cx="11247120" cy="1027303"/>
-              </a:xfrm>
-              <a:blipFill>
-                <a:blip r:embed="rId2"/>
-                <a:stretch>
-                  <a:fillRect/>
-                </a:stretch>
-              </a:blipFill>
-            </p:spPr>
-            <p:txBody>
-              <a:bodyPr/>
-              <a:lstStyle/>
-              <a:p>
-                <a:r>
-                  <a:rPr lang="en-US">
-                    <a:noFill/>
-                  </a:rPr>
-                  <a:t> </a:t>
-                </a:r>
-              </a:p>
-            </p:txBody>
-          </p:sp>
-        </mc:Fallback>
-      </mc:AlternateContent>
-    </p:spTree>
-    <p:extLst>
-      <p:ext uri="{BB962C8B-B14F-4D97-AF65-F5344CB8AC3E}">
-        <p14:creationId xmlns:p14="http://schemas.microsoft.com/office/powerpoint/2010/main" val="1204714882"/>
-      </p:ext>
-    </p:extLst>
-  </p:cSld>
-  <p:clrMapOvr>
-    <a:masterClrMapping/>
-  </p:clrMapOvr>
+  <p:timing>
+    <p:tnLst>
+      <p:par>
+        <p:cTn id="1" dur="indefinite" restart="never" nodeType="tmRoot"/>
+      </p:par>
+    </p:tnLst>
+  </p:timing>
 </p:sld>
 </file>
 
@@ -11227,8 +16660,8 @@
           </a:p>
         </p:txBody>
       </p:sp>
-      <mc:AlternateContent xmlns:mc="http://schemas.openxmlformats.org/markup-compatibility/2006">
-        <mc:Choice xmlns:a14="http://schemas.microsoft.com/office/drawing/2010/main" Requires="a14">
+      <mc:AlternateContent xmlns:mc="http://schemas.openxmlformats.org/markup-compatibility/2006" xmlns:a14="http://schemas.microsoft.com/office/drawing/2010/main">
+        <mc:Choice Requires="a14">
           <p:sp>
             <p:nvSpPr>
               <p:cNvPr id="3" name="Content Placeholder 2"/>
@@ -11293,7 +16726,7 @@
             </p:txBody>
           </p:sp>
         </mc:Choice>
-        <mc:Fallback>
+        <mc:Fallback xmlns="">
           <p:sp>
             <p:nvSpPr>
               <p:cNvPr id="3" name="Content Placeholder 2"/>
@@ -11341,6 +16774,13 @@
   <p:clrMapOvr>
     <a:masterClrMapping/>
   </p:clrMapOvr>
+  <p:timing>
+    <p:tnLst>
+      <p:par>
+        <p:cTn id="1" dur="indefinite" restart="never" nodeType="tmRoot"/>
+      </p:par>
+    </p:tnLst>
+  </p:timing>
 </p:sld>
 </file>
 
@@ -11400,8 +16840,8 @@
           </a:p>
         </p:txBody>
       </p:sp>
-      <mc:AlternateContent xmlns:mc="http://schemas.openxmlformats.org/markup-compatibility/2006">
-        <mc:Choice xmlns:a14="http://schemas.microsoft.com/office/drawing/2010/main" Requires="a14">
+      <mc:AlternateContent xmlns:mc="http://schemas.openxmlformats.org/markup-compatibility/2006" xmlns:a14="http://schemas.microsoft.com/office/drawing/2010/main">
+        <mc:Choice Requires="a14">
           <p:sp>
             <p:nvSpPr>
               <p:cNvPr id="3" name="Content Placeholder 2"/>
@@ -11508,7 +16948,7 @@
             </p:txBody>
           </p:sp>
         </mc:Choice>
-        <mc:Fallback>
+        <mc:Fallback xmlns="">
           <p:sp>
             <p:nvSpPr>
               <p:cNvPr id="3" name="Content Placeholder 2"/>
@@ -11556,6 +16996,13 @@
   <p:clrMapOvr>
     <a:masterClrMapping/>
   </p:clrMapOvr>
+  <p:timing>
+    <p:tnLst>
+      <p:par>
+        <p:cTn id="1" dur="indefinite" restart="never" nodeType="tmRoot"/>
+      </p:par>
+    </p:tnLst>
+  </p:timing>
 </p:sld>
 </file>
 
@@ -11615,8 +17062,8 @@
           </a:p>
         </p:txBody>
       </p:sp>
-      <mc:AlternateContent xmlns:mc="http://schemas.openxmlformats.org/markup-compatibility/2006">
-        <mc:Choice xmlns:a14="http://schemas.microsoft.com/office/drawing/2010/main" Requires="a14">
+      <mc:AlternateContent xmlns:mc="http://schemas.openxmlformats.org/markup-compatibility/2006" xmlns:a14="http://schemas.microsoft.com/office/drawing/2010/main">
+        <mc:Choice Requires="a14">
           <p:sp>
             <p:nvSpPr>
               <p:cNvPr id="3" name="Content Placeholder 2"/>
@@ -11723,7 +17170,7 @@
             </p:txBody>
           </p:sp>
         </mc:Choice>
-        <mc:Fallback>
+        <mc:Fallback xmlns="">
           <p:sp>
             <p:nvSpPr>
               <p:cNvPr id="3" name="Content Placeholder 2"/>
@@ -11849,6 +17296,13 @@
   <p:clrMapOvr>
     <a:masterClrMapping/>
   </p:clrMapOvr>
+  <p:timing>
+    <p:tnLst>
+      <p:par>
+        <p:cTn id="1" dur="indefinite" restart="never" nodeType="tmRoot"/>
+      </p:par>
+    </p:tnLst>
+  </p:timing>
 </p:sld>
 </file>
 
@@ -11908,8 +17362,8 @@
           </a:p>
         </p:txBody>
       </p:sp>
-      <mc:AlternateContent xmlns:mc="http://schemas.openxmlformats.org/markup-compatibility/2006">
-        <mc:Choice xmlns:a14="http://schemas.microsoft.com/office/drawing/2010/main" Requires="a14">
+      <mc:AlternateContent xmlns:mc="http://schemas.openxmlformats.org/markup-compatibility/2006" xmlns:a14="http://schemas.microsoft.com/office/drawing/2010/main">
+        <mc:Choice Requires="a14">
           <p:sp>
             <p:nvSpPr>
               <p:cNvPr id="3" name="Content Placeholder 2"/>
@@ -12016,7 +17470,7 @@
             </p:txBody>
           </p:sp>
         </mc:Choice>
-        <mc:Fallback>
+        <mc:Fallback xmlns="">
           <p:sp>
             <p:nvSpPr>
               <p:cNvPr id="3" name="Content Placeholder 2"/>
@@ -12189,6 +17643,13 @@
   <p:clrMapOvr>
     <a:masterClrMapping/>
   </p:clrMapOvr>
+  <p:timing>
+    <p:tnLst>
+      <p:par>
+        <p:cTn id="1" dur="indefinite" restart="never" nodeType="tmRoot"/>
+      </p:par>
+    </p:tnLst>
+  </p:timing>
 </p:sld>
 </file>
 
@@ -12248,8 +17709,8 @@
           </a:p>
         </p:txBody>
       </p:sp>
-      <mc:AlternateContent xmlns:mc="http://schemas.openxmlformats.org/markup-compatibility/2006">
-        <mc:Choice xmlns:a14="http://schemas.microsoft.com/office/drawing/2010/main" Requires="a14">
+      <mc:AlternateContent xmlns:mc="http://schemas.openxmlformats.org/markup-compatibility/2006" xmlns:a14="http://schemas.microsoft.com/office/drawing/2010/main">
+        <mc:Choice Requires="a14">
           <p:sp>
             <p:nvSpPr>
               <p:cNvPr id="3" name="Content Placeholder 2"/>
@@ -12318,7 +17779,7 @@
             </p:txBody>
           </p:sp>
         </mc:Choice>
-        <mc:Fallback>
+        <mc:Fallback xmlns="">
           <p:sp>
             <p:nvSpPr>
               <p:cNvPr id="3" name="Content Placeholder 2"/>
@@ -12366,6 +17827,13 @@
   <p:clrMapOvr>
     <a:masterClrMapping/>
   </p:clrMapOvr>
+  <p:timing>
+    <p:tnLst>
+      <p:par>
+        <p:cTn id="1" dur="indefinite" restart="never" nodeType="tmRoot"/>
+      </p:par>
+    </p:tnLst>
+  </p:timing>
 </p:sld>
 </file>
 
@@ -12425,8 +17893,8 @@
           </a:p>
         </p:txBody>
       </p:sp>
-      <mc:AlternateContent xmlns:mc="http://schemas.openxmlformats.org/markup-compatibility/2006">
-        <mc:Choice xmlns:a14="http://schemas.microsoft.com/office/drawing/2010/main" Requires="a14">
+      <mc:AlternateContent xmlns:mc="http://schemas.openxmlformats.org/markup-compatibility/2006" xmlns:a14="http://schemas.microsoft.com/office/drawing/2010/main">
+        <mc:Choice Requires="a14">
           <p:sp>
             <p:nvSpPr>
               <p:cNvPr id="3" name="Content Placeholder 2"/>
@@ -12578,7 +18046,7 @@
             </p:txBody>
           </p:sp>
         </mc:Choice>
-        <mc:Fallback>
+        <mc:Fallback xmlns="">
           <p:sp>
             <p:nvSpPr>
               <p:cNvPr id="3" name="Content Placeholder 2"/>
@@ -12626,6 +18094,13 @@
   <p:clrMapOvr>
     <a:masterClrMapping/>
   </p:clrMapOvr>
+  <p:timing>
+    <p:tnLst>
+      <p:par>
+        <p:cTn id="1" dur="indefinite" restart="never" nodeType="tmRoot"/>
+      </p:par>
+    </p:tnLst>
+  </p:timing>
 </p:sld>
 </file>
 
